--- a/slides/cbse-15.pptx
+++ b/slides/cbse-15.pptx
@@ -3,35 +3,35 @@
 <p:presentation xmlns:a="http://schemas.openxmlformats.org/drawingml/2006/main" xmlns:r="http://schemas.openxmlformats.org/officeDocument/2006/relationships" xmlns:p="http://schemas.openxmlformats.org/presentationml/2006/main" showSpecialPlsOnTitleSld="0" saveSubsetFonts="1">
   <p:sldMasterIdLst>
     <p:sldMasterId id="2147485699" r:id="rId1"/>
+    <p:sldMasterId id="2147485712" r:id="rId2"/>
   </p:sldMasterIdLst>
   <p:notesMasterIdLst>
     <p:notesMasterId r:id="rId26"/>
   </p:notesMasterIdLst>
   <p:sldIdLst>
-    <p:sldId id="256" r:id="rId2"/>
-    <p:sldId id="257" r:id="rId3"/>
-    <p:sldId id="263" r:id="rId4"/>
-    <p:sldId id="264" r:id="rId5"/>
-    <p:sldId id="265" r:id="rId6"/>
-    <p:sldId id="275" r:id="rId7"/>
-    <p:sldId id="276" r:id="rId8"/>
-    <p:sldId id="277" r:id="rId9"/>
-    <p:sldId id="266" r:id="rId10"/>
-    <p:sldId id="267" r:id="rId11"/>
-    <p:sldId id="268" r:id="rId12"/>
-    <p:sldId id="278" r:id="rId13"/>
-    <p:sldId id="269" r:id="rId14"/>
-    <p:sldId id="279" r:id="rId15"/>
-    <p:sldId id="280" r:id="rId16"/>
-    <p:sldId id="281" r:id="rId17"/>
-    <p:sldId id="282" r:id="rId18"/>
-    <p:sldId id="271" r:id="rId19"/>
-    <p:sldId id="272" r:id="rId20"/>
-    <p:sldId id="273" r:id="rId21"/>
-    <p:sldId id="274" r:id="rId22"/>
-    <p:sldId id="261" r:id="rId23"/>
-    <p:sldId id="262" r:id="rId24"/>
-    <p:sldId id="283" r:id="rId25"/>
+    <p:sldId id="284" r:id="rId3"/>
+    <p:sldId id="257" r:id="rId4"/>
+    <p:sldId id="263" r:id="rId5"/>
+    <p:sldId id="264" r:id="rId6"/>
+    <p:sldId id="265" r:id="rId7"/>
+    <p:sldId id="275" r:id="rId8"/>
+    <p:sldId id="276" r:id="rId9"/>
+    <p:sldId id="277" r:id="rId10"/>
+    <p:sldId id="266" r:id="rId11"/>
+    <p:sldId id="267" r:id="rId12"/>
+    <p:sldId id="268" r:id="rId13"/>
+    <p:sldId id="278" r:id="rId14"/>
+    <p:sldId id="269" r:id="rId15"/>
+    <p:sldId id="279" r:id="rId16"/>
+    <p:sldId id="280" r:id="rId17"/>
+    <p:sldId id="281" r:id="rId18"/>
+    <p:sldId id="282" r:id="rId19"/>
+    <p:sldId id="271" r:id="rId20"/>
+    <p:sldId id="272" r:id="rId21"/>
+    <p:sldId id="273" r:id="rId22"/>
+    <p:sldId id="274" r:id="rId23"/>
+    <p:sldId id="261" r:id="rId24"/>
+    <p:sldId id="262" r:id="rId25"/>
   </p:sldIdLst>
   <p:sldSz cx="9144000" cy="6858000" type="screen4x3"/>
   <p:notesSz cx="6858000" cy="9144000"/>
@@ -232,7 +232,7 @@
             <a:fld id="{3FA3F666-68BF-4350-B966-D67724C03F49}" type="datetimeFigureOut">
               <a:rPr lang="fr-FR" smtClean="0"/>
               <a:pPr/>
-              <a:t>11/05/2021</a:t>
+              <a:t>13/11/2024</a:t>
             </a:fld>
             <a:endParaRPr lang="fr-FR"/>
           </a:p>
@@ -4628,7 +4628,7 @@
             <a:fld id="{B3D8F18F-6817-4679-8A6B-D00CC26D0D0D}" type="datetime1">
               <a:rPr lang="fr-FR" smtClean="0"/>
               <a:pPr/>
-              <a:t>11/05/2021</a:t>
+              <a:t>13/11/2024</a:t>
             </a:fld>
             <a:endParaRPr lang="en-US"/>
           </a:p>
@@ -12667,7 +12667,7 @@
             <a:fld id="{B7481C9B-792C-4D75-91D1-A656F88413FB}" type="datetime1">
               <a:rPr lang="fr-FR" smtClean="0"/>
               <a:pPr/>
-              <a:t>11/05/2021</a:t>
+              <a:t>13/11/2024</a:t>
             </a:fld>
             <a:endParaRPr lang="fr-FR"/>
           </a:p>
@@ -12845,7 +12845,7 @@
             <a:fld id="{D04A7E5A-A05C-4FAC-9682-CCDDA30EB4D6}" type="datetime1">
               <a:rPr lang="fr-FR" smtClean="0"/>
               <a:pPr/>
-              <a:t>11/05/2021</a:t>
+              <a:t>13/11/2024</a:t>
             </a:fld>
             <a:endParaRPr lang="fr-FR"/>
           </a:p>
@@ -12902,6 +12902,1777 @@
   <p:transition>
     <p:fade/>
   </p:transition>
+</p:sldLayout>
+</file>
+
+<file path=ppt/slideLayouts/slideLayout12.xml><?xml version="1.0" encoding="utf-8"?>
+<p:sldLayout xmlns:a="http://schemas.openxmlformats.org/drawingml/2006/main" xmlns:r="http://schemas.openxmlformats.org/officeDocument/2006/relationships" xmlns:p="http://schemas.openxmlformats.org/presentationml/2006/main" userDrawn="1">
+  <p:cSld name="2_First Slide">
+    <p:bg>
+      <p:bgRef idx="1001">
+        <a:schemeClr val="bg1"/>
+      </p:bgRef>
+    </p:bg>
+    <p:spTree>
+      <p:nvGrpSpPr>
+        <p:cNvPr id="1" name=""/>
+        <p:cNvGrpSpPr/>
+        <p:nvPr/>
+      </p:nvGrpSpPr>
+      <p:grpSpPr>
+        <a:xfrm>
+          <a:off x="0" y="0"/>
+          <a:ext cx="0" cy="0"/>
+          <a:chOff x="0" y="0"/>
+          <a:chExt cx="0" cy="0"/>
+        </a:xfrm>
+      </p:grpSpPr>
+    </p:spTree>
+    <p:extLst>
+      <p:ext uri="{BB962C8B-B14F-4D97-AF65-F5344CB8AC3E}">
+        <p14:creationId xmlns:p14="http://schemas.microsoft.com/office/powerpoint/2010/main" val="1918952445"/>
+      </p:ext>
+    </p:extLst>
+  </p:cSld>
+  <p:clrMapOvr>
+    <a:overrideClrMapping bg1="lt1" tx1="dk1" bg2="lt2" tx2="dk2" accent1="accent1" accent2="accent2" accent3="accent3" accent4="accent4" accent5="accent5" accent6="accent6" hlink="hlink" folHlink="folHlink"/>
+  </p:clrMapOvr>
+  <p:extLst>
+    <p:ext uri="{DCECCB84-F9BA-43D5-87BE-67443E8EF086}">
+      <p15:sldGuideLst xmlns:p15="http://schemas.microsoft.com/office/powerpoint/2012/main">
+        <p15:guide id="1" orient="horz" pos="3702">
+          <p15:clr>
+            <a:srgbClr val="FBAE40"/>
+          </p15:clr>
+        </p15:guide>
+        <p15:guide id="2" pos="1096">
+          <p15:clr>
+            <a:srgbClr val="FBAE40"/>
+          </p15:clr>
+        </p15:guide>
+        <p15:guide id="3" pos="4384">
+          <p15:clr>
+            <a:srgbClr val="FBAE40"/>
+          </p15:clr>
+        </p15:guide>
+        <p15:guide id="4" pos="2184">
+          <p15:clr>
+            <a:srgbClr val="FBAE40"/>
+          </p15:clr>
+        </p15:guide>
+        <p15:guide id="5" pos="3296">
+          <p15:clr>
+            <a:srgbClr val="FBAE40"/>
+          </p15:clr>
+        </p15:guide>
+        <p15:guide id="6" pos="5473">
+          <p15:clr>
+            <a:srgbClr val="FBAE40"/>
+          </p15:clr>
+        </p15:guide>
+        <p15:guide id="8" pos="6584">
+          <p15:clr>
+            <a:srgbClr val="FBAE40"/>
+          </p15:clr>
+        </p15:guide>
+        <p15:guide id="9" pos="6040">
+          <p15:clr>
+            <a:srgbClr val="FBAE40"/>
+          </p15:clr>
+        </p15:guide>
+        <p15:guide id="10" orient="horz" pos="3090">
+          <p15:clr>
+            <a:srgbClr val="FBAE40"/>
+          </p15:clr>
+        </p15:guide>
+        <p15:guide id="11" orient="horz" pos="1842">
+          <p15:clr>
+            <a:srgbClr val="FBAE40"/>
+          </p15:clr>
+        </p15:guide>
+        <p15:guide id="12" orient="horz" pos="1230">
+          <p15:clr>
+            <a:srgbClr val="FBAE40"/>
+          </p15:clr>
+        </p15:guide>
+        <p15:guide id="13" orient="horz" pos="913">
+          <p15:clr>
+            <a:srgbClr val="FBAE40"/>
+          </p15:clr>
+        </p15:guide>
+        <p15:guide id="14" orient="horz" pos="618">
+          <p15:clr>
+            <a:srgbClr val="FBAE40"/>
+          </p15:clr>
+        </p15:guide>
+        <p15:guide id="15" orient="horz" pos="2478">
+          <p15:clr>
+            <a:srgbClr val="FBAE40"/>
+          </p15:clr>
+        </p15:guide>
+        <p15:guide id="16" pos="393">
+          <p15:clr>
+            <a:srgbClr val="FBAE40"/>
+          </p15:clr>
+        </p15:guide>
+        <p15:guide id="17" orient="horz" pos="3929">
+          <p15:clr>
+            <a:srgbClr val="FBAE40"/>
+          </p15:clr>
+        </p15:guide>
+        <p15:guide id="18" orient="horz" pos="368">
+          <p15:clr>
+            <a:srgbClr val="FBAE40"/>
+          </p15:clr>
+        </p15:guide>
+      </p15:sldGuideLst>
+    </p:ext>
+  </p:extLst>
+</p:sldLayout>
+</file>
+
+<file path=ppt/slideLayouts/slideLayout13.xml><?xml version="1.0" encoding="utf-8"?>
+<p:sldLayout xmlns:a="http://schemas.openxmlformats.org/drawingml/2006/main" xmlns:r="http://schemas.openxmlformats.org/officeDocument/2006/relationships" xmlns:p="http://schemas.openxmlformats.org/presentationml/2006/main" type="title" preserve="1">
+  <p:cSld name="Diapositive de titre">
+    <p:spTree>
+      <p:nvGrpSpPr>
+        <p:cNvPr id="1" name=""/>
+        <p:cNvGrpSpPr/>
+        <p:nvPr/>
+      </p:nvGrpSpPr>
+      <p:grpSpPr>
+        <a:xfrm>
+          <a:off x="0" y="0"/>
+          <a:ext cx="0" cy="0"/>
+          <a:chOff x="0" y="0"/>
+          <a:chExt cx="0" cy="0"/>
+        </a:xfrm>
+      </p:grpSpPr>
+      <p:sp>
+        <p:nvSpPr>
+          <p:cNvPr id="2" name="Titre 1">
+            <a:extLst>
+              <a:ext uri="{FF2B5EF4-FFF2-40B4-BE49-F238E27FC236}">
+                <a16:creationId xmlns:a16="http://schemas.microsoft.com/office/drawing/2014/main" id="{EBADCBA9-1EDA-82A4-2AD9-6A40968B4F02}"/>
+              </a:ext>
+            </a:extLst>
+          </p:cNvPr>
+          <p:cNvSpPr>
+            <a:spLocks noGrp="1"/>
+          </p:cNvSpPr>
+          <p:nvPr>
+            <p:ph type="ctrTitle"/>
+          </p:nvPr>
+        </p:nvSpPr>
+        <p:spPr>
+          <a:xfrm>
+            <a:off x="1143000" y="1122363"/>
+            <a:ext cx="6858000" cy="2387600"/>
+          </a:xfrm>
+        </p:spPr>
+        <p:txBody>
+          <a:bodyPr anchor="b"/>
+          <a:lstStyle>
+            <a:lvl1pPr algn="ctr">
+              <a:defRPr sz="4500"/>
+            </a:lvl1pPr>
+          </a:lstStyle>
+          <a:p>
+            <a:r>
+              <a:rPr lang="fr-FR"/>
+              <a:t>Modifiez le style du titre</a:t>
+            </a:r>
+          </a:p>
+        </p:txBody>
+      </p:sp>
+      <p:sp>
+        <p:nvSpPr>
+          <p:cNvPr id="3" name="Sous-titre 2">
+            <a:extLst>
+              <a:ext uri="{FF2B5EF4-FFF2-40B4-BE49-F238E27FC236}">
+                <a16:creationId xmlns:a16="http://schemas.microsoft.com/office/drawing/2014/main" id="{6F0BECFD-F658-52BC-5AC7-7350F986E8D7}"/>
+              </a:ext>
+            </a:extLst>
+          </p:cNvPr>
+          <p:cNvSpPr>
+            <a:spLocks noGrp="1"/>
+          </p:cNvSpPr>
+          <p:nvPr>
+            <p:ph type="subTitle" idx="1"/>
+          </p:nvPr>
+        </p:nvSpPr>
+        <p:spPr>
+          <a:xfrm>
+            <a:off x="1143000" y="3602038"/>
+            <a:ext cx="6858000" cy="1655762"/>
+          </a:xfrm>
+        </p:spPr>
+        <p:txBody>
+          <a:bodyPr/>
+          <a:lstStyle>
+            <a:lvl1pPr marL="0" indent="0" algn="ctr">
+              <a:buNone/>
+              <a:defRPr sz="1800"/>
+            </a:lvl1pPr>
+            <a:lvl2pPr marL="342900" indent="0" algn="ctr">
+              <a:buNone/>
+              <a:defRPr sz="1500"/>
+            </a:lvl2pPr>
+            <a:lvl3pPr marL="685800" indent="0" algn="ctr">
+              <a:buNone/>
+              <a:defRPr sz="1350"/>
+            </a:lvl3pPr>
+            <a:lvl4pPr marL="1028700" indent="0" algn="ctr">
+              <a:buNone/>
+              <a:defRPr sz="1200"/>
+            </a:lvl4pPr>
+            <a:lvl5pPr marL="1371600" indent="0" algn="ctr">
+              <a:buNone/>
+              <a:defRPr sz="1200"/>
+            </a:lvl5pPr>
+            <a:lvl6pPr marL="1714500" indent="0" algn="ctr">
+              <a:buNone/>
+              <a:defRPr sz="1200"/>
+            </a:lvl6pPr>
+            <a:lvl7pPr marL="2057400" indent="0" algn="ctr">
+              <a:buNone/>
+              <a:defRPr sz="1200"/>
+            </a:lvl7pPr>
+            <a:lvl8pPr marL="2400300" indent="0" algn="ctr">
+              <a:buNone/>
+              <a:defRPr sz="1200"/>
+            </a:lvl8pPr>
+            <a:lvl9pPr marL="2743200" indent="0" algn="ctr">
+              <a:buNone/>
+              <a:defRPr sz="1200"/>
+            </a:lvl9pPr>
+          </a:lstStyle>
+          <a:p>
+            <a:r>
+              <a:rPr lang="fr-FR"/>
+              <a:t>Modifiez le style des sous-titres du masque</a:t>
+            </a:r>
+          </a:p>
+        </p:txBody>
+      </p:sp>
+      <p:sp>
+        <p:nvSpPr>
+          <p:cNvPr id="4" name="Espace réservé de la date 3">
+            <a:extLst>
+              <a:ext uri="{FF2B5EF4-FFF2-40B4-BE49-F238E27FC236}">
+                <a16:creationId xmlns:a16="http://schemas.microsoft.com/office/drawing/2014/main" id="{9BC94B43-6469-56C0-34A2-CD30DC197273}"/>
+              </a:ext>
+            </a:extLst>
+          </p:cNvPr>
+          <p:cNvSpPr>
+            <a:spLocks noGrp="1"/>
+          </p:cNvSpPr>
+          <p:nvPr>
+            <p:ph type="dt" sz="half" idx="10"/>
+          </p:nvPr>
+        </p:nvSpPr>
+        <p:spPr/>
+        <p:txBody>
+          <a:bodyPr/>
+          <a:lstStyle/>
+          <a:p>
+            <a:fld id="{715FFEA2-8EE2-4E3B-A523-DF67F5ED41E6}" type="datetime1">
+              <a:rPr lang="fr-FR" smtClean="0"/>
+              <a:pPr/>
+              <a:t>13/11/2024</a:t>
+            </a:fld>
+            <a:endParaRPr lang="fr-FR"/>
+          </a:p>
+        </p:txBody>
+      </p:sp>
+      <p:sp>
+        <p:nvSpPr>
+          <p:cNvPr id="5" name="Espace réservé du pied de page 4">
+            <a:extLst>
+              <a:ext uri="{FF2B5EF4-FFF2-40B4-BE49-F238E27FC236}">
+                <a16:creationId xmlns:a16="http://schemas.microsoft.com/office/drawing/2014/main" id="{6F6AC31A-1FC8-974A-42D8-53FC00DE12DF}"/>
+              </a:ext>
+            </a:extLst>
+          </p:cNvPr>
+          <p:cNvSpPr>
+            <a:spLocks noGrp="1"/>
+          </p:cNvSpPr>
+          <p:nvPr>
+            <p:ph type="ftr" sz="quarter" idx="11"/>
+          </p:nvPr>
+        </p:nvSpPr>
+        <p:spPr/>
+        <p:txBody>
+          <a:bodyPr/>
+          <a:lstStyle/>
+          <a:p>
+            <a:endParaRPr lang="fr-FR"/>
+          </a:p>
+        </p:txBody>
+      </p:sp>
+      <p:sp>
+        <p:nvSpPr>
+          <p:cNvPr id="6" name="Espace réservé du numéro de diapositive 5">
+            <a:extLst>
+              <a:ext uri="{FF2B5EF4-FFF2-40B4-BE49-F238E27FC236}">
+                <a16:creationId xmlns:a16="http://schemas.microsoft.com/office/drawing/2014/main" id="{1972DF47-22C1-E3F5-3FA1-76903A0B04D4}"/>
+              </a:ext>
+            </a:extLst>
+          </p:cNvPr>
+          <p:cNvSpPr>
+            <a:spLocks noGrp="1"/>
+          </p:cNvSpPr>
+          <p:nvPr>
+            <p:ph type="sldNum" sz="quarter" idx="12"/>
+          </p:nvPr>
+        </p:nvSpPr>
+        <p:spPr/>
+        <p:txBody>
+          <a:bodyPr/>
+          <a:lstStyle/>
+          <a:p>
+            <a:fld id="{05140462-0667-4258-8DD6-DC1FD194F4F6}" type="slidenum">
+              <a:rPr lang="fr-FR" smtClean="0"/>
+              <a:pPr/>
+              <a:t>‹N°›</a:t>
+            </a:fld>
+            <a:endParaRPr lang="fr-FR"/>
+          </a:p>
+        </p:txBody>
+      </p:sp>
+    </p:spTree>
+    <p:extLst>
+      <p:ext uri="{BB962C8B-B14F-4D97-AF65-F5344CB8AC3E}">
+        <p14:creationId xmlns:p14="http://schemas.microsoft.com/office/powerpoint/2010/main" val="2932226504"/>
+      </p:ext>
+    </p:extLst>
+  </p:cSld>
+  <p:clrMapOvr>
+    <a:masterClrMapping/>
+  </p:clrMapOvr>
+  <p:hf hdr="0" ftr="0" dt="0"/>
+</p:sldLayout>
+</file>
+
+<file path=ppt/slideLayouts/slideLayout14.xml><?xml version="1.0" encoding="utf-8"?>
+<p:sldLayout xmlns:a="http://schemas.openxmlformats.org/drawingml/2006/main" xmlns:r="http://schemas.openxmlformats.org/officeDocument/2006/relationships" xmlns:p="http://schemas.openxmlformats.org/presentationml/2006/main" type="obj" preserve="1">
+  <p:cSld name="Titre et contenu">
+    <p:spTree>
+      <p:nvGrpSpPr>
+        <p:cNvPr id="1" name=""/>
+        <p:cNvGrpSpPr/>
+        <p:nvPr/>
+      </p:nvGrpSpPr>
+      <p:grpSpPr>
+        <a:xfrm>
+          <a:off x="0" y="0"/>
+          <a:ext cx="0" cy="0"/>
+          <a:chOff x="0" y="0"/>
+          <a:chExt cx="0" cy="0"/>
+        </a:xfrm>
+      </p:grpSpPr>
+      <p:sp>
+        <p:nvSpPr>
+          <p:cNvPr id="2" name="Titre 1">
+            <a:extLst>
+              <a:ext uri="{FF2B5EF4-FFF2-40B4-BE49-F238E27FC236}">
+                <a16:creationId xmlns:a16="http://schemas.microsoft.com/office/drawing/2014/main" id="{0C7BCAA8-C1E4-C8A3-2715-FDB80B29A53B}"/>
+              </a:ext>
+            </a:extLst>
+          </p:cNvPr>
+          <p:cNvSpPr>
+            <a:spLocks noGrp="1"/>
+          </p:cNvSpPr>
+          <p:nvPr>
+            <p:ph type="title"/>
+          </p:nvPr>
+        </p:nvSpPr>
+        <p:spPr/>
+        <p:txBody>
+          <a:bodyPr/>
+          <a:lstStyle/>
+          <a:p>
+            <a:r>
+              <a:rPr lang="fr-FR"/>
+              <a:t>Modifiez le style du titre</a:t>
+            </a:r>
+          </a:p>
+        </p:txBody>
+      </p:sp>
+      <p:sp>
+        <p:nvSpPr>
+          <p:cNvPr id="3" name="Espace réservé du contenu 2">
+            <a:extLst>
+              <a:ext uri="{FF2B5EF4-FFF2-40B4-BE49-F238E27FC236}">
+                <a16:creationId xmlns:a16="http://schemas.microsoft.com/office/drawing/2014/main" id="{678C581C-5803-1D40-6353-67B25DE5D5A8}"/>
+              </a:ext>
+            </a:extLst>
+          </p:cNvPr>
+          <p:cNvSpPr>
+            <a:spLocks noGrp="1"/>
+          </p:cNvSpPr>
+          <p:nvPr>
+            <p:ph idx="1"/>
+          </p:nvPr>
+        </p:nvSpPr>
+        <p:spPr/>
+        <p:txBody>
+          <a:bodyPr/>
+          <a:lstStyle/>
+          <a:p>
+            <a:pPr lvl="0"/>
+            <a:r>
+              <a:rPr lang="fr-FR"/>
+              <a:t>Cliquez pour modifier les styles du texte du masque</a:t>
+            </a:r>
+          </a:p>
+          <a:p>
+            <a:pPr lvl="1"/>
+            <a:r>
+              <a:rPr lang="fr-FR"/>
+              <a:t>Deuxième niveau</a:t>
+            </a:r>
+          </a:p>
+          <a:p>
+            <a:pPr lvl="2"/>
+            <a:r>
+              <a:rPr lang="fr-FR"/>
+              <a:t>Troisième niveau</a:t>
+            </a:r>
+          </a:p>
+          <a:p>
+            <a:pPr lvl="3"/>
+            <a:r>
+              <a:rPr lang="fr-FR"/>
+              <a:t>Quatrième niveau</a:t>
+            </a:r>
+          </a:p>
+          <a:p>
+            <a:pPr lvl="4"/>
+            <a:r>
+              <a:rPr lang="fr-FR"/>
+              <a:t>Cinquième niveau</a:t>
+            </a:r>
+          </a:p>
+        </p:txBody>
+      </p:sp>
+      <p:sp>
+        <p:nvSpPr>
+          <p:cNvPr id="4" name="Espace réservé de la date 3">
+            <a:extLst>
+              <a:ext uri="{FF2B5EF4-FFF2-40B4-BE49-F238E27FC236}">
+                <a16:creationId xmlns:a16="http://schemas.microsoft.com/office/drawing/2014/main" id="{7F23C8FC-0114-5B55-C3BA-537A8FB5291F}"/>
+              </a:ext>
+            </a:extLst>
+          </p:cNvPr>
+          <p:cNvSpPr>
+            <a:spLocks noGrp="1"/>
+          </p:cNvSpPr>
+          <p:nvPr>
+            <p:ph type="dt" sz="half" idx="10"/>
+          </p:nvPr>
+        </p:nvSpPr>
+        <p:spPr/>
+        <p:txBody>
+          <a:bodyPr/>
+          <a:lstStyle/>
+          <a:p>
+            <a:fld id="{715FFEA2-8EE2-4E3B-A523-DF67F5ED41E6}" type="datetime1">
+              <a:rPr lang="fr-FR" smtClean="0"/>
+              <a:pPr/>
+              <a:t>13/11/2024</a:t>
+            </a:fld>
+            <a:endParaRPr lang="fr-FR"/>
+          </a:p>
+        </p:txBody>
+      </p:sp>
+      <p:sp>
+        <p:nvSpPr>
+          <p:cNvPr id="5" name="Espace réservé du pied de page 4">
+            <a:extLst>
+              <a:ext uri="{FF2B5EF4-FFF2-40B4-BE49-F238E27FC236}">
+                <a16:creationId xmlns:a16="http://schemas.microsoft.com/office/drawing/2014/main" id="{B896A5BB-911B-F70C-8B6B-FFC0E93FDDC5}"/>
+              </a:ext>
+            </a:extLst>
+          </p:cNvPr>
+          <p:cNvSpPr>
+            <a:spLocks noGrp="1"/>
+          </p:cNvSpPr>
+          <p:nvPr>
+            <p:ph type="ftr" sz="quarter" idx="11"/>
+          </p:nvPr>
+        </p:nvSpPr>
+        <p:spPr/>
+        <p:txBody>
+          <a:bodyPr/>
+          <a:lstStyle/>
+          <a:p>
+            <a:endParaRPr lang="fr-FR"/>
+          </a:p>
+        </p:txBody>
+      </p:sp>
+      <p:sp>
+        <p:nvSpPr>
+          <p:cNvPr id="6" name="Espace réservé du numéro de diapositive 5">
+            <a:extLst>
+              <a:ext uri="{FF2B5EF4-FFF2-40B4-BE49-F238E27FC236}">
+                <a16:creationId xmlns:a16="http://schemas.microsoft.com/office/drawing/2014/main" id="{92FBCAED-3009-02CC-13CD-3176A34773E2}"/>
+              </a:ext>
+            </a:extLst>
+          </p:cNvPr>
+          <p:cNvSpPr>
+            <a:spLocks noGrp="1"/>
+          </p:cNvSpPr>
+          <p:nvPr>
+            <p:ph type="sldNum" sz="quarter" idx="12"/>
+          </p:nvPr>
+        </p:nvSpPr>
+        <p:spPr/>
+        <p:txBody>
+          <a:bodyPr/>
+          <a:lstStyle/>
+          <a:p>
+            <a:fld id="{05140462-0667-4258-8DD6-DC1FD194F4F6}" type="slidenum">
+              <a:rPr lang="fr-FR" smtClean="0"/>
+              <a:pPr/>
+              <a:t>‹N°›</a:t>
+            </a:fld>
+            <a:endParaRPr lang="fr-FR"/>
+          </a:p>
+        </p:txBody>
+      </p:sp>
+    </p:spTree>
+    <p:extLst>
+      <p:ext uri="{BB962C8B-B14F-4D97-AF65-F5344CB8AC3E}">
+        <p14:creationId xmlns:p14="http://schemas.microsoft.com/office/powerpoint/2010/main" val="3709049177"/>
+      </p:ext>
+    </p:extLst>
+  </p:cSld>
+  <p:clrMapOvr>
+    <a:masterClrMapping/>
+  </p:clrMapOvr>
+  <p:hf hdr="0" ftr="0" dt="0"/>
+</p:sldLayout>
+</file>
+
+<file path=ppt/slideLayouts/slideLayout15.xml><?xml version="1.0" encoding="utf-8"?>
+<p:sldLayout xmlns:a="http://schemas.openxmlformats.org/drawingml/2006/main" xmlns:r="http://schemas.openxmlformats.org/officeDocument/2006/relationships" xmlns:p="http://schemas.openxmlformats.org/presentationml/2006/main" type="secHead" preserve="1">
+  <p:cSld name="Titre de section">
+    <p:spTree>
+      <p:nvGrpSpPr>
+        <p:cNvPr id="1" name=""/>
+        <p:cNvGrpSpPr/>
+        <p:nvPr/>
+      </p:nvGrpSpPr>
+      <p:grpSpPr>
+        <a:xfrm>
+          <a:off x="0" y="0"/>
+          <a:ext cx="0" cy="0"/>
+          <a:chOff x="0" y="0"/>
+          <a:chExt cx="0" cy="0"/>
+        </a:xfrm>
+      </p:grpSpPr>
+      <p:sp>
+        <p:nvSpPr>
+          <p:cNvPr id="2" name="Titre 1">
+            <a:extLst>
+              <a:ext uri="{FF2B5EF4-FFF2-40B4-BE49-F238E27FC236}">
+                <a16:creationId xmlns:a16="http://schemas.microsoft.com/office/drawing/2014/main" id="{02629447-1F0B-0438-3BCD-43ED9C339A4B}"/>
+              </a:ext>
+            </a:extLst>
+          </p:cNvPr>
+          <p:cNvSpPr>
+            <a:spLocks noGrp="1"/>
+          </p:cNvSpPr>
+          <p:nvPr>
+            <p:ph type="title"/>
+          </p:nvPr>
+        </p:nvSpPr>
+        <p:spPr>
+          <a:xfrm>
+            <a:off x="623888" y="1709739"/>
+            <a:ext cx="7886700" cy="2852737"/>
+          </a:xfrm>
+        </p:spPr>
+        <p:txBody>
+          <a:bodyPr anchor="b"/>
+          <a:lstStyle>
+            <a:lvl1pPr>
+              <a:defRPr sz="4500"/>
+            </a:lvl1pPr>
+          </a:lstStyle>
+          <a:p>
+            <a:r>
+              <a:rPr lang="fr-FR"/>
+              <a:t>Modifiez le style du titre</a:t>
+            </a:r>
+          </a:p>
+        </p:txBody>
+      </p:sp>
+      <p:sp>
+        <p:nvSpPr>
+          <p:cNvPr id="3" name="Espace réservé du texte 2">
+            <a:extLst>
+              <a:ext uri="{FF2B5EF4-FFF2-40B4-BE49-F238E27FC236}">
+                <a16:creationId xmlns:a16="http://schemas.microsoft.com/office/drawing/2014/main" id="{C536C28C-19BC-8344-CF6B-0869549D6F23}"/>
+              </a:ext>
+            </a:extLst>
+          </p:cNvPr>
+          <p:cNvSpPr>
+            <a:spLocks noGrp="1"/>
+          </p:cNvSpPr>
+          <p:nvPr>
+            <p:ph type="body" idx="1"/>
+          </p:nvPr>
+        </p:nvSpPr>
+        <p:spPr>
+          <a:xfrm>
+            <a:off x="623888" y="4589464"/>
+            <a:ext cx="7886700" cy="1500187"/>
+          </a:xfrm>
+        </p:spPr>
+        <p:txBody>
+          <a:bodyPr/>
+          <a:lstStyle>
+            <a:lvl1pPr marL="0" indent="0">
+              <a:buNone/>
+              <a:defRPr sz="1800">
+                <a:solidFill>
+                  <a:schemeClr val="tx1">
+                    <a:tint val="82000"/>
+                  </a:schemeClr>
+                </a:solidFill>
+              </a:defRPr>
+            </a:lvl1pPr>
+            <a:lvl2pPr marL="342900" indent="0">
+              <a:buNone/>
+              <a:defRPr sz="1500">
+                <a:solidFill>
+                  <a:schemeClr val="tx1">
+                    <a:tint val="82000"/>
+                  </a:schemeClr>
+                </a:solidFill>
+              </a:defRPr>
+            </a:lvl2pPr>
+            <a:lvl3pPr marL="685800" indent="0">
+              <a:buNone/>
+              <a:defRPr sz="1350">
+                <a:solidFill>
+                  <a:schemeClr val="tx1">
+                    <a:tint val="82000"/>
+                  </a:schemeClr>
+                </a:solidFill>
+              </a:defRPr>
+            </a:lvl3pPr>
+            <a:lvl4pPr marL="1028700" indent="0">
+              <a:buNone/>
+              <a:defRPr sz="1200">
+                <a:solidFill>
+                  <a:schemeClr val="tx1">
+                    <a:tint val="82000"/>
+                  </a:schemeClr>
+                </a:solidFill>
+              </a:defRPr>
+            </a:lvl4pPr>
+            <a:lvl5pPr marL="1371600" indent="0">
+              <a:buNone/>
+              <a:defRPr sz="1200">
+                <a:solidFill>
+                  <a:schemeClr val="tx1">
+                    <a:tint val="82000"/>
+                  </a:schemeClr>
+                </a:solidFill>
+              </a:defRPr>
+            </a:lvl5pPr>
+            <a:lvl6pPr marL="1714500" indent="0">
+              <a:buNone/>
+              <a:defRPr sz="1200">
+                <a:solidFill>
+                  <a:schemeClr val="tx1">
+                    <a:tint val="82000"/>
+                  </a:schemeClr>
+                </a:solidFill>
+              </a:defRPr>
+            </a:lvl6pPr>
+            <a:lvl7pPr marL="2057400" indent="0">
+              <a:buNone/>
+              <a:defRPr sz="1200">
+                <a:solidFill>
+                  <a:schemeClr val="tx1">
+                    <a:tint val="82000"/>
+                  </a:schemeClr>
+                </a:solidFill>
+              </a:defRPr>
+            </a:lvl7pPr>
+            <a:lvl8pPr marL="2400300" indent="0">
+              <a:buNone/>
+              <a:defRPr sz="1200">
+                <a:solidFill>
+                  <a:schemeClr val="tx1">
+                    <a:tint val="82000"/>
+                  </a:schemeClr>
+                </a:solidFill>
+              </a:defRPr>
+            </a:lvl8pPr>
+            <a:lvl9pPr marL="2743200" indent="0">
+              <a:buNone/>
+              <a:defRPr sz="1200">
+                <a:solidFill>
+                  <a:schemeClr val="tx1">
+                    <a:tint val="82000"/>
+                  </a:schemeClr>
+                </a:solidFill>
+              </a:defRPr>
+            </a:lvl9pPr>
+          </a:lstStyle>
+          <a:p>
+            <a:pPr lvl="0"/>
+            <a:r>
+              <a:rPr lang="fr-FR"/>
+              <a:t>Cliquez pour modifier les styles du texte du masque</a:t>
+            </a:r>
+          </a:p>
+        </p:txBody>
+      </p:sp>
+      <p:sp>
+        <p:nvSpPr>
+          <p:cNvPr id="4" name="Espace réservé de la date 3">
+            <a:extLst>
+              <a:ext uri="{FF2B5EF4-FFF2-40B4-BE49-F238E27FC236}">
+                <a16:creationId xmlns:a16="http://schemas.microsoft.com/office/drawing/2014/main" id="{4A2B0520-9619-D748-520A-507D0665D39E}"/>
+              </a:ext>
+            </a:extLst>
+          </p:cNvPr>
+          <p:cNvSpPr>
+            <a:spLocks noGrp="1"/>
+          </p:cNvSpPr>
+          <p:nvPr>
+            <p:ph type="dt" sz="half" idx="10"/>
+          </p:nvPr>
+        </p:nvSpPr>
+        <p:spPr/>
+        <p:txBody>
+          <a:bodyPr/>
+          <a:lstStyle/>
+          <a:p>
+            <a:fld id="{715FFEA2-8EE2-4E3B-A523-DF67F5ED41E6}" type="datetime1">
+              <a:rPr lang="fr-FR" smtClean="0"/>
+              <a:pPr/>
+              <a:t>13/11/2024</a:t>
+            </a:fld>
+            <a:endParaRPr lang="fr-FR"/>
+          </a:p>
+        </p:txBody>
+      </p:sp>
+      <p:sp>
+        <p:nvSpPr>
+          <p:cNvPr id="5" name="Espace réservé du pied de page 4">
+            <a:extLst>
+              <a:ext uri="{FF2B5EF4-FFF2-40B4-BE49-F238E27FC236}">
+                <a16:creationId xmlns:a16="http://schemas.microsoft.com/office/drawing/2014/main" id="{8124A8B4-F084-6367-8F2D-D125CE5FE292}"/>
+              </a:ext>
+            </a:extLst>
+          </p:cNvPr>
+          <p:cNvSpPr>
+            <a:spLocks noGrp="1"/>
+          </p:cNvSpPr>
+          <p:nvPr>
+            <p:ph type="ftr" sz="quarter" idx="11"/>
+          </p:nvPr>
+        </p:nvSpPr>
+        <p:spPr/>
+        <p:txBody>
+          <a:bodyPr/>
+          <a:lstStyle/>
+          <a:p>
+            <a:endParaRPr lang="fr-FR"/>
+          </a:p>
+        </p:txBody>
+      </p:sp>
+      <p:sp>
+        <p:nvSpPr>
+          <p:cNvPr id="6" name="Espace réservé du numéro de diapositive 5">
+            <a:extLst>
+              <a:ext uri="{FF2B5EF4-FFF2-40B4-BE49-F238E27FC236}">
+                <a16:creationId xmlns:a16="http://schemas.microsoft.com/office/drawing/2014/main" id="{13FC4C4A-4736-8461-4A69-33900729E2DF}"/>
+              </a:ext>
+            </a:extLst>
+          </p:cNvPr>
+          <p:cNvSpPr>
+            <a:spLocks noGrp="1"/>
+          </p:cNvSpPr>
+          <p:nvPr>
+            <p:ph type="sldNum" sz="quarter" idx="12"/>
+          </p:nvPr>
+        </p:nvSpPr>
+        <p:spPr/>
+        <p:txBody>
+          <a:bodyPr/>
+          <a:lstStyle/>
+          <a:p>
+            <a:fld id="{05140462-0667-4258-8DD6-DC1FD194F4F6}" type="slidenum">
+              <a:rPr lang="fr-FR" smtClean="0"/>
+              <a:pPr/>
+              <a:t>‹N°›</a:t>
+            </a:fld>
+            <a:endParaRPr lang="fr-FR"/>
+          </a:p>
+        </p:txBody>
+      </p:sp>
+    </p:spTree>
+    <p:extLst>
+      <p:ext uri="{BB962C8B-B14F-4D97-AF65-F5344CB8AC3E}">
+        <p14:creationId xmlns:p14="http://schemas.microsoft.com/office/powerpoint/2010/main" val="973827452"/>
+      </p:ext>
+    </p:extLst>
+  </p:cSld>
+  <p:clrMapOvr>
+    <a:masterClrMapping/>
+  </p:clrMapOvr>
+  <p:hf hdr="0" ftr="0" dt="0"/>
+</p:sldLayout>
+</file>
+
+<file path=ppt/slideLayouts/slideLayout16.xml><?xml version="1.0" encoding="utf-8"?>
+<p:sldLayout xmlns:a="http://schemas.openxmlformats.org/drawingml/2006/main" xmlns:r="http://schemas.openxmlformats.org/officeDocument/2006/relationships" xmlns:p="http://schemas.openxmlformats.org/presentationml/2006/main" type="twoObj" preserve="1">
+  <p:cSld name="Deux contenus">
+    <p:spTree>
+      <p:nvGrpSpPr>
+        <p:cNvPr id="1" name=""/>
+        <p:cNvGrpSpPr/>
+        <p:nvPr/>
+      </p:nvGrpSpPr>
+      <p:grpSpPr>
+        <a:xfrm>
+          <a:off x="0" y="0"/>
+          <a:ext cx="0" cy="0"/>
+          <a:chOff x="0" y="0"/>
+          <a:chExt cx="0" cy="0"/>
+        </a:xfrm>
+      </p:grpSpPr>
+      <p:sp>
+        <p:nvSpPr>
+          <p:cNvPr id="2" name="Titre 1">
+            <a:extLst>
+              <a:ext uri="{FF2B5EF4-FFF2-40B4-BE49-F238E27FC236}">
+                <a16:creationId xmlns:a16="http://schemas.microsoft.com/office/drawing/2014/main" id="{771978D7-B2CD-8145-3846-539A739444F2}"/>
+              </a:ext>
+            </a:extLst>
+          </p:cNvPr>
+          <p:cNvSpPr>
+            <a:spLocks noGrp="1"/>
+          </p:cNvSpPr>
+          <p:nvPr>
+            <p:ph type="title"/>
+          </p:nvPr>
+        </p:nvSpPr>
+        <p:spPr/>
+        <p:txBody>
+          <a:bodyPr/>
+          <a:lstStyle/>
+          <a:p>
+            <a:r>
+              <a:rPr lang="fr-FR"/>
+              <a:t>Modifiez le style du titre</a:t>
+            </a:r>
+          </a:p>
+        </p:txBody>
+      </p:sp>
+      <p:sp>
+        <p:nvSpPr>
+          <p:cNvPr id="3" name="Espace réservé du contenu 2">
+            <a:extLst>
+              <a:ext uri="{FF2B5EF4-FFF2-40B4-BE49-F238E27FC236}">
+                <a16:creationId xmlns:a16="http://schemas.microsoft.com/office/drawing/2014/main" id="{E20CD7A5-4269-24A9-41CC-788FEA9B21C2}"/>
+              </a:ext>
+            </a:extLst>
+          </p:cNvPr>
+          <p:cNvSpPr>
+            <a:spLocks noGrp="1"/>
+          </p:cNvSpPr>
+          <p:nvPr>
+            <p:ph sz="half" idx="1"/>
+          </p:nvPr>
+        </p:nvSpPr>
+        <p:spPr>
+          <a:xfrm>
+            <a:off x="628650" y="1825625"/>
+            <a:ext cx="3886200" cy="4351338"/>
+          </a:xfrm>
+        </p:spPr>
+        <p:txBody>
+          <a:bodyPr/>
+          <a:lstStyle/>
+          <a:p>
+            <a:pPr lvl="0"/>
+            <a:r>
+              <a:rPr lang="fr-FR"/>
+              <a:t>Cliquez pour modifier les styles du texte du masque</a:t>
+            </a:r>
+          </a:p>
+          <a:p>
+            <a:pPr lvl="1"/>
+            <a:r>
+              <a:rPr lang="fr-FR"/>
+              <a:t>Deuxième niveau</a:t>
+            </a:r>
+          </a:p>
+          <a:p>
+            <a:pPr lvl="2"/>
+            <a:r>
+              <a:rPr lang="fr-FR"/>
+              <a:t>Troisième niveau</a:t>
+            </a:r>
+          </a:p>
+          <a:p>
+            <a:pPr lvl="3"/>
+            <a:r>
+              <a:rPr lang="fr-FR"/>
+              <a:t>Quatrième niveau</a:t>
+            </a:r>
+          </a:p>
+          <a:p>
+            <a:pPr lvl="4"/>
+            <a:r>
+              <a:rPr lang="fr-FR"/>
+              <a:t>Cinquième niveau</a:t>
+            </a:r>
+          </a:p>
+        </p:txBody>
+      </p:sp>
+      <p:sp>
+        <p:nvSpPr>
+          <p:cNvPr id="4" name="Espace réservé du contenu 3">
+            <a:extLst>
+              <a:ext uri="{FF2B5EF4-FFF2-40B4-BE49-F238E27FC236}">
+                <a16:creationId xmlns:a16="http://schemas.microsoft.com/office/drawing/2014/main" id="{2586A596-10B8-F46E-F444-0CAD13E452B3}"/>
+              </a:ext>
+            </a:extLst>
+          </p:cNvPr>
+          <p:cNvSpPr>
+            <a:spLocks noGrp="1"/>
+          </p:cNvSpPr>
+          <p:nvPr>
+            <p:ph sz="half" idx="2"/>
+          </p:nvPr>
+        </p:nvSpPr>
+        <p:spPr>
+          <a:xfrm>
+            <a:off x="4629150" y="1825625"/>
+            <a:ext cx="3886200" cy="4351338"/>
+          </a:xfrm>
+        </p:spPr>
+        <p:txBody>
+          <a:bodyPr/>
+          <a:lstStyle/>
+          <a:p>
+            <a:pPr lvl="0"/>
+            <a:r>
+              <a:rPr lang="fr-FR"/>
+              <a:t>Cliquez pour modifier les styles du texte du masque</a:t>
+            </a:r>
+          </a:p>
+          <a:p>
+            <a:pPr lvl="1"/>
+            <a:r>
+              <a:rPr lang="fr-FR"/>
+              <a:t>Deuxième niveau</a:t>
+            </a:r>
+          </a:p>
+          <a:p>
+            <a:pPr lvl="2"/>
+            <a:r>
+              <a:rPr lang="fr-FR"/>
+              <a:t>Troisième niveau</a:t>
+            </a:r>
+          </a:p>
+          <a:p>
+            <a:pPr lvl="3"/>
+            <a:r>
+              <a:rPr lang="fr-FR"/>
+              <a:t>Quatrième niveau</a:t>
+            </a:r>
+          </a:p>
+          <a:p>
+            <a:pPr lvl="4"/>
+            <a:r>
+              <a:rPr lang="fr-FR"/>
+              <a:t>Cinquième niveau</a:t>
+            </a:r>
+          </a:p>
+        </p:txBody>
+      </p:sp>
+      <p:sp>
+        <p:nvSpPr>
+          <p:cNvPr id="5" name="Espace réservé de la date 4">
+            <a:extLst>
+              <a:ext uri="{FF2B5EF4-FFF2-40B4-BE49-F238E27FC236}">
+                <a16:creationId xmlns:a16="http://schemas.microsoft.com/office/drawing/2014/main" id="{BDB40E8E-EF08-E915-C400-6696F573ABF3}"/>
+              </a:ext>
+            </a:extLst>
+          </p:cNvPr>
+          <p:cNvSpPr>
+            <a:spLocks noGrp="1"/>
+          </p:cNvSpPr>
+          <p:nvPr>
+            <p:ph type="dt" sz="half" idx="10"/>
+          </p:nvPr>
+        </p:nvSpPr>
+        <p:spPr/>
+        <p:txBody>
+          <a:bodyPr/>
+          <a:lstStyle/>
+          <a:p>
+            <a:fld id="{715FFEA2-8EE2-4E3B-A523-DF67F5ED41E6}" type="datetime1">
+              <a:rPr lang="fr-FR" smtClean="0"/>
+              <a:pPr/>
+              <a:t>13/11/2024</a:t>
+            </a:fld>
+            <a:endParaRPr lang="fr-FR"/>
+          </a:p>
+        </p:txBody>
+      </p:sp>
+      <p:sp>
+        <p:nvSpPr>
+          <p:cNvPr id="6" name="Espace réservé du pied de page 5">
+            <a:extLst>
+              <a:ext uri="{FF2B5EF4-FFF2-40B4-BE49-F238E27FC236}">
+                <a16:creationId xmlns:a16="http://schemas.microsoft.com/office/drawing/2014/main" id="{FED9ECEF-F6C0-C8CE-8716-7B2DD86679BF}"/>
+              </a:ext>
+            </a:extLst>
+          </p:cNvPr>
+          <p:cNvSpPr>
+            <a:spLocks noGrp="1"/>
+          </p:cNvSpPr>
+          <p:nvPr>
+            <p:ph type="ftr" sz="quarter" idx="11"/>
+          </p:nvPr>
+        </p:nvSpPr>
+        <p:spPr/>
+        <p:txBody>
+          <a:bodyPr/>
+          <a:lstStyle/>
+          <a:p>
+            <a:endParaRPr lang="fr-FR"/>
+          </a:p>
+        </p:txBody>
+      </p:sp>
+      <p:sp>
+        <p:nvSpPr>
+          <p:cNvPr id="7" name="Espace réservé du numéro de diapositive 6">
+            <a:extLst>
+              <a:ext uri="{FF2B5EF4-FFF2-40B4-BE49-F238E27FC236}">
+                <a16:creationId xmlns:a16="http://schemas.microsoft.com/office/drawing/2014/main" id="{F889C64D-9259-5CD8-70C9-B79DC9921C28}"/>
+              </a:ext>
+            </a:extLst>
+          </p:cNvPr>
+          <p:cNvSpPr>
+            <a:spLocks noGrp="1"/>
+          </p:cNvSpPr>
+          <p:nvPr>
+            <p:ph type="sldNum" sz="quarter" idx="12"/>
+          </p:nvPr>
+        </p:nvSpPr>
+        <p:spPr/>
+        <p:txBody>
+          <a:bodyPr/>
+          <a:lstStyle/>
+          <a:p>
+            <a:fld id="{05140462-0667-4258-8DD6-DC1FD194F4F6}" type="slidenum">
+              <a:rPr lang="fr-FR" smtClean="0"/>
+              <a:pPr/>
+              <a:t>‹N°›</a:t>
+            </a:fld>
+            <a:endParaRPr lang="fr-FR"/>
+          </a:p>
+        </p:txBody>
+      </p:sp>
+    </p:spTree>
+    <p:extLst>
+      <p:ext uri="{BB962C8B-B14F-4D97-AF65-F5344CB8AC3E}">
+        <p14:creationId xmlns:p14="http://schemas.microsoft.com/office/powerpoint/2010/main" val="1508417892"/>
+      </p:ext>
+    </p:extLst>
+  </p:cSld>
+  <p:clrMapOvr>
+    <a:masterClrMapping/>
+  </p:clrMapOvr>
+  <p:hf hdr="0" ftr="0" dt="0"/>
+</p:sldLayout>
+</file>
+
+<file path=ppt/slideLayouts/slideLayout17.xml><?xml version="1.0" encoding="utf-8"?>
+<p:sldLayout xmlns:a="http://schemas.openxmlformats.org/drawingml/2006/main" xmlns:r="http://schemas.openxmlformats.org/officeDocument/2006/relationships" xmlns:p="http://schemas.openxmlformats.org/presentationml/2006/main" type="twoTxTwoObj" preserve="1">
+  <p:cSld name="Comparaison">
+    <p:spTree>
+      <p:nvGrpSpPr>
+        <p:cNvPr id="1" name=""/>
+        <p:cNvGrpSpPr/>
+        <p:nvPr/>
+      </p:nvGrpSpPr>
+      <p:grpSpPr>
+        <a:xfrm>
+          <a:off x="0" y="0"/>
+          <a:ext cx="0" cy="0"/>
+          <a:chOff x="0" y="0"/>
+          <a:chExt cx="0" cy="0"/>
+        </a:xfrm>
+      </p:grpSpPr>
+      <p:sp>
+        <p:nvSpPr>
+          <p:cNvPr id="2" name="Titre 1">
+            <a:extLst>
+              <a:ext uri="{FF2B5EF4-FFF2-40B4-BE49-F238E27FC236}">
+                <a16:creationId xmlns:a16="http://schemas.microsoft.com/office/drawing/2014/main" id="{F6F01A99-6190-4037-6B1D-9CC339DDEFE9}"/>
+              </a:ext>
+            </a:extLst>
+          </p:cNvPr>
+          <p:cNvSpPr>
+            <a:spLocks noGrp="1"/>
+          </p:cNvSpPr>
+          <p:nvPr>
+            <p:ph type="title"/>
+          </p:nvPr>
+        </p:nvSpPr>
+        <p:spPr>
+          <a:xfrm>
+            <a:off x="629841" y="365126"/>
+            <a:ext cx="7886700" cy="1325563"/>
+          </a:xfrm>
+        </p:spPr>
+        <p:txBody>
+          <a:bodyPr/>
+          <a:lstStyle/>
+          <a:p>
+            <a:r>
+              <a:rPr lang="fr-FR"/>
+              <a:t>Modifiez le style du titre</a:t>
+            </a:r>
+          </a:p>
+        </p:txBody>
+      </p:sp>
+      <p:sp>
+        <p:nvSpPr>
+          <p:cNvPr id="3" name="Espace réservé du texte 2">
+            <a:extLst>
+              <a:ext uri="{FF2B5EF4-FFF2-40B4-BE49-F238E27FC236}">
+                <a16:creationId xmlns:a16="http://schemas.microsoft.com/office/drawing/2014/main" id="{E100BD56-D5F7-DBC5-9539-39756EE8E739}"/>
+              </a:ext>
+            </a:extLst>
+          </p:cNvPr>
+          <p:cNvSpPr>
+            <a:spLocks noGrp="1"/>
+          </p:cNvSpPr>
+          <p:nvPr>
+            <p:ph type="body" idx="1"/>
+          </p:nvPr>
+        </p:nvSpPr>
+        <p:spPr>
+          <a:xfrm>
+            <a:off x="629842" y="1681163"/>
+            <a:ext cx="3868340" cy="823912"/>
+          </a:xfrm>
+        </p:spPr>
+        <p:txBody>
+          <a:bodyPr anchor="b"/>
+          <a:lstStyle>
+            <a:lvl1pPr marL="0" indent="0">
+              <a:buNone/>
+              <a:defRPr sz="1800" b="1"/>
+            </a:lvl1pPr>
+            <a:lvl2pPr marL="342900" indent="0">
+              <a:buNone/>
+              <a:defRPr sz="1500" b="1"/>
+            </a:lvl2pPr>
+            <a:lvl3pPr marL="685800" indent="0">
+              <a:buNone/>
+              <a:defRPr sz="1350" b="1"/>
+            </a:lvl3pPr>
+            <a:lvl4pPr marL="1028700" indent="0">
+              <a:buNone/>
+              <a:defRPr sz="1200" b="1"/>
+            </a:lvl4pPr>
+            <a:lvl5pPr marL="1371600" indent="0">
+              <a:buNone/>
+              <a:defRPr sz="1200" b="1"/>
+            </a:lvl5pPr>
+            <a:lvl6pPr marL="1714500" indent="0">
+              <a:buNone/>
+              <a:defRPr sz="1200" b="1"/>
+            </a:lvl6pPr>
+            <a:lvl7pPr marL="2057400" indent="0">
+              <a:buNone/>
+              <a:defRPr sz="1200" b="1"/>
+            </a:lvl7pPr>
+            <a:lvl8pPr marL="2400300" indent="0">
+              <a:buNone/>
+              <a:defRPr sz="1200" b="1"/>
+            </a:lvl8pPr>
+            <a:lvl9pPr marL="2743200" indent="0">
+              <a:buNone/>
+              <a:defRPr sz="1200" b="1"/>
+            </a:lvl9pPr>
+          </a:lstStyle>
+          <a:p>
+            <a:pPr lvl="0"/>
+            <a:r>
+              <a:rPr lang="fr-FR"/>
+              <a:t>Cliquez pour modifier les styles du texte du masque</a:t>
+            </a:r>
+          </a:p>
+        </p:txBody>
+      </p:sp>
+      <p:sp>
+        <p:nvSpPr>
+          <p:cNvPr id="4" name="Espace réservé du contenu 3">
+            <a:extLst>
+              <a:ext uri="{FF2B5EF4-FFF2-40B4-BE49-F238E27FC236}">
+                <a16:creationId xmlns:a16="http://schemas.microsoft.com/office/drawing/2014/main" id="{F24CAEC5-DC94-A1A2-AE5A-BA0A6D37EDA7}"/>
+              </a:ext>
+            </a:extLst>
+          </p:cNvPr>
+          <p:cNvSpPr>
+            <a:spLocks noGrp="1"/>
+          </p:cNvSpPr>
+          <p:nvPr>
+            <p:ph sz="half" idx="2"/>
+          </p:nvPr>
+        </p:nvSpPr>
+        <p:spPr>
+          <a:xfrm>
+            <a:off x="629842" y="2505075"/>
+            <a:ext cx="3868340" cy="3684588"/>
+          </a:xfrm>
+        </p:spPr>
+        <p:txBody>
+          <a:bodyPr/>
+          <a:lstStyle/>
+          <a:p>
+            <a:pPr lvl="0"/>
+            <a:r>
+              <a:rPr lang="fr-FR"/>
+              <a:t>Cliquez pour modifier les styles du texte du masque</a:t>
+            </a:r>
+          </a:p>
+          <a:p>
+            <a:pPr lvl="1"/>
+            <a:r>
+              <a:rPr lang="fr-FR"/>
+              <a:t>Deuxième niveau</a:t>
+            </a:r>
+          </a:p>
+          <a:p>
+            <a:pPr lvl="2"/>
+            <a:r>
+              <a:rPr lang="fr-FR"/>
+              <a:t>Troisième niveau</a:t>
+            </a:r>
+          </a:p>
+          <a:p>
+            <a:pPr lvl="3"/>
+            <a:r>
+              <a:rPr lang="fr-FR"/>
+              <a:t>Quatrième niveau</a:t>
+            </a:r>
+          </a:p>
+          <a:p>
+            <a:pPr lvl="4"/>
+            <a:r>
+              <a:rPr lang="fr-FR"/>
+              <a:t>Cinquième niveau</a:t>
+            </a:r>
+          </a:p>
+        </p:txBody>
+      </p:sp>
+      <p:sp>
+        <p:nvSpPr>
+          <p:cNvPr id="5" name="Espace réservé du texte 4">
+            <a:extLst>
+              <a:ext uri="{FF2B5EF4-FFF2-40B4-BE49-F238E27FC236}">
+                <a16:creationId xmlns:a16="http://schemas.microsoft.com/office/drawing/2014/main" id="{E6554EDD-C2DF-9CA9-B76A-EEB42C29B835}"/>
+              </a:ext>
+            </a:extLst>
+          </p:cNvPr>
+          <p:cNvSpPr>
+            <a:spLocks noGrp="1"/>
+          </p:cNvSpPr>
+          <p:nvPr>
+            <p:ph type="body" sz="quarter" idx="3"/>
+          </p:nvPr>
+        </p:nvSpPr>
+        <p:spPr>
+          <a:xfrm>
+            <a:off x="4629150" y="1681163"/>
+            <a:ext cx="3887391" cy="823912"/>
+          </a:xfrm>
+        </p:spPr>
+        <p:txBody>
+          <a:bodyPr anchor="b"/>
+          <a:lstStyle>
+            <a:lvl1pPr marL="0" indent="0">
+              <a:buNone/>
+              <a:defRPr sz="1800" b="1"/>
+            </a:lvl1pPr>
+            <a:lvl2pPr marL="342900" indent="0">
+              <a:buNone/>
+              <a:defRPr sz="1500" b="1"/>
+            </a:lvl2pPr>
+            <a:lvl3pPr marL="685800" indent="0">
+              <a:buNone/>
+              <a:defRPr sz="1350" b="1"/>
+            </a:lvl3pPr>
+            <a:lvl4pPr marL="1028700" indent="0">
+              <a:buNone/>
+              <a:defRPr sz="1200" b="1"/>
+            </a:lvl4pPr>
+            <a:lvl5pPr marL="1371600" indent="0">
+              <a:buNone/>
+              <a:defRPr sz="1200" b="1"/>
+            </a:lvl5pPr>
+            <a:lvl6pPr marL="1714500" indent="0">
+              <a:buNone/>
+              <a:defRPr sz="1200" b="1"/>
+            </a:lvl6pPr>
+            <a:lvl7pPr marL="2057400" indent="0">
+              <a:buNone/>
+              <a:defRPr sz="1200" b="1"/>
+            </a:lvl7pPr>
+            <a:lvl8pPr marL="2400300" indent="0">
+              <a:buNone/>
+              <a:defRPr sz="1200" b="1"/>
+            </a:lvl8pPr>
+            <a:lvl9pPr marL="2743200" indent="0">
+              <a:buNone/>
+              <a:defRPr sz="1200" b="1"/>
+            </a:lvl9pPr>
+          </a:lstStyle>
+          <a:p>
+            <a:pPr lvl="0"/>
+            <a:r>
+              <a:rPr lang="fr-FR"/>
+              <a:t>Cliquez pour modifier les styles du texte du masque</a:t>
+            </a:r>
+          </a:p>
+        </p:txBody>
+      </p:sp>
+      <p:sp>
+        <p:nvSpPr>
+          <p:cNvPr id="6" name="Espace réservé du contenu 5">
+            <a:extLst>
+              <a:ext uri="{FF2B5EF4-FFF2-40B4-BE49-F238E27FC236}">
+                <a16:creationId xmlns:a16="http://schemas.microsoft.com/office/drawing/2014/main" id="{68EA6BDB-6A29-D912-D8B4-20121629B3A0}"/>
+              </a:ext>
+            </a:extLst>
+          </p:cNvPr>
+          <p:cNvSpPr>
+            <a:spLocks noGrp="1"/>
+          </p:cNvSpPr>
+          <p:nvPr>
+            <p:ph sz="quarter" idx="4"/>
+          </p:nvPr>
+        </p:nvSpPr>
+        <p:spPr>
+          <a:xfrm>
+            <a:off x="4629150" y="2505075"/>
+            <a:ext cx="3887391" cy="3684588"/>
+          </a:xfrm>
+        </p:spPr>
+        <p:txBody>
+          <a:bodyPr/>
+          <a:lstStyle/>
+          <a:p>
+            <a:pPr lvl="0"/>
+            <a:r>
+              <a:rPr lang="fr-FR"/>
+              <a:t>Cliquez pour modifier les styles du texte du masque</a:t>
+            </a:r>
+          </a:p>
+          <a:p>
+            <a:pPr lvl="1"/>
+            <a:r>
+              <a:rPr lang="fr-FR"/>
+              <a:t>Deuxième niveau</a:t>
+            </a:r>
+          </a:p>
+          <a:p>
+            <a:pPr lvl="2"/>
+            <a:r>
+              <a:rPr lang="fr-FR"/>
+              <a:t>Troisième niveau</a:t>
+            </a:r>
+          </a:p>
+          <a:p>
+            <a:pPr lvl="3"/>
+            <a:r>
+              <a:rPr lang="fr-FR"/>
+              <a:t>Quatrième niveau</a:t>
+            </a:r>
+          </a:p>
+          <a:p>
+            <a:pPr lvl="4"/>
+            <a:r>
+              <a:rPr lang="fr-FR"/>
+              <a:t>Cinquième niveau</a:t>
+            </a:r>
+          </a:p>
+        </p:txBody>
+      </p:sp>
+      <p:sp>
+        <p:nvSpPr>
+          <p:cNvPr id="7" name="Espace réservé de la date 6">
+            <a:extLst>
+              <a:ext uri="{FF2B5EF4-FFF2-40B4-BE49-F238E27FC236}">
+                <a16:creationId xmlns:a16="http://schemas.microsoft.com/office/drawing/2014/main" id="{68B8BE0E-1E1A-5313-989B-48ED0B1D2D8C}"/>
+              </a:ext>
+            </a:extLst>
+          </p:cNvPr>
+          <p:cNvSpPr>
+            <a:spLocks noGrp="1"/>
+          </p:cNvSpPr>
+          <p:nvPr>
+            <p:ph type="dt" sz="half" idx="10"/>
+          </p:nvPr>
+        </p:nvSpPr>
+        <p:spPr/>
+        <p:txBody>
+          <a:bodyPr/>
+          <a:lstStyle/>
+          <a:p>
+            <a:fld id="{715FFEA2-8EE2-4E3B-A523-DF67F5ED41E6}" type="datetime1">
+              <a:rPr lang="fr-FR" smtClean="0"/>
+              <a:pPr/>
+              <a:t>13/11/2024</a:t>
+            </a:fld>
+            <a:endParaRPr lang="fr-FR"/>
+          </a:p>
+        </p:txBody>
+      </p:sp>
+      <p:sp>
+        <p:nvSpPr>
+          <p:cNvPr id="8" name="Espace réservé du pied de page 7">
+            <a:extLst>
+              <a:ext uri="{FF2B5EF4-FFF2-40B4-BE49-F238E27FC236}">
+                <a16:creationId xmlns:a16="http://schemas.microsoft.com/office/drawing/2014/main" id="{EFBE0435-5470-195F-C4F8-3E77A9A5C96E}"/>
+              </a:ext>
+            </a:extLst>
+          </p:cNvPr>
+          <p:cNvSpPr>
+            <a:spLocks noGrp="1"/>
+          </p:cNvSpPr>
+          <p:nvPr>
+            <p:ph type="ftr" sz="quarter" idx="11"/>
+          </p:nvPr>
+        </p:nvSpPr>
+        <p:spPr/>
+        <p:txBody>
+          <a:bodyPr/>
+          <a:lstStyle/>
+          <a:p>
+            <a:endParaRPr lang="fr-FR"/>
+          </a:p>
+        </p:txBody>
+      </p:sp>
+      <p:sp>
+        <p:nvSpPr>
+          <p:cNvPr id="9" name="Espace réservé du numéro de diapositive 8">
+            <a:extLst>
+              <a:ext uri="{FF2B5EF4-FFF2-40B4-BE49-F238E27FC236}">
+                <a16:creationId xmlns:a16="http://schemas.microsoft.com/office/drawing/2014/main" id="{50AEC115-9E18-D1AC-BBEA-0BD1383FE4FE}"/>
+              </a:ext>
+            </a:extLst>
+          </p:cNvPr>
+          <p:cNvSpPr>
+            <a:spLocks noGrp="1"/>
+          </p:cNvSpPr>
+          <p:nvPr>
+            <p:ph type="sldNum" sz="quarter" idx="12"/>
+          </p:nvPr>
+        </p:nvSpPr>
+        <p:spPr/>
+        <p:txBody>
+          <a:bodyPr/>
+          <a:lstStyle/>
+          <a:p>
+            <a:fld id="{05140462-0667-4258-8DD6-DC1FD194F4F6}" type="slidenum">
+              <a:rPr lang="fr-FR" smtClean="0"/>
+              <a:pPr/>
+              <a:t>‹N°›</a:t>
+            </a:fld>
+            <a:endParaRPr lang="fr-FR"/>
+          </a:p>
+        </p:txBody>
+      </p:sp>
+    </p:spTree>
+    <p:extLst>
+      <p:ext uri="{BB962C8B-B14F-4D97-AF65-F5344CB8AC3E}">
+        <p14:creationId xmlns:p14="http://schemas.microsoft.com/office/powerpoint/2010/main" val="4271689892"/>
+      </p:ext>
+    </p:extLst>
+  </p:cSld>
+  <p:clrMapOvr>
+    <a:masterClrMapping/>
+  </p:clrMapOvr>
+  <p:hf hdr="0" ftr="0" dt="0"/>
+</p:sldLayout>
+</file>
+
+<file path=ppt/slideLayouts/slideLayout18.xml><?xml version="1.0" encoding="utf-8"?>
+<p:sldLayout xmlns:a="http://schemas.openxmlformats.org/drawingml/2006/main" xmlns:r="http://schemas.openxmlformats.org/officeDocument/2006/relationships" xmlns:p="http://schemas.openxmlformats.org/presentationml/2006/main" type="titleOnly" preserve="1">
+  <p:cSld name="Titre seul">
+    <p:spTree>
+      <p:nvGrpSpPr>
+        <p:cNvPr id="1" name=""/>
+        <p:cNvGrpSpPr/>
+        <p:nvPr/>
+      </p:nvGrpSpPr>
+      <p:grpSpPr>
+        <a:xfrm>
+          <a:off x="0" y="0"/>
+          <a:ext cx="0" cy="0"/>
+          <a:chOff x="0" y="0"/>
+          <a:chExt cx="0" cy="0"/>
+        </a:xfrm>
+      </p:grpSpPr>
+      <p:sp>
+        <p:nvSpPr>
+          <p:cNvPr id="2" name="Titre 1">
+            <a:extLst>
+              <a:ext uri="{FF2B5EF4-FFF2-40B4-BE49-F238E27FC236}">
+                <a16:creationId xmlns:a16="http://schemas.microsoft.com/office/drawing/2014/main" id="{977505F7-13FF-9F7A-B2CA-DD7451E821CA}"/>
+              </a:ext>
+            </a:extLst>
+          </p:cNvPr>
+          <p:cNvSpPr>
+            <a:spLocks noGrp="1"/>
+          </p:cNvSpPr>
+          <p:nvPr>
+            <p:ph type="title"/>
+          </p:nvPr>
+        </p:nvSpPr>
+        <p:spPr/>
+        <p:txBody>
+          <a:bodyPr/>
+          <a:lstStyle/>
+          <a:p>
+            <a:r>
+              <a:rPr lang="fr-FR"/>
+              <a:t>Modifiez le style du titre</a:t>
+            </a:r>
+          </a:p>
+        </p:txBody>
+      </p:sp>
+      <p:sp>
+        <p:nvSpPr>
+          <p:cNvPr id="3" name="Espace réservé de la date 2">
+            <a:extLst>
+              <a:ext uri="{FF2B5EF4-FFF2-40B4-BE49-F238E27FC236}">
+                <a16:creationId xmlns:a16="http://schemas.microsoft.com/office/drawing/2014/main" id="{9DF70D30-D26B-CD48-FE78-2A3712267D19}"/>
+              </a:ext>
+            </a:extLst>
+          </p:cNvPr>
+          <p:cNvSpPr>
+            <a:spLocks noGrp="1"/>
+          </p:cNvSpPr>
+          <p:nvPr>
+            <p:ph type="dt" sz="half" idx="10"/>
+          </p:nvPr>
+        </p:nvSpPr>
+        <p:spPr/>
+        <p:txBody>
+          <a:bodyPr/>
+          <a:lstStyle/>
+          <a:p>
+            <a:fld id="{715FFEA2-8EE2-4E3B-A523-DF67F5ED41E6}" type="datetime1">
+              <a:rPr lang="fr-FR" smtClean="0"/>
+              <a:pPr/>
+              <a:t>13/11/2024</a:t>
+            </a:fld>
+            <a:endParaRPr lang="fr-FR"/>
+          </a:p>
+        </p:txBody>
+      </p:sp>
+      <p:sp>
+        <p:nvSpPr>
+          <p:cNvPr id="4" name="Espace réservé du pied de page 3">
+            <a:extLst>
+              <a:ext uri="{FF2B5EF4-FFF2-40B4-BE49-F238E27FC236}">
+                <a16:creationId xmlns:a16="http://schemas.microsoft.com/office/drawing/2014/main" id="{2C9025CC-E4FE-71D5-29AD-E89F590E9A94}"/>
+              </a:ext>
+            </a:extLst>
+          </p:cNvPr>
+          <p:cNvSpPr>
+            <a:spLocks noGrp="1"/>
+          </p:cNvSpPr>
+          <p:nvPr>
+            <p:ph type="ftr" sz="quarter" idx="11"/>
+          </p:nvPr>
+        </p:nvSpPr>
+        <p:spPr/>
+        <p:txBody>
+          <a:bodyPr/>
+          <a:lstStyle/>
+          <a:p>
+            <a:endParaRPr lang="fr-FR"/>
+          </a:p>
+        </p:txBody>
+      </p:sp>
+      <p:sp>
+        <p:nvSpPr>
+          <p:cNvPr id="5" name="Espace réservé du numéro de diapositive 4">
+            <a:extLst>
+              <a:ext uri="{FF2B5EF4-FFF2-40B4-BE49-F238E27FC236}">
+                <a16:creationId xmlns:a16="http://schemas.microsoft.com/office/drawing/2014/main" id="{95199C56-1C3E-F0DD-045B-1E300289B5E7}"/>
+              </a:ext>
+            </a:extLst>
+          </p:cNvPr>
+          <p:cNvSpPr>
+            <a:spLocks noGrp="1"/>
+          </p:cNvSpPr>
+          <p:nvPr>
+            <p:ph type="sldNum" sz="quarter" idx="12"/>
+          </p:nvPr>
+        </p:nvSpPr>
+        <p:spPr/>
+        <p:txBody>
+          <a:bodyPr/>
+          <a:lstStyle/>
+          <a:p>
+            <a:fld id="{05140462-0667-4258-8DD6-DC1FD194F4F6}" type="slidenum">
+              <a:rPr lang="fr-FR" smtClean="0"/>
+              <a:pPr/>
+              <a:t>‹N°›</a:t>
+            </a:fld>
+            <a:endParaRPr lang="fr-FR"/>
+          </a:p>
+        </p:txBody>
+      </p:sp>
+    </p:spTree>
+    <p:extLst>
+      <p:ext uri="{BB962C8B-B14F-4D97-AF65-F5344CB8AC3E}">
+        <p14:creationId xmlns:p14="http://schemas.microsoft.com/office/powerpoint/2010/main" val="2972384924"/>
+      </p:ext>
+    </p:extLst>
+  </p:cSld>
+  <p:clrMapOvr>
+    <a:masterClrMapping/>
+  </p:clrMapOvr>
+  <p:hf hdr="0" ftr="0" dt="0"/>
+</p:sldLayout>
+</file>
+
+<file path=ppt/slideLayouts/slideLayout19.xml><?xml version="1.0" encoding="utf-8"?>
+<p:sldLayout xmlns:a="http://schemas.openxmlformats.org/drawingml/2006/main" xmlns:r="http://schemas.openxmlformats.org/officeDocument/2006/relationships" xmlns:p="http://schemas.openxmlformats.org/presentationml/2006/main" type="blank" preserve="1">
+  <p:cSld name="Vide">
+    <p:spTree>
+      <p:nvGrpSpPr>
+        <p:cNvPr id="1" name=""/>
+        <p:cNvGrpSpPr/>
+        <p:nvPr/>
+      </p:nvGrpSpPr>
+      <p:grpSpPr>
+        <a:xfrm>
+          <a:off x="0" y="0"/>
+          <a:ext cx="0" cy="0"/>
+          <a:chOff x="0" y="0"/>
+          <a:chExt cx="0" cy="0"/>
+        </a:xfrm>
+      </p:grpSpPr>
+      <p:sp>
+        <p:nvSpPr>
+          <p:cNvPr id="2" name="Espace réservé de la date 1">
+            <a:extLst>
+              <a:ext uri="{FF2B5EF4-FFF2-40B4-BE49-F238E27FC236}">
+                <a16:creationId xmlns:a16="http://schemas.microsoft.com/office/drawing/2014/main" id="{9DDCB83D-DBEE-4A86-0930-D5C7A20144FC}"/>
+              </a:ext>
+            </a:extLst>
+          </p:cNvPr>
+          <p:cNvSpPr>
+            <a:spLocks noGrp="1"/>
+          </p:cNvSpPr>
+          <p:nvPr>
+            <p:ph type="dt" sz="half" idx="10"/>
+          </p:nvPr>
+        </p:nvSpPr>
+        <p:spPr/>
+        <p:txBody>
+          <a:bodyPr/>
+          <a:lstStyle/>
+          <a:p>
+            <a:fld id="{715FFEA2-8EE2-4E3B-A523-DF67F5ED41E6}" type="datetime1">
+              <a:rPr lang="fr-FR" smtClean="0"/>
+              <a:pPr/>
+              <a:t>13/11/2024</a:t>
+            </a:fld>
+            <a:endParaRPr lang="fr-FR"/>
+          </a:p>
+        </p:txBody>
+      </p:sp>
+      <p:sp>
+        <p:nvSpPr>
+          <p:cNvPr id="3" name="Espace réservé du pied de page 2">
+            <a:extLst>
+              <a:ext uri="{FF2B5EF4-FFF2-40B4-BE49-F238E27FC236}">
+                <a16:creationId xmlns:a16="http://schemas.microsoft.com/office/drawing/2014/main" id="{E6244BF1-54B3-D866-EE5F-DF7AAD3960B8}"/>
+              </a:ext>
+            </a:extLst>
+          </p:cNvPr>
+          <p:cNvSpPr>
+            <a:spLocks noGrp="1"/>
+          </p:cNvSpPr>
+          <p:nvPr>
+            <p:ph type="ftr" sz="quarter" idx="11"/>
+          </p:nvPr>
+        </p:nvSpPr>
+        <p:spPr/>
+        <p:txBody>
+          <a:bodyPr/>
+          <a:lstStyle/>
+          <a:p>
+            <a:endParaRPr lang="fr-FR"/>
+          </a:p>
+        </p:txBody>
+      </p:sp>
+      <p:sp>
+        <p:nvSpPr>
+          <p:cNvPr id="4" name="Espace réservé du numéro de diapositive 3">
+            <a:extLst>
+              <a:ext uri="{FF2B5EF4-FFF2-40B4-BE49-F238E27FC236}">
+                <a16:creationId xmlns:a16="http://schemas.microsoft.com/office/drawing/2014/main" id="{142565C5-3242-C26C-307B-E311FB866221}"/>
+              </a:ext>
+            </a:extLst>
+          </p:cNvPr>
+          <p:cNvSpPr>
+            <a:spLocks noGrp="1"/>
+          </p:cNvSpPr>
+          <p:nvPr>
+            <p:ph type="sldNum" sz="quarter" idx="12"/>
+          </p:nvPr>
+        </p:nvSpPr>
+        <p:spPr/>
+        <p:txBody>
+          <a:bodyPr/>
+          <a:lstStyle/>
+          <a:p>
+            <a:fld id="{05140462-0667-4258-8DD6-DC1FD194F4F6}" type="slidenum">
+              <a:rPr lang="fr-FR" smtClean="0"/>
+              <a:pPr/>
+              <a:t>‹N°›</a:t>
+            </a:fld>
+            <a:endParaRPr lang="fr-FR"/>
+          </a:p>
+        </p:txBody>
+      </p:sp>
+    </p:spTree>
+    <p:extLst>
+      <p:ext uri="{BB962C8B-B14F-4D97-AF65-F5344CB8AC3E}">
+        <p14:creationId xmlns:p14="http://schemas.microsoft.com/office/powerpoint/2010/main" val="4197837567"/>
+      </p:ext>
+    </p:extLst>
+  </p:cSld>
+  <p:clrMapOvr>
+    <a:masterClrMapping/>
+  </p:clrMapOvr>
+  <p:hf hdr="0" ftr="0" dt="0"/>
 </p:sldLayout>
 </file>
 
@@ -16856,7 +18627,7 @@
             <a:fld id="{91D58CCC-5FFF-41FA-81A9-0B78ACA198CF}" type="datetime1">
               <a:rPr lang="fr-FR" smtClean="0"/>
               <a:pPr/>
-              <a:t>11/05/2021</a:t>
+              <a:t>13/11/2024</a:t>
             </a:fld>
             <a:endParaRPr lang="fr-FR"/>
           </a:p>
@@ -16995,6 +18766,1493 @@
         </p:txBody>
       </p:sp>
     </p:spTree>
+  </p:cSld>
+  <p:clrMapOvr>
+    <a:masterClrMapping/>
+  </p:clrMapOvr>
+  <p:transition>
+    <p:fade/>
+  </p:transition>
+</p:sldLayout>
+</file>
+
+<file path=ppt/slideLayouts/slideLayout20.xml><?xml version="1.0" encoding="utf-8"?>
+<p:sldLayout xmlns:a="http://schemas.openxmlformats.org/drawingml/2006/main" xmlns:r="http://schemas.openxmlformats.org/officeDocument/2006/relationships" xmlns:p="http://schemas.openxmlformats.org/presentationml/2006/main" type="objTx" preserve="1">
+  <p:cSld name="Contenu avec légende">
+    <p:spTree>
+      <p:nvGrpSpPr>
+        <p:cNvPr id="1" name=""/>
+        <p:cNvGrpSpPr/>
+        <p:nvPr/>
+      </p:nvGrpSpPr>
+      <p:grpSpPr>
+        <a:xfrm>
+          <a:off x="0" y="0"/>
+          <a:ext cx="0" cy="0"/>
+          <a:chOff x="0" y="0"/>
+          <a:chExt cx="0" cy="0"/>
+        </a:xfrm>
+      </p:grpSpPr>
+      <p:sp>
+        <p:nvSpPr>
+          <p:cNvPr id="2" name="Titre 1">
+            <a:extLst>
+              <a:ext uri="{FF2B5EF4-FFF2-40B4-BE49-F238E27FC236}">
+                <a16:creationId xmlns:a16="http://schemas.microsoft.com/office/drawing/2014/main" id="{AF027B40-B3C5-EA4D-9419-200B50E562B7}"/>
+              </a:ext>
+            </a:extLst>
+          </p:cNvPr>
+          <p:cNvSpPr>
+            <a:spLocks noGrp="1"/>
+          </p:cNvSpPr>
+          <p:nvPr>
+            <p:ph type="title"/>
+          </p:nvPr>
+        </p:nvSpPr>
+        <p:spPr>
+          <a:xfrm>
+            <a:off x="629841" y="457200"/>
+            <a:ext cx="2949178" cy="1600200"/>
+          </a:xfrm>
+        </p:spPr>
+        <p:txBody>
+          <a:bodyPr anchor="b"/>
+          <a:lstStyle>
+            <a:lvl1pPr>
+              <a:defRPr sz="2400"/>
+            </a:lvl1pPr>
+          </a:lstStyle>
+          <a:p>
+            <a:r>
+              <a:rPr lang="fr-FR"/>
+              <a:t>Modifiez le style du titre</a:t>
+            </a:r>
+          </a:p>
+        </p:txBody>
+      </p:sp>
+      <p:sp>
+        <p:nvSpPr>
+          <p:cNvPr id="3" name="Espace réservé du contenu 2">
+            <a:extLst>
+              <a:ext uri="{FF2B5EF4-FFF2-40B4-BE49-F238E27FC236}">
+                <a16:creationId xmlns:a16="http://schemas.microsoft.com/office/drawing/2014/main" id="{4E7478ED-B0EE-CF48-68C0-75992F53B64E}"/>
+              </a:ext>
+            </a:extLst>
+          </p:cNvPr>
+          <p:cNvSpPr>
+            <a:spLocks noGrp="1"/>
+          </p:cNvSpPr>
+          <p:nvPr>
+            <p:ph idx="1"/>
+          </p:nvPr>
+        </p:nvSpPr>
+        <p:spPr>
+          <a:xfrm>
+            <a:off x="3887391" y="987426"/>
+            <a:ext cx="4629150" cy="4873625"/>
+          </a:xfrm>
+        </p:spPr>
+        <p:txBody>
+          <a:bodyPr/>
+          <a:lstStyle>
+            <a:lvl1pPr>
+              <a:defRPr sz="2400"/>
+            </a:lvl1pPr>
+            <a:lvl2pPr>
+              <a:defRPr sz="2100"/>
+            </a:lvl2pPr>
+            <a:lvl3pPr>
+              <a:defRPr sz="1800"/>
+            </a:lvl3pPr>
+            <a:lvl4pPr>
+              <a:defRPr sz="1500"/>
+            </a:lvl4pPr>
+            <a:lvl5pPr>
+              <a:defRPr sz="1500"/>
+            </a:lvl5pPr>
+            <a:lvl6pPr>
+              <a:defRPr sz="1500"/>
+            </a:lvl6pPr>
+            <a:lvl7pPr>
+              <a:defRPr sz="1500"/>
+            </a:lvl7pPr>
+            <a:lvl8pPr>
+              <a:defRPr sz="1500"/>
+            </a:lvl8pPr>
+            <a:lvl9pPr>
+              <a:defRPr sz="1500"/>
+            </a:lvl9pPr>
+          </a:lstStyle>
+          <a:p>
+            <a:pPr lvl="0"/>
+            <a:r>
+              <a:rPr lang="fr-FR"/>
+              <a:t>Cliquez pour modifier les styles du texte du masque</a:t>
+            </a:r>
+          </a:p>
+          <a:p>
+            <a:pPr lvl="1"/>
+            <a:r>
+              <a:rPr lang="fr-FR"/>
+              <a:t>Deuxième niveau</a:t>
+            </a:r>
+          </a:p>
+          <a:p>
+            <a:pPr lvl="2"/>
+            <a:r>
+              <a:rPr lang="fr-FR"/>
+              <a:t>Troisième niveau</a:t>
+            </a:r>
+          </a:p>
+          <a:p>
+            <a:pPr lvl="3"/>
+            <a:r>
+              <a:rPr lang="fr-FR"/>
+              <a:t>Quatrième niveau</a:t>
+            </a:r>
+          </a:p>
+          <a:p>
+            <a:pPr lvl="4"/>
+            <a:r>
+              <a:rPr lang="fr-FR"/>
+              <a:t>Cinquième niveau</a:t>
+            </a:r>
+          </a:p>
+        </p:txBody>
+      </p:sp>
+      <p:sp>
+        <p:nvSpPr>
+          <p:cNvPr id="4" name="Espace réservé du texte 3">
+            <a:extLst>
+              <a:ext uri="{FF2B5EF4-FFF2-40B4-BE49-F238E27FC236}">
+                <a16:creationId xmlns:a16="http://schemas.microsoft.com/office/drawing/2014/main" id="{E69EB97D-F634-80EA-2184-BA771FCAAA92}"/>
+              </a:ext>
+            </a:extLst>
+          </p:cNvPr>
+          <p:cNvSpPr>
+            <a:spLocks noGrp="1"/>
+          </p:cNvSpPr>
+          <p:nvPr>
+            <p:ph type="body" sz="half" idx="2"/>
+          </p:nvPr>
+        </p:nvSpPr>
+        <p:spPr>
+          <a:xfrm>
+            <a:off x="629841" y="2057400"/>
+            <a:ext cx="2949178" cy="3811588"/>
+          </a:xfrm>
+        </p:spPr>
+        <p:txBody>
+          <a:bodyPr/>
+          <a:lstStyle>
+            <a:lvl1pPr marL="0" indent="0">
+              <a:buNone/>
+              <a:defRPr sz="1200"/>
+            </a:lvl1pPr>
+            <a:lvl2pPr marL="342900" indent="0">
+              <a:buNone/>
+              <a:defRPr sz="1050"/>
+            </a:lvl2pPr>
+            <a:lvl3pPr marL="685800" indent="0">
+              <a:buNone/>
+              <a:defRPr sz="900"/>
+            </a:lvl3pPr>
+            <a:lvl4pPr marL="1028700" indent="0">
+              <a:buNone/>
+              <a:defRPr sz="750"/>
+            </a:lvl4pPr>
+            <a:lvl5pPr marL="1371600" indent="0">
+              <a:buNone/>
+              <a:defRPr sz="750"/>
+            </a:lvl5pPr>
+            <a:lvl6pPr marL="1714500" indent="0">
+              <a:buNone/>
+              <a:defRPr sz="750"/>
+            </a:lvl6pPr>
+            <a:lvl7pPr marL="2057400" indent="0">
+              <a:buNone/>
+              <a:defRPr sz="750"/>
+            </a:lvl7pPr>
+            <a:lvl8pPr marL="2400300" indent="0">
+              <a:buNone/>
+              <a:defRPr sz="750"/>
+            </a:lvl8pPr>
+            <a:lvl9pPr marL="2743200" indent="0">
+              <a:buNone/>
+              <a:defRPr sz="750"/>
+            </a:lvl9pPr>
+          </a:lstStyle>
+          <a:p>
+            <a:pPr lvl="0"/>
+            <a:r>
+              <a:rPr lang="fr-FR"/>
+              <a:t>Cliquez pour modifier les styles du texte du masque</a:t>
+            </a:r>
+          </a:p>
+        </p:txBody>
+      </p:sp>
+      <p:sp>
+        <p:nvSpPr>
+          <p:cNvPr id="5" name="Espace réservé de la date 4">
+            <a:extLst>
+              <a:ext uri="{FF2B5EF4-FFF2-40B4-BE49-F238E27FC236}">
+                <a16:creationId xmlns:a16="http://schemas.microsoft.com/office/drawing/2014/main" id="{8970A314-E984-78C9-6FC3-B37F4B2C51E0}"/>
+              </a:ext>
+            </a:extLst>
+          </p:cNvPr>
+          <p:cNvSpPr>
+            <a:spLocks noGrp="1"/>
+          </p:cNvSpPr>
+          <p:nvPr>
+            <p:ph type="dt" sz="half" idx="10"/>
+          </p:nvPr>
+        </p:nvSpPr>
+        <p:spPr/>
+        <p:txBody>
+          <a:bodyPr/>
+          <a:lstStyle/>
+          <a:p>
+            <a:fld id="{715FFEA2-8EE2-4E3B-A523-DF67F5ED41E6}" type="datetime1">
+              <a:rPr lang="fr-FR" smtClean="0"/>
+              <a:pPr/>
+              <a:t>13/11/2024</a:t>
+            </a:fld>
+            <a:endParaRPr lang="fr-FR"/>
+          </a:p>
+        </p:txBody>
+      </p:sp>
+      <p:sp>
+        <p:nvSpPr>
+          <p:cNvPr id="6" name="Espace réservé du pied de page 5">
+            <a:extLst>
+              <a:ext uri="{FF2B5EF4-FFF2-40B4-BE49-F238E27FC236}">
+                <a16:creationId xmlns:a16="http://schemas.microsoft.com/office/drawing/2014/main" id="{E85D01D1-04DC-B709-17D5-00247047172A}"/>
+              </a:ext>
+            </a:extLst>
+          </p:cNvPr>
+          <p:cNvSpPr>
+            <a:spLocks noGrp="1"/>
+          </p:cNvSpPr>
+          <p:nvPr>
+            <p:ph type="ftr" sz="quarter" idx="11"/>
+          </p:nvPr>
+        </p:nvSpPr>
+        <p:spPr/>
+        <p:txBody>
+          <a:bodyPr/>
+          <a:lstStyle/>
+          <a:p>
+            <a:endParaRPr lang="fr-FR"/>
+          </a:p>
+        </p:txBody>
+      </p:sp>
+      <p:sp>
+        <p:nvSpPr>
+          <p:cNvPr id="7" name="Espace réservé du numéro de diapositive 6">
+            <a:extLst>
+              <a:ext uri="{FF2B5EF4-FFF2-40B4-BE49-F238E27FC236}">
+                <a16:creationId xmlns:a16="http://schemas.microsoft.com/office/drawing/2014/main" id="{40D68C09-F97D-0FD4-5D58-D0C2F361D3AF}"/>
+              </a:ext>
+            </a:extLst>
+          </p:cNvPr>
+          <p:cNvSpPr>
+            <a:spLocks noGrp="1"/>
+          </p:cNvSpPr>
+          <p:nvPr>
+            <p:ph type="sldNum" sz="quarter" idx="12"/>
+          </p:nvPr>
+        </p:nvSpPr>
+        <p:spPr/>
+        <p:txBody>
+          <a:bodyPr/>
+          <a:lstStyle/>
+          <a:p>
+            <a:fld id="{05140462-0667-4258-8DD6-DC1FD194F4F6}" type="slidenum">
+              <a:rPr lang="fr-FR" smtClean="0"/>
+              <a:pPr/>
+              <a:t>‹N°›</a:t>
+            </a:fld>
+            <a:endParaRPr lang="fr-FR"/>
+          </a:p>
+        </p:txBody>
+      </p:sp>
+    </p:spTree>
+    <p:extLst>
+      <p:ext uri="{BB962C8B-B14F-4D97-AF65-F5344CB8AC3E}">
+        <p14:creationId xmlns:p14="http://schemas.microsoft.com/office/powerpoint/2010/main" val="645303444"/>
+      </p:ext>
+    </p:extLst>
+  </p:cSld>
+  <p:clrMapOvr>
+    <a:masterClrMapping/>
+  </p:clrMapOvr>
+  <p:hf hdr="0" ftr="0" dt="0"/>
+</p:sldLayout>
+</file>
+
+<file path=ppt/slideLayouts/slideLayout21.xml><?xml version="1.0" encoding="utf-8"?>
+<p:sldLayout xmlns:a="http://schemas.openxmlformats.org/drawingml/2006/main" xmlns:r="http://schemas.openxmlformats.org/officeDocument/2006/relationships" xmlns:p="http://schemas.openxmlformats.org/presentationml/2006/main" type="picTx" preserve="1">
+  <p:cSld name="Image avec légende">
+    <p:spTree>
+      <p:nvGrpSpPr>
+        <p:cNvPr id="1" name=""/>
+        <p:cNvGrpSpPr/>
+        <p:nvPr/>
+      </p:nvGrpSpPr>
+      <p:grpSpPr>
+        <a:xfrm>
+          <a:off x="0" y="0"/>
+          <a:ext cx="0" cy="0"/>
+          <a:chOff x="0" y="0"/>
+          <a:chExt cx="0" cy="0"/>
+        </a:xfrm>
+      </p:grpSpPr>
+      <p:sp>
+        <p:nvSpPr>
+          <p:cNvPr id="2" name="Titre 1">
+            <a:extLst>
+              <a:ext uri="{FF2B5EF4-FFF2-40B4-BE49-F238E27FC236}">
+                <a16:creationId xmlns:a16="http://schemas.microsoft.com/office/drawing/2014/main" id="{544FCFB8-45B1-7F06-4BCF-B4B010EDB0EB}"/>
+              </a:ext>
+            </a:extLst>
+          </p:cNvPr>
+          <p:cNvSpPr>
+            <a:spLocks noGrp="1"/>
+          </p:cNvSpPr>
+          <p:nvPr>
+            <p:ph type="title"/>
+          </p:nvPr>
+        </p:nvSpPr>
+        <p:spPr>
+          <a:xfrm>
+            <a:off x="629841" y="457200"/>
+            <a:ext cx="2949178" cy="1600200"/>
+          </a:xfrm>
+        </p:spPr>
+        <p:txBody>
+          <a:bodyPr anchor="b"/>
+          <a:lstStyle>
+            <a:lvl1pPr>
+              <a:defRPr sz="2400"/>
+            </a:lvl1pPr>
+          </a:lstStyle>
+          <a:p>
+            <a:r>
+              <a:rPr lang="fr-FR"/>
+              <a:t>Modifiez le style du titre</a:t>
+            </a:r>
+          </a:p>
+        </p:txBody>
+      </p:sp>
+      <p:sp>
+        <p:nvSpPr>
+          <p:cNvPr id="3" name="Espace réservé pour une image  2">
+            <a:extLst>
+              <a:ext uri="{FF2B5EF4-FFF2-40B4-BE49-F238E27FC236}">
+                <a16:creationId xmlns:a16="http://schemas.microsoft.com/office/drawing/2014/main" id="{025F9007-E337-05D2-F486-7C74868CC14A}"/>
+              </a:ext>
+            </a:extLst>
+          </p:cNvPr>
+          <p:cNvSpPr>
+            <a:spLocks noGrp="1"/>
+          </p:cNvSpPr>
+          <p:nvPr>
+            <p:ph type="pic" idx="1"/>
+          </p:nvPr>
+        </p:nvSpPr>
+        <p:spPr>
+          <a:xfrm>
+            <a:off x="3887391" y="987426"/>
+            <a:ext cx="4629150" cy="4873625"/>
+          </a:xfrm>
+        </p:spPr>
+        <p:txBody>
+          <a:bodyPr/>
+          <a:lstStyle>
+            <a:lvl1pPr marL="0" indent="0">
+              <a:buNone/>
+              <a:defRPr sz="2400"/>
+            </a:lvl1pPr>
+            <a:lvl2pPr marL="342900" indent="0">
+              <a:buNone/>
+              <a:defRPr sz="2100"/>
+            </a:lvl2pPr>
+            <a:lvl3pPr marL="685800" indent="0">
+              <a:buNone/>
+              <a:defRPr sz="1800"/>
+            </a:lvl3pPr>
+            <a:lvl4pPr marL="1028700" indent="0">
+              <a:buNone/>
+              <a:defRPr sz="1500"/>
+            </a:lvl4pPr>
+            <a:lvl5pPr marL="1371600" indent="0">
+              <a:buNone/>
+              <a:defRPr sz="1500"/>
+            </a:lvl5pPr>
+            <a:lvl6pPr marL="1714500" indent="0">
+              <a:buNone/>
+              <a:defRPr sz="1500"/>
+            </a:lvl6pPr>
+            <a:lvl7pPr marL="2057400" indent="0">
+              <a:buNone/>
+              <a:defRPr sz="1500"/>
+            </a:lvl7pPr>
+            <a:lvl8pPr marL="2400300" indent="0">
+              <a:buNone/>
+              <a:defRPr sz="1500"/>
+            </a:lvl8pPr>
+            <a:lvl9pPr marL="2743200" indent="0">
+              <a:buNone/>
+              <a:defRPr sz="1500"/>
+            </a:lvl9pPr>
+          </a:lstStyle>
+          <a:p>
+            <a:endParaRPr lang="fr-FR"/>
+          </a:p>
+        </p:txBody>
+      </p:sp>
+      <p:sp>
+        <p:nvSpPr>
+          <p:cNvPr id="4" name="Espace réservé du texte 3">
+            <a:extLst>
+              <a:ext uri="{FF2B5EF4-FFF2-40B4-BE49-F238E27FC236}">
+                <a16:creationId xmlns:a16="http://schemas.microsoft.com/office/drawing/2014/main" id="{B397A7F9-033E-6B0B-9CEA-6A6C3DB8C4AA}"/>
+              </a:ext>
+            </a:extLst>
+          </p:cNvPr>
+          <p:cNvSpPr>
+            <a:spLocks noGrp="1"/>
+          </p:cNvSpPr>
+          <p:nvPr>
+            <p:ph type="body" sz="half" idx="2"/>
+          </p:nvPr>
+        </p:nvSpPr>
+        <p:spPr>
+          <a:xfrm>
+            <a:off x="629841" y="2057400"/>
+            <a:ext cx="2949178" cy="3811588"/>
+          </a:xfrm>
+        </p:spPr>
+        <p:txBody>
+          <a:bodyPr/>
+          <a:lstStyle>
+            <a:lvl1pPr marL="0" indent="0">
+              <a:buNone/>
+              <a:defRPr sz="1200"/>
+            </a:lvl1pPr>
+            <a:lvl2pPr marL="342900" indent="0">
+              <a:buNone/>
+              <a:defRPr sz="1050"/>
+            </a:lvl2pPr>
+            <a:lvl3pPr marL="685800" indent="0">
+              <a:buNone/>
+              <a:defRPr sz="900"/>
+            </a:lvl3pPr>
+            <a:lvl4pPr marL="1028700" indent="0">
+              <a:buNone/>
+              <a:defRPr sz="750"/>
+            </a:lvl4pPr>
+            <a:lvl5pPr marL="1371600" indent="0">
+              <a:buNone/>
+              <a:defRPr sz="750"/>
+            </a:lvl5pPr>
+            <a:lvl6pPr marL="1714500" indent="0">
+              <a:buNone/>
+              <a:defRPr sz="750"/>
+            </a:lvl6pPr>
+            <a:lvl7pPr marL="2057400" indent="0">
+              <a:buNone/>
+              <a:defRPr sz="750"/>
+            </a:lvl7pPr>
+            <a:lvl8pPr marL="2400300" indent="0">
+              <a:buNone/>
+              <a:defRPr sz="750"/>
+            </a:lvl8pPr>
+            <a:lvl9pPr marL="2743200" indent="0">
+              <a:buNone/>
+              <a:defRPr sz="750"/>
+            </a:lvl9pPr>
+          </a:lstStyle>
+          <a:p>
+            <a:pPr lvl="0"/>
+            <a:r>
+              <a:rPr lang="fr-FR"/>
+              <a:t>Cliquez pour modifier les styles du texte du masque</a:t>
+            </a:r>
+          </a:p>
+        </p:txBody>
+      </p:sp>
+      <p:sp>
+        <p:nvSpPr>
+          <p:cNvPr id="5" name="Espace réservé de la date 4">
+            <a:extLst>
+              <a:ext uri="{FF2B5EF4-FFF2-40B4-BE49-F238E27FC236}">
+                <a16:creationId xmlns:a16="http://schemas.microsoft.com/office/drawing/2014/main" id="{B8815D56-BAE8-FD5E-D80C-D5F9E7D73771}"/>
+              </a:ext>
+            </a:extLst>
+          </p:cNvPr>
+          <p:cNvSpPr>
+            <a:spLocks noGrp="1"/>
+          </p:cNvSpPr>
+          <p:nvPr>
+            <p:ph type="dt" sz="half" idx="10"/>
+          </p:nvPr>
+        </p:nvSpPr>
+        <p:spPr/>
+        <p:txBody>
+          <a:bodyPr/>
+          <a:lstStyle/>
+          <a:p>
+            <a:fld id="{715FFEA2-8EE2-4E3B-A523-DF67F5ED41E6}" type="datetime1">
+              <a:rPr lang="fr-FR" smtClean="0"/>
+              <a:pPr/>
+              <a:t>13/11/2024</a:t>
+            </a:fld>
+            <a:endParaRPr lang="fr-FR"/>
+          </a:p>
+        </p:txBody>
+      </p:sp>
+      <p:sp>
+        <p:nvSpPr>
+          <p:cNvPr id="6" name="Espace réservé du pied de page 5">
+            <a:extLst>
+              <a:ext uri="{FF2B5EF4-FFF2-40B4-BE49-F238E27FC236}">
+                <a16:creationId xmlns:a16="http://schemas.microsoft.com/office/drawing/2014/main" id="{AE305A99-BC46-A5A0-5574-975157830B0D}"/>
+              </a:ext>
+            </a:extLst>
+          </p:cNvPr>
+          <p:cNvSpPr>
+            <a:spLocks noGrp="1"/>
+          </p:cNvSpPr>
+          <p:nvPr>
+            <p:ph type="ftr" sz="quarter" idx="11"/>
+          </p:nvPr>
+        </p:nvSpPr>
+        <p:spPr/>
+        <p:txBody>
+          <a:bodyPr/>
+          <a:lstStyle/>
+          <a:p>
+            <a:endParaRPr lang="fr-FR"/>
+          </a:p>
+        </p:txBody>
+      </p:sp>
+      <p:sp>
+        <p:nvSpPr>
+          <p:cNvPr id="7" name="Espace réservé du numéro de diapositive 6">
+            <a:extLst>
+              <a:ext uri="{FF2B5EF4-FFF2-40B4-BE49-F238E27FC236}">
+                <a16:creationId xmlns:a16="http://schemas.microsoft.com/office/drawing/2014/main" id="{C99513CA-F3D6-8970-F206-A6F2D116D186}"/>
+              </a:ext>
+            </a:extLst>
+          </p:cNvPr>
+          <p:cNvSpPr>
+            <a:spLocks noGrp="1"/>
+          </p:cNvSpPr>
+          <p:nvPr>
+            <p:ph type="sldNum" sz="quarter" idx="12"/>
+          </p:nvPr>
+        </p:nvSpPr>
+        <p:spPr/>
+        <p:txBody>
+          <a:bodyPr/>
+          <a:lstStyle/>
+          <a:p>
+            <a:fld id="{05140462-0667-4258-8DD6-DC1FD194F4F6}" type="slidenum">
+              <a:rPr lang="fr-FR" smtClean="0"/>
+              <a:pPr/>
+              <a:t>‹N°›</a:t>
+            </a:fld>
+            <a:endParaRPr lang="fr-FR"/>
+          </a:p>
+        </p:txBody>
+      </p:sp>
+    </p:spTree>
+    <p:extLst>
+      <p:ext uri="{BB962C8B-B14F-4D97-AF65-F5344CB8AC3E}">
+        <p14:creationId xmlns:p14="http://schemas.microsoft.com/office/powerpoint/2010/main" val="3139887309"/>
+      </p:ext>
+    </p:extLst>
+  </p:cSld>
+  <p:clrMapOvr>
+    <a:masterClrMapping/>
+  </p:clrMapOvr>
+  <p:hf hdr="0" ftr="0" dt="0"/>
+</p:sldLayout>
+</file>
+
+<file path=ppt/slideLayouts/slideLayout22.xml><?xml version="1.0" encoding="utf-8"?>
+<p:sldLayout xmlns:a="http://schemas.openxmlformats.org/drawingml/2006/main" xmlns:r="http://schemas.openxmlformats.org/officeDocument/2006/relationships" xmlns:p="http://schemas.openxmlformats.org/presentationml/2006/main" type="vertTx" preserve="1">
+  <p:cSld name="Titre et texte vertical">
+    <p:spTree>
+      <p:nvGrpSpPr>
+        <p:cNvPr id="1" name=""/>
+        <p:cNvGrpSpPr/>
+        <p:nvPr/>
+      </p:nvGrpSpPr>
+      <p:grpSpPr>
+        <a:xfrm>
+          <a:off x="0" y="0"/>
+          <a:ext cx="0" cy="0"/>
+          <a:chOff x="0" y="0"/>
+          <a:chExt cx="0" cy="0"/>
+        </a:xfrm>
+      </p:grpSpPr>
+      <p:sp>
+        <p:nvSpPr>
+          <p:cNvPr id="2" name="Titre 1">
+            <a:extLst>
+              <a:ext uri="{FF2B5EF4-FFF2-40B4-BE49-F238E27FC236}">
+                <a16:creationId xmlns:a16="http://schemas.microsoft.com/office/drawing/2014/main" id="{95DAF7FA-52E5-C423-5554-DE4B31D833A8}"/>
+              </a:ext>
+            </a:extLst>
+          </p:cNvPr>
+          <p:cNvSpPr>
+            <a:spLocks noGrp="1"/>
+          </p:cNvSpPr>
+          <p:nvPr>
+            <p:ph type="title"/>
+          </p:nvPr>
+        </p:nvSpPr>
+        <p:spPr/>
+        <p:txBody>
+          <a:bodyPr/>
+          <a:lstStyle/>
+          <a:p>
+            <a:r>
+              <a:rPr lang="fr-FR"/>
+              <a:t>Modifiez le style du titre</a:t>
+            </a:r>
+          </a:p>
+        </p:txBody>
+      </p:sp>
+      <p:sp>
+        <p:nvSpPr>
+          <p:cNvPr id="3" name="Espace réservé du texte vertical 2">
+            <a:extLst>
+              <a:ext uri="{FF2B5EF4-FFF2-40B4-BE49-F238E27FC236}">
+                <a16:creationId xmlns:a16="http://schemas.microsoft.com/office/drawing/2014/main" id="{E2CECD8B-906E-42AC-38A8-F2E39F11F75B}"/>
+              </a:ext>
+            </a:extLst>
+          </p:cNvPr>
+          <p:cNvSpPr>
+            <a:spLocks noGrp="1"/>
+          </p:cNvSpPr>
+          <p:nvPr>
+            <p:ph type="body" orient="vert" idx="1"/>
+          </p:nvPr>
+        </p:nvSpPr>
+        <p:spPr/>
+        <p:txBody>
+          <a:bodyPr vert="eaVert"/>
+          <a:lstStyle/>
+          <a:p>
+            <a:pPr lvl="0"/>
+            <a:r>
+              <a:rPr lang="fr-FR"/>
+              <a:t>Cliquez pour modifier les styles du texte du masque</a:t>
+            </a:r>
+          </a:p>
+          <a:p>
+            <a:pPr lvl="1"/>
+            <a:r>
+              <a:rPr lang="fr-FR"/>
+              <a:t>Deuxième niveau</a:t>
+            </a:r>
+          </a:p>
+          <a:p>
+            <a:pPr lvl="2"/>
+            <a:r>
+              <a:rPr lang="fr-FR"/>
+              <a:t>Troisième niveau</a:t>
+            </a:r>
+          </a:p>
+          <a:p>
+            <a:pPr lvl="3"/>
+            <a:r>
+              <a:rPr lang="fr-FR"/>
+              <a:t>Quatrième niveau</a:t>
+            </a:r>
+          </a:p>
+          <a:p>
+            <a:pPr lvl="4"/>
+            <a:r>
+              <a:rPr lang="fr-FR"/>
+              <a:t>Cinquième niveau</a:t>
+            </a:r>
+          </a:p>
+        </p:txBody>
+      </p:sp>
+      <p:sp>
+        <p:nvSpPr>
+          <p:cNvPr id="4" name="Espace réservé de la date 3">
+            <a:extLst>
+              <a:ext uri="{FF2B5EF4-FFF2-40B4-BE49-F238E27FC236}">
+                <a16:creationId xmlns:a16="http://schemas.microsoft.com/office/drawing/2014/main" id="{60015DAE-7E19-61E8-E1BC-DE97D779ACDB}"/>
+              </a:ext>
+            </a:extLst>
+          </p:cNvPr>
+          <p:cNvSpPr>
+            <a:spLocks noGrp="1"/>
+          </p:cNvSpPr>
+          <p:nvPr>
+            <p:ph type="dt" sz="half" idx="10"/>
+          </p:nvPr>
+        </p:nvSpPr>
+        <p:spPr/>
+        <p:txBody>
+          <a:bodyPr/>
+          <a:lstStyle/>
+          <a:p>
+            <a:fld id="{715FFEA2-8EE2-4E3B-A523-DF67F5ED41E6}" type="datetime1">
+              <a:rPr lang="fr-FR" smtClean="0"/>
+              <a:pPr/>
+              <a:t>13/11/2024</a:t>
+            </a:fld>
+            <a:endParaRPr lang="fr-FR"/>
+          </a:p>
+        </p:txBody>
+      </p:sp>
+      <p:sp>
+        <p:nvSpPr>
+          <p:cNvPr id="5" name="Espace réservé du pied de page 4">
+            <a:extLst>
+              <a:ext uri="{FF2B5EF4-FFF2-40B4-BE49-F238E27FC236}">
+                <a16:creationId xmlns:a16="http://schemas.microsoft.com/office/drawing/2014/main" id="{07E03F7D-B0CE-C432-322D-9E8504C4D056}"/>
+              </a:ext>
+            </a:extLst>
+          </p:cNvPr>
+          <p:cNvSpPr>
+            <a:spLocks noGrp="1"/>
+          </p:cNvSpPr>
+          <p:nvPr>
+            <p:ph type="ftr" sz="quarter" idx="11"/>
+          </p:nvPr>
+        </p:nvSpPr>
+        <p:spPr/>
+        <p:txBody>
+          <a:bodyPr/>
+          <a:lstStyle/>
+          <a:p>
+            <a:endParaRPr lang="fr-FR"/>
+          </a:p>
+        </p:txBody>
+      </p:sp>
+      <p:sp>
+        <p:nvSpPr>
+          <p:cNvPr id="6" name="Espace réservé du numéro de diapositive 5">
+            <a:extLst>
+              <a:ext uri="{FF2B5EF4-FFF2-40B4-BE49-F238E27FC236}">
+                <a16:creationId xmlns:a16="http://schemas.microsoft.com/office/drawing/2014/main" id="{34F01D56-4207-BC8D-1325-B3C8D592091D}"/>
+              </a:ext>
+            </a:extLst>
+          </p:cNvPr>
+          <p:cNvSpPr>
+            <a:spLocks noGrp="1"/>
+          </p:cNvSpPr>
+          <p:nvPr>
+            <p:ph type="sldNum" sz="quarter" idx="12"/>
+          </p:nvPr>
+        </p:nvSpPr>
+        <p:spPr/>
+        <p:txBody>
+          <a:bodyPr/>
+          <a:lstStyle/>
+          <a:p>
+            <a:fld id="{05140462-0667-4258-8DD6-DC1FD194F4F6}" type="slidenum">
+              <a:rPr lang="fr-FR" smtClean="0"/>
+              <a:pPr/>
+              <a:t>‹N°›</a:t>
+            </a:fld>
+            <a:endParaRPr lang="fr-FR"/>
+          </a:p>
+        </p:txBody>
+      </p:sp>
+    </p:spTree>
+    <p:extLst>
+      <p:ext uri="{BB962C8B-B14F-4D97-AF65-F5344CB8AC3E}">
+        <p14:creationId xmlns:p14="http://schemas.microsoft.com/office/powerpoint/2010/main" val="1794998458"/>
+      </p:ext>
+    </p:extLst>
+  </p:cSld>
+  <p:clrMapOvr>
+    <a:masterClrMapping/>
+  </p:clrMapOvr>
+  <p:hf hdr="0" ftr="0" dt="0"/>
+</p:sldLayout>
+</file>
+
+<file path=ppt/slideLayouts/slideLayout23.xml><?xml version="1.0" encoding="utf-8"?>
+<p:sldLayout xmlns:a="http://schemas.openxmlformats.org/drawingml/2006/main" xmlns:r="http://schemas.openxmlformats.org/officeDocument/2006/relationships" xmlns:p="http://schemas.openxmlformats.org/presentationml/2006/main" type="vertTitleAndTx" preserve="1">
+  <p:cSld name="Titre vertical et texte">
+    <p:spTree>
+      <p:nvGrpSpPr>
+        <p:cNvPr id="1" name=""/>
+        <p:cNvGrpSpPr/>
+        <p:nvPr/>
+      </p:nvGrpSpPr>
+      <p:grpSpPr>
+        <a:xfrm>
+          <a:off x="0" y="0"/>
+          <a:ext cx="0" cy="0"/>
+          <a:chOff x="0" y="0"/>
+          <a:chExt cx="0" cy="0"/>
+        </a:xfrm>
+      </p:grpSpPr>
+      <p:sp>
+        <p:nvSpPr>
+          <p:cNvPr id="2" name="Titre vertical 1">
+            <a:extLst>
+              <a:ext uri="{FF2B5EF4-FFF2-40B4-BE49-F238E27FC236}">
+                <a16:creationId xmlns:a16="http://schemas.microsoft.com/office/drawing/2014/main" id="{FEA47CEB-07AF-5034-4AE6-02030BE865B8}"/>
+              </a:ext>
+            </a:extLst>
+          </p:cNvPr>
+          <p:cNvSpPr>
+            <a:spLocks noGrp="1"/>
+          </p:cNvSpPr>
+          <p:nvPr>
+            <p:ph type="title" orient="vert"/>
+          </p:nvPr>
+        </p:nvSpPr>
+        <p:spPr>
+          <a:xfrm>
+            <a:off x="6543675" y="365125"/>
+            <a:ext cx="1971675" cy="5811838"/>
+          </a:xfrm>
+        </p:spPr>
+        <p:txBody>
+          <a:bodyPr vert="eaVert"/>
+          <a:lstStyle/>
+          <a:p>
+            <a:r>
+              <a:rPr lang="fr-FR"/>
+              <a:t>Modifiez le style du titre</a:t>
+            </a:r>
+          </a:p>
+        </p:txBody>
+      </p:sp>
+      <p:sp>
+        <p:nvSpPr>
+          <p:cNvPr id="3" name="Espace réservé du texte vertical 2">
+            <a:extLst>
+              <a:ext uri="{FF2B5EF4-FFF2-40B4-BE49-F238E27FC236}">
+                <a16:creationId xmlns:a16="http://schemas.microsoft.com/office/drawing/2014/main" id="{95FD0DDD-30CD-F0EE-5E84-29DDA1B4B6C1}"/>
+              </a:ext>
+            </a:extLst>
+          </p:cNvPr>
+          <p:cNvSpPr>
+            <a:spLocks noGrp="1"/>
+          </p:cNvSpPr>
+          <p:nvPr>
+            <p:ph type="body" orient="vert" idx="1"/>
+          </p:nvPr>
+        </p:nvSpPr>
+        <p:spPr>
+          <a:xfrm>
+            <a:off x="628650" y="365125"/>
+            <a:ext cx="5800725" cy="5811838"/>
+          </a:xfrm>
+        </p:spPr>
+        <p:txBody>
+          <a:bodyPr vert="eaVert"/>
+          <a:lstStyle/>
+          <a:p>
+            <a:pPr lvl="0"/>
+            <a:r>
+              <a:rPr lang="fr-FR"/>
+              <a:t>Cliquez pour modifier les styles du texte du masque</a:t>
+            </a:r>
+          </a:p>
+          <a:p>
+            <a:pPr lvl="1"/>
+            <a:r>
+              <a:rPr lang="fr-FR"/>
+              <a:t>Deuxième niveau</a:t>
+            </a:r>
+          </a:p>
+          <a:p>
+            <a:pPr lvl="2"/>
+            <a:r>
+              <a:rPr lang="fr-FR"/>
+              <a:t>Troisième niveau</a:t>
+            </a:r>
+          </a:p>
+          <a:p>
+            <a:pPr lvl="3"/>
+            <a:r>
+              <a:rPr lang="fr-FR"/>
+              <a:t>Quatrième niveau</a:t>
+            </a:r>
+          </a:p>
+          <a:p>
+            <a:pPr lvl="4"/>
+            <a:r>
+              <a:rPr lang="fr-FR"/>
+              <a:t>Cinquième niveau</a:t>
+            </a:r>
+          </a:p>
+        </p:txBody>
+      </p:sp>
+      <p:sp>
+        <p:nvSpPr>
+          <p:cNvPr id="4" name="Espace réservé de la date 3">
+            <a:extLst>
+              <a:ext uri="{FF2B5EF4-FFF2-40B4-BE49-F238E27FC236}">
+                <a16:creationId xmlns:a16="http://schemas.microsoft.com/office/drawing/2014/main" id="{9A08BD22-4479-E0BF-4CB4-4EFE0290761B}"/>
+              </a:ext>
+            </a:extLst>
+          </p:cNvPr>
+          <p:cNvSpPr>
+            <a:spLocks noGrp="1"/>
+          </p:cNvSpPr>
+          <p:nvPr>
+            <p:ph type="dt" sz="half" idx="10"/>
+          </p:nvPr>
+        </p:nvSpPr>
+        <p:spPr/>
+        <p:txBody>
+          <a:bodyPr/>
+          <a:lstStyle/>
+          <a:p>
+            <a:fld id="{715FFEA2-8EE2-4E3B-A523-DF67F5ED41E6}" type="datetime1">
+              <a:rPr lang="fr-FR" smtClean="0"/>
+              <a:pPr/>
+              <a:t>13/11/2024</a:t>
+            </a:fld>
+            <a:endParaRPr lang="fr-FR"/>
+          </a:p>
+        </p:txBody>
+      </p:sp>
+      <p:sp>
+        <p:nvSpPr>
+          <p:cNvPr id="5" name="Espace réservé du pied de page 4">
+            <a:extLst>
+              <a:ext uri="{FF2B5EF4-FFF2-40B4-BE49-F238E27FC236}">
+                <a16:creationId xmlns:a16="http://schemas.microsoft.com/office/drawing/2014/main" id="{9E77B5E2-5B47-006B-B4BB-71CA72C4C5B8}"/>
+              </a:ext>
+            </a:extLst>
+          </p:cNvPr>
+          <p:cNvSpPr>
+            <a:spLocks noGrp="1"/>
+          </p:cNvSpPr>
+          <p:nvPr>
+            <p:ph type="ftr" sz="quarter" idx="11"/>
+          </p:nvPr>
+        </p:nvSpPr>
+        <p:spPr/>
+        <p:txBody>
+          <a:bodyPr/>
+          <a:lstStyle/>
+          <a:p>
+            <a:endParaRPr lang="fr-FR"/>
+          </a:p>
+        </p:txBody>
+      </p:sp>
+      <p:sp>
+        <p:nvSpPr>
+          <p:cNvPr id="6" name="Espace réservé du numéro de diapositive 5">
+            <a:extLst>
+              <a:ext uri="{FF2B5EF4-FFF2-40B4-BE49-F238E27FC236}">
+                <a16:creationId xmlns:a16="http://schemas.microsoft.com/office/drawing/2014/main" id="{E5F84056-E9E0-7EC9-86E1-73CF6368C350}"/>
+              </a:ext>
+            </a:extLst>
+          </p:cNvPr>
+          <p:cNvSpPr>
+            <a:spLocks noGrp="1"/>
+          </p:cNvSpPr>
+          <p:nvPr>
+            <p:ph type="sldNum" sz="quarter" idx="12"/>
+          </p:nvPr>
+        </p:nvSpPr>
+        <p:spPr/>
+        <p:txBody>
+          <a:bodyPr/>
+          <a:lstStyle/>
+          <a:p>
+            <a:fld id="{05140462-0667-4258-8DD6-DC1FD194F4F6}" type="slidenum">
+              <a:rPr lang="fr-FR" smtClean="0"/>
+              <a:pPr/>
+              <a:t>‹N°›</a:t>
+            </a:fld>
+            <a:endParaRPr lang="fr-FR"/>
+          </a:p>
+        </p:txBody>
+      </p:sp>
+    </p:spTree>
+    <p:extLst>
+      <p:ext uri="{BB962C8B-B14F-4D97-AF65-F5344CB8AC3E}">
+        <p14:creationId xmlns:p14="http://schemas.microsoft.com/office/powerpoint/2010/main" val="581905256"/>
+      </p:ext>
+    </p:extLst>
+  </p:cSld>
+  <p:clrMapOvr>
+    <a:masterClrMapping/>
+  </p:clrMapOvr>
+  <p:hf hdr="0" ftr="0" dt="0"/>
+</p:sldLayout>
+</file>
+
+<file path=ppt/slideLayouts/slideLayout24.xml><?xml version="1.0" encoding="utf-8"?>
+<p:sldLayout xmlns:a="http://schemas.openxmlformats.org/drawingml/2006/main" xmlns:r="http://schemas.openxmlformats.org/officeDocument/2006/relationships" xmlns:p="http://schemas.openxmlformats.org/presentationml/2006/main" type="obj">
+  <p:cSld name="Title and Content">
+    <p:spTree>
+      <p:nvGrpSpPr>
+        <p:cNvPr id="1" name=""/>
+        <p:cNvGrpSpPr/>
+        <p:nvPr/>
+      </p:nvGrpSpPr>
+      <p:grpSpPr>
+        <a:xfrm>
+          <a:off x="0" y="0"/>
+          <a:ext cx="0" cy="0"/>
+          <a:chOff x="0" y="0"/>
+          <a:chExt cx="0" cy="0"/>
+        </a:xfrm>
+      </p:grpSpPr>
+      <p:sp>
+        <p:nvSpPr>
+          <p:cNvPr id="4" name="Date Placeholder 3"/>
+          <p:cNvSpPr>
+            <a:spLocks noGrp="1"/>
+          </p:cNvSpPr>
+          <p:nvPr>
+            <p:ph type="dt" sz="half" idx="10"/>
+          </p:nvPr>
+        </p:nvSpPr>
+        <p:spPr/>
+        <p:txBody>
+          <a:bodyPr/>
+          <a:lstStyle/>
+          <a:p>
+            <a:fld id="{91D58CCC-5FFF-41FA-81A9-0B78ACA198CF}" type="datetime1">
+              <a:rPr lang="fr-FR" smtClean="0"/>
+              <a:pPr/>
+              <a:t>13/11/2024</a:t>
+            </a:fld>
+            <a:endParaRPr lang="fr-FR"/>
+          </a:p>
+        </p:txBody>
+      </p:sp>
+      <p:sp>
+        <p:nvSpPr>
+          <p:cNvPr id="5" name="Footer Placeholder 4"/>
+          <p:cNvSpPr>
+            <a:spLocks noGrp="1"/>
+          </p:cNvSpPr>
+          <p:nvPr>
+            <p:ph type="ftr" sz="quarter" idx="11"/>
+          </p:nvPr>
+        </p:nvSpPr>
+        <p:spPr/>
+        <p:txBody>
+          <a:bodyPr/>
+          <a:lstStyle/>
+          <a:p>
+            <a:endParaRPr lang="fr-FR"/>
+          </a:p>
+        </p:txBody>
+      </p:sp>
+      <p:sp>
+        <p:nvSpPr>
+          <p:cNvPr id="6" name="Slide Number Placeholder 5"/>
+          <p:cNvSpPr>
+            <a:spLocks noGrp="1"/>
+          </p:cNvSpPr>
+          <p:nvPr>
+            <p:ph type="sldNum" sz="quarter" idx="12"/>
+          </p:nvPr>
+        </p:nvSpPr>
+        <p:spPr/>
+        <p:txBody>
+          <a:bodyPr/>
+          <a:lstStyle/>
+          <a:p>
+            <a:fld id="{05140462-0667-4258-8DD6-DC1FD194F4F6}" type="slidenum">
+              <a:rPr lang="fr-FR" smtClean="0"/>
+              <a:pPr/>
+              <a:t>‹N°›</a:t>
+            </a:fld>
+            <a:endParaRPr lang="fr-FR"/>
+          </a:p>
+        </p:txBody>
+      </p:sp>
+      <p:sp>
+        <p:nvSpPr>
+          <p:cNvPr id="25" name="Title Placeholder 1"/>
+          <p:cNvSpPr>
+            <a:spLocks noGrp="1"/>
+          </p:cNvSpPr>
+          <p:nvPr>
+            <p:ph type="title"/>
+          </p:nvPr>
+        </p:nvSpPr>
+        <p:spPr>
+          <a:xfrm>
+            <a:off x="276225" y="228600"/>
+            <a:ext cx="8591550" cy="1066801"/>
+          </a:xfrm>
+          <a:prstGeom prst="rect">
+            <a:avLst/>
+          </a:prstGeom>
+        </p:spPr>
+        <p:txBody>
+          <a:bodyPr vert="horz" lIns="91440" tIns="45720" rIns="91440" bIns="45720" rtlCol="0" anchor="b" anchorCtr="0">
+            <a:normAutofit/>
+          </a:bodyPr>
+          <a:lstStyle/>
+          <a:p>
+            <a:r>
+              <a:rPr lang="en-US"/>
+              <a:t>Click to edit Master title style</a:t>
+            </a:r>
+            <a:endParaRPr lang="en-US" dirty="0"/>
+          </a:p>
+        </p:txBody>
+      </p:sp>
+      <p:sp>
+        <p:nvSpPr>
+          <p:cNvPr id="31" name="Content Placeholder 30"/>
+          <p:cNvSpPr>
+            <a:spLocks noGrp="1"/>
+          </p:cNvSpPr>
+          <p:nvPr>
+            <p:ph sz="quarter" idx="13"/>
+          </p:nvPr>
+        </p:nvSpPr>
+        <p:spPr>
+          <a:xfrm>
+            <a:off x="274320" y="1298448"/>
+            <a:ext cx="8595360" cy="4937760"/>
+          </a:xfrm>
+        </p:spPr>
+        <p:txBody>
+          <a:bodyPr/>
+          <a:lstStyle/>
+          <a:p>
+            <a:pPr lvl="0"/>
+            <a:r>
+              <a:rPr lang="en-US"/>
+              <a:t>Click to edit Master text styles</a:t>
+            </a:r>
+          </a:p>
+          <a:p>
+            <a:pPr lvl="1"/>
+            <a:r>
+              <a:rPr lang="en-US"/>
+              <a:t>Second level</a:t>
+            </a:r>
+          </a:p>
+          <a:p>
+            <a:pPr lvl="2"/>
+            <a:r>
+              <a:rPr lang="en-US"/>
+              <a:t>Third level</a:t>
+            </a:r>
+          </a:p>
+          <a:p>
+            <a:pPr lvl="3"/>
+            <a:r>
+              <a:rPr lang="en-US"/>
+              <a:t>Fourth level</a:t>
+            </a:r>
+          </a:p>
+          <a:p>
+            <a:pPr lvl="4"/>
+            <a:r>
+              <a:rPr lang="en-US"/>
+              <a:t>Fifth level</a:t>
+            </a:r>
+          </a:p>
+        </p:txBody>
+      </p:sp>
+    </p:spTree>
+    <p:extLst>
+      <p:ext uri="{BB962C8B-B14F-4D97-AF65-F5344CB8AC3E}">
+        <p14:creationId xmlns:p14="http://schemas.microsoft.com/office/powerpoint/2010/main" val="122220058"/>
+      </p:ext>
+    </p:extLst>
+  </p:cSld>
+  <p:clrMapOvr>
+    <a:masterClrMapping/>
+  </p:clrMapOvr>
+  <p:transition>
+    <p:fade/>
+  </p:transition>
+</p:sldLayout>
+</file>
+
+<file path=ppt/slideLayouts/slideLayout25.xml><?xml version="1.0" encoding="utf-8"?>
+<p:sldLayout xmlns:a="http://schemas.openxmlformats.org/drawingml/2006/main" xmlns:r="http://schemas.openxmlformats.org/officeDocument/2006/relationships" xmlns:p="http://schemas.openxmlformats.org/presentationml/2006/main" type="twoObj">
+  <p:cSld name="Two Content">
+    <p:spTree>
+      <p:nvGrpSpPr>
+        <p:cNvPr id="1" name=""/>
+        <p:cNvGrpSpPr/>
+        <p:nvPr/>
+      </p:nvGrpSpPr>
+      <p:grpSpPr>
+        <a:xfrm>
+          <a:off x="0" y="0"/>
+          <a:ext cx="0" cy="0"/>
+          <a:chOff x="0" y="0"/>
+          <a:chExt cx="0" cy="0"/>
+        </a:xfrm>
+      </p:grpSpPr>
+      <p:sp>
+        <p:nvSpPr>
+          <p:cNvPr id="5" name="Date Placeholder 4"/>
+          <p:cNvSpPr>
+            <a:spLocks noGrp="1"/>
+          </p:cNvSpPr>
+          <p:nvPr>
+            <p:ph type="dt" sz="half" idx="10"/>
+          </p:nvPr>
+        </p:nvSpPr>
+        <p:spPr/>
+        <p:txBody>
+          <a:bodyPr/>
+          <a:lstStyle/>
+          <a:p>
+            <a:fld id="{86E85720-24AA-4315-93F0-EA7394388648}" type="datetime1">
+              <a:rPr lang="fr-FR" smtClean="0"/>
+              <a:pPr/>
+              <a:t>13/11/2024</a:t>
+            </a:fld>
+            <a:endParaRPr lang="fr-FR"/>
+          </a:p>
+        </p:txBody>
+      </p:sp>
+      <p:sp>
+        <p:nvSpPr>
+          <p:cNvPr id="6" name="Footer Placeholder 5"/>
+          <p:cNvSpPr>
+            <a:spLocks noGrp="1"/>
+          </p:cNvSpPr>
+          <p:nvPr>
+            <p:ph type="ftr" sz="quarter" idx="11"/>
+          </p:nvPr>
+        </p:nvSpPr>
+        <p:spPr/>
+        <p:txBody>
+          <a:bodyPr/>
+          <a:lstStyle/>
+          <a:p>
+            <a:endParaRPr lang="fr-FR"/>
+          </a:p>
+        </p:txBody>
+      </p:sp>
+      <p:sp>
+        <p:nvSpPr>
+          <p:cNvPr id="7" name="Slide Number Placeholder 6"/>
+          <p:cNvSpPr>
+            <a:spLocks noGrp="1"/>
+          </p:cNvSpPr>
+          <p:nvPr>
+            <p:ph type="sldNum" sz="quarter" idx="12"/>
+          </p:nvPr>
+        </p:nvSpPr>
+        <p:spPr/>
+        <p:txBody>
+          <a:bodyPr/>
+          <a:lstStyle/>
+          <a:p>
+            <a:fld id="{05140462-0667-4258-8DD6-DC1FD194F4F6}" type="slidenum">
+              <a:rPr lang="fr-FR" smtClean="0"/>
+              <a:pPr/>
+              <a:t>‹N°›</a:t>
+            </a:fld>
+            <a:endParaRPr lang="fr-FR"/>
+          </a:p>
+        </p:txBody>
+      </p:sp>
+      <p:sp>
+        <p:nvSpPr>
+          <p:cNvPr id="9" name="Title Placeholder 1"/>
+          <p:cNvSpPr>
+            <a:spLocks noGrp="1"/>
+          </p:cNvSpPr>
+          <p:nvPr>
+            <p:ph type="title"/>
+          </p:nvPr>
+        </p:nvSpPr>
+        <p:spPr>
+          <a:xfrm>
+            <a:off x="276225" y="228601"/>
+            <a:ext cx="8591550" cy="1066800"/>
+          </a:xfrm>
+          <a:prstGeom prst="rect">
+            <a:avLst/>
+          </a:prstGeom>
+        </p:spPr>
+        <p:txBody>
+          <a:bodyPr vert="horz" lIns="91440" tIns="45720" rIns="91440" bIns="45720" rtlCol="0" anchor="b" anchorCtr="0">
+            <a:normAutofit/>
+          </a:bodyPr>
+          <a:lstStyle/>
+          <a:p>
+            <a:r>
+              <a:rPr lang="en-US"/>
+              <a:t>Click to edit Master title style</a:t>
+            </a:r>
+            <a:endParaRPr lang="en-US" dirty="0"/>
+          </a:p>
+        </p:txBody>
+      </p:sp>
+      <p:sp>
+        <p:nvSpPr>
+          <p:cNvPr id="12" name="Content Placeholder 11"/>
+          <p:cNvSpPr>
+            <a:spLocks noGrp="1"/>
+          </p:cNvSpPr>
+          <p:nvPr>
+            <p:ph sz="quarter" idx="13"/>
+          </p:nvPr>
+        </p:nvSpPr>
+        <p:spPr>
+          <a:xfrm>
+            <a:off x="276225" y="1298448"/>
+            <a:ext cx="4251960" cy="4937760"/>
+          </a:xfrm>
+        </p:spPr>
+        <p:txBody>
+          <a:bodyPr>
+            <a:normAutofit/>
+          </a:bodyPr>
+          <a:lstStyle>
+            <a:lvl1pPr>
+              <a:defRPr sz="2000"/>
+            </a:lvl1pPr>
+            <a:lvl2pPr>
+              <a:defRPr sz="1800"/>
+            </a:lvl2pPr>
+            <a:lvl3pPr>
+              <a:defRPr sz="1600"/>
+            </a:lvl3pPr>
+            <a:lvl4pPr>
+              <a:defRPr sz="1600"/>
+            </a:lvl4pPr>
+            <a:lvl5pPr>
+              <a:defRPr sz="1600"/>
+            </a:lvl5pPr>
+          </a:lstStyle>
+          <a:p>
+            <a:pPr lvl="0"/>
+            <a:r>
+              <a:rPr lang="en-US"/>
+              <a:t>Click to edit Master text styles</a:t>
+            </a:r>
+          </a:p>
+          <a:p>
+            <a:pPr lvl="1"/>
+            <a:r>
+              <a:rPr lang="en-US"/>
+              <a:t>Second level</a:t>
+            </a:r>
+          </a:p>
+          <a:p>
+            <a:pPr lvl="2"/>
+            <a:r>
+              <a:rPr lang="en-US"/>
+              <a:t>Third level</a:t>
+            </a:r>
+          </a:p>
+          <a:p>
+            <a:pPr lvl="3"/>
+            <a:r>
+              <a:rPr lang="en-US"/>
+              <a:t>Fourth level</a:t>
+            </a:r>
+          </a:p>
+          <a:p>
+            <a:pPr lvl="4"/>
+            <a:r>
+              <a:rPr lang="en-US"/>
+              <a:t>Fifth level</a:t>
+            </a:r>
+          </a:p>
+        </p:txBody>
+      </p:sp>
+      <p:sp>
+        <p:nvSpPr>
+          <p:cNvPr id="13" name="Content Placeholder 11"/>
+          <p:cNvSpPr>
+            <a:spLocks noGrp="1"/>
+          </p:cNvSpPr>
+          <p:nvPr>
+            <p:ph sz="quarter" idx="14"/>
+          </p:nvPr>
+        </p:nvSpPr>
+        <p:spPr>
+          <a:xfrm>
+            <a:off x="4615815" y="1298448"/>
+            <a:ext cx="4251960" cy="4937760"/>
+          </a:xfrm>
+        </p:spPr>
+        <p:txBody>
+          <a:bodyPr>
+            <a:normAutofit/>
+          </a:bodyPr>
+          <a:lstStyle>
+            <a:lvl1pPr>
+              <a:defRPr sz="2000"/>
+            </a:lvl1pPr>
+            <a:lvl2pPr>
+              <a:defRPr sz="1800"/>
+            </a:lvl2pPr>
+            <a:lvl3pPr>
+              <a:defRPr sz="1600"/>
+            </a:lvl3pPr>
+            <a:lvl4pPr>
+              <a:defRPr sz="1600"/>
+            </a:lvl4pPr>
+            <a:lvl5pPr>
+              <a:defRPr sz="1600"/>
+            </a:lvl5pPr>
+          </a:lstStyle>
+          <a:p>
+            <a:pPr lvl="0"/>
+            <a:r>
+              <a:rPr lang="en-US"/>
+              <a:t>Click to edit Master text styles</a:t>
+            </a:r>
+          </a:p>
+          <a:p>
+            <a:pPr lvl="1"/>
+            <a:r>
+              <a:rPr lang="en-US"/>
+              <a:t>Second level</a:t>
+            </a:r>
+          </a:p>
+          <a:p>
+            <a:pPr lvl="2"/>
+            <a:r>
+              <a:rPr lang="en-US"/>
+              <a:t>Third level</a:t>
+            </a:r>
+          </a:p>
+          <a:p>
+            <a:pPr lvl="3"/>
+            <a:r>
+              <a:rPr lang="en-US"/>
+              <a:t>Fourth level</a:t>
+            </a:r>
+          </a:p>
+          <a:p>
+            <a:pPr lvl="4"/>
+            <a:r>
+              <a:rPr lang="en-US"/>
+              <a:t>Fifth level</a:t>
+            </a:r>
+          </a:p>
+        </p:txBody>
+      </p:sp>
+    </p:spTree>
+    <p:extLst>
+      <p:ext uri="{BB962C8B-B14F-4D97-AF65-F5344CB8AC3E}">
+        <p14:creationId xmlns:p14="http://schemas.microsoft.com/office/powerpoint/2010/main" val="1038173533"/>
+      </p:ext>
+    </p:extLst>
   </p:cSld>
   <p:clrMapOvr>
     <a:masterClrMapping/>
@@ -17096,7 +20354,7 @@
             <a:fld id="{FE9F8AFE-631E-4499-976F-DFAFBC86C9F1}" type="datetime1">
               <a:rPr lang="fr-FR" smtClean="0"/>
               <a:pPr/>
-              <a:t>11/05/2021</a:t>
+              <a:t>13/11/2024</a:t>
             </a:fld>
             <a:endParaRPr lang="en-US"/>
           </a:p>
@@ -21273,7 +24531,7 @@
             <a:fld id="{86E85720-24AA-4315-93F0-EA7394388648}" type="datetime1">
               <a:rPr lang="fr-FR" smtClean="0"/>
               <a:pPr/>
-              <a:t>11/05/2021</a:t>
+              <a:t>13/11/2024</a:t>
             </a:fld>
             <a:endParaRPr lang="fr-FR"/>
           </a:p>
@@ -21549,7 +24807,7 @@
             <a:fld id="{931AD0FB-EFCA-4FE2-B973-E6287F316345}" type="datetime1">
               <a:rPr lang="fr-FR" smtClean="0"/>
               <a:pPr/>
-              <a:t>11/05/2021</a:t>
+              <a:t>13/11/2024</a:t>
             </a:fld>
             <a:endParaRPr lang="fr-FR"/>
           </a:p>
@@ -21978,7 +25236,7 @@
             <a:fld id="{24E310ED-E096-4C3F-A7EC-F4B6EE3F0921}" type="datetime1">
               <a:rPr lang="fr-FR" smtClean="0"/>
               <a:pPr/>
-              <a:t>11/05/2021</a:t>
+              <a:t>13/11/2024</a:t>
             </a:fld>
             <a:endParaRPr lang="fr-FR"/>
           </a:p>
@@ -22106,7 +25364,7 @@
             <a:fld id="{EFE9D24D-B56F-49D1-B4F7-BDEDEBCDB76D}" type="datetime1">
               <a:rPr lang="fr-FR" smtClean="0"/>
               <a:pPr/>
-              <a:t>11/05/2021</a:t>
+              <a:t>13/11/2024</a:t>
             </a:fld>
             <a:endParaRPr lang="fr-FR"/>
           </a:p>
@@ -22257,7 +25515,7 @@
             <a:fld id="{F4CDA2B8-9791-4D68-A65D-E4BF9B64E796}" type="datetime1">
               <a:rPr lang="fr-FR" smtClean="0"/>
               <a:pPr/>
-              <a:t>11/05/2021</a:t>
+              <a:t>13/11/2024</a:t>
             </a:fld>
             <a:endParaRPr lang="fr-FR"/>
           </a:p>
@@ -22675,7 +25933,7 @@
             <a:fld id="{C52C2D23-9AEF-4330-B9F8-F67FEC40616F}" type="datetime1">
               <a:rPr lang="fr-FR" smtClean="0"/>
               <a:pPr/>
-              <a:t>11/05/2021</a:t>
+              <a:t>13/11/2024</a:t>
             </a:fld>
             <a:endParaRPr lang="fr-FR"/>
           </a:p>
@@ -23000,7 +26258,7 @@
             <a:fld id="{715FFEA2-8EE2-4E3B-A523-DF67F5ED41E6}" type="datetime1">
               <a:rPr lang="fr-FR" smtClean="0"/>
               <a:pPr/>
-              <a:t>11/05/2021</a:t>
+              <a:t>13/11/2024</a:t>
             </a:fld>
             <a:endParaRPr lang="fr-FR"/>
           </a:p>
@@ -23100,6 +26358,7 @@
     <p:sldLayoutId id="2147485708" r:id="rId9"/>
     <p:sldLayoutId id="2147485709" r:id="rId10"/>
     <p:sldLayoutId id="2147485710" r:id="rId11"/>
+    <p:sldLayoutId id="2147485711" r:id="rId12"/>
   </p:sldLayoutIdLst>
   <p:transition>
     <p:fade/>
@@ -23388,6 +26647,582 @@
 </p:sldMaster>
 </file>
 
+<file path=ppt/slideMasters/slideMaster2.xml><?xml version="1.0" encoding="utf-8"?>
+<p:sldMaster xmlns:a="http://schemas.openxmlformats.org/drawingml/2006/main" xmlns:r="http://schemas.openxmlformats.org/officeDocument/2006/relationships" xmlns:p="http://schemas.openxmlformats.org/presentationml/2006/main">
+  <p:cSld>
+    <p:bg>
+      <p:bgRef idx="1001">
+        <a:schemeClr val="bg1"/>
+      </p:bgRef>
+    </p:bg>
+    <p:spTree>
+      <p:nvGrpSpPr>
+        <p:cNvPr id="1" name=""/>
+        <p:cNvGrpSpPr/>
+        <p:nvPr/>
+      </p:nvGrpSpPr>
+      <p:grpSpPr>
+        <a:xfrm>
+          <a:off x="0" y="0"/>
+          <a:ext cx="0" cy="0"/>
+          <a:chOff x="0" y="0"/>
+          <a:chExt cx="0" cy="0"/>
+        </a:xfrm>
+      </p:grpSpPr>
+      <p:sp>
+        <p:nvSpPr>
+          <p:cNvPr id="2" name="Espace réservé du titre 1">
+            <a:extLst>
+              <a:ext uri="{FF2B5EF4-FFF2-40B4-BE49-F238E27FC236}">
+                <a16:creationId xmlns:a16="http://schemas.microsoft.com/office/drawing/2014/main" id="{FFBB4F60-2639-3987-A057-D9EFC15DB6C1}"/>
+              </a:ext>
+            </a:extLst>
+          </p:cNvPr>
+          <p:cNvSpPr>
+            <a:spLocks noGrp="1"/>
+          </p:cNvSpPr>
+          <p:nvPr>
+            <p:ph type="title"/>
+          </p:nvPr>
+        </p:nvSpPr>
+        <p:spPr>
+          <a:xfrm>
+            <a:off x="628650" y="365126"/>
+            <a:ext cx="7886700" cy="1325563"/>
+          </a:xfrm>
+          <a:prstGeom prst="rect">
+            <a:avLst/>
+          </a:prstGeom>
+        </p:spPr>
+        <p:txBody>
+          <a:bodyPr vert="horz" lIns="91440" tIns="45720" rIns="91440" bIns="45720" rtlCol="0" anchor="ctr">
+            <a:normAutofit/>
+          </a:bodyPr>
+          <a:lstStyle/>
+          <a:p>
+            <a:r>
+              <a:rPr lang="fr-FR"/>
+              <a:t>Modifiez le style du titre</a:t>
+            </a:r>
+          </a:p>
+        </p:txBody>
+      </p:sp>
+      <p:sp>
+        <p:nvSpPr>
+          <p:cNvPr id="3" name="Espace réservé du texte 2">
+            <a:extLst>
+              <a:ext uri="{FF2B5EF4-FFF2-40B4-BE49-F238E27FC236}">
+                <a16:creationId xmlns:a16="http://schemas.microsoft.com/office/drawing/2014/main" id="{4E3063FA-7B88-E4C3-1A4C-92F17D37035E}"/>
+              </a:ext>
+            </a:extLst>
+          </p:cNvPr>
+          <p:cNvSpPr>
+            <a:spLocks noGrp="1"/>
+          </p:cNvSpPr>
+          <p:nvPr>
+            <p:ph type="body" idx="1"/>
+          </p:nvPr>
+        </p:nvSpPr>
+        <p:spPr>
+          <a:xfrm>
+            <a:off x="628650" y="1825625"/>
+            <a:ext cx="7886700" cy="4351338"/>
+          </a:xfrm>
+          <a:prstGeom prst="rect">
+            <a:avLst/>
+          </a:prstGeom>
+        </p:spPr>
+        <p:txBody>
+          <a:bodyPr vert="horz" lIns="91440" tIns="45720" rIns="91440" bIns="45720" rtlCol="0">
+            <a:normAutofit/>
+          </a:bodyPr>
+          <a:lstStyle/>
+          <a:p>
+            <a:pPr lvl="0"/>
+            <a:r>
+              <a:rPr lang="fr-FR"/>
+              <a:t>Cliquez pour modifier les styles du texte du masque</a:t>
+            </a:r>
+          </a:p>
+          <a:p>
+            <a:pPr lvl="1"/>
+            <a:r>
+              <a:rPr lang="fr-FR"/>
+              <a:t>Deuxième niveau</a:t>
+            </a:r>
+          </a:p>
+          <a:p>
+            <a:pPr lvl="2"/>
+            <a:r>
+              <a:rPr lang="fr-FR"/>
+              <a:t>Troisième niveau</a:t>
+            </a:r>
+          </a:p>
+          <a:p>
+            <a:pPr lvl="3"/>
+            <a:r>
+              <a:rPr lang="fr-FR"/>
+              <a:t>Quatrième niveau</a:t>
+            </a:r>
+          </a:p>
+          <a:p>
+            <a:pPr lvl="4"/>
+            <a:r>
+              <a:rPr lang="fr-FR"/>
+              <a:t>Cinquième niveau</a:t>
+            </a:r>
+          </a:p>
+        </p:txBody>
+      </p:sp>
+      <p:sp>
+        <p:nvSpPr>
+          <p:cNvPr id="4" name="Espace réservé de la date 3">
+            <a:extLst>
+              <a:ext uri="{FF2B5EF4-FFF2-40B4-BE49-F238E27FC236}">
+                <a16:creationId xmlns:a16="http://schemas.microsoft.com/office/drawing/2014/main" id="{C28D5DAC-F9F7-FA28-6C56-B3BEA318F29E}"/>
+              </a:ext>
+            </a:extLst>
+          </p:cNvPr>
+          <p:cNvSpPr>
+            <a:spLocks noGrp="1"/>
+          </p:cNvSpPr>
+          <p:nvPr>
+            <p:ph type="dt" sz="half" idx="2"/>
+          </p:nvPr>
+        </p:nvSpPr>
+        <p:spPr>
+          <a:xfrm>
+            <a:off x="628650" y="6356351"/>
+            <a:ext cx="2057400" cy="365125"/>
+          </a:xfrm>
+          <a:prstGeom prst="rect">
+            <a:avLst/>
+          </a:prstGeom>
+        </p:spPr>
+        <p:txBody>
+          <a:bodyPr vert="horz" lIns="91440" tIns="45720" rIns="91440" bIns="45720" rtlCol="0" anchor="ctr"/>
+          <a:lstStyle>
+            <a:lvl1pPr algn="l">
+              <a:defRPr sz="900">
+                <a:solidFill>
+                  <a:schemeClr val="tx1">
+                    <a:tint val="82000"/>
+                  </a:schemeClr>
+                </a:solidFill>
+              </a:defRPr>
+            </a:lvl1pPr>
+          </a:lstStyle>
+          <a:p>
+            <a:fld id="{715FFEA2-8EE2-4E3B-A523-DF67F5ED41E6}" type="datetime1">
+              <a:rPr lang="fr-FR" smtClean="0"/>
+              <a:pPr/>
+              <a:t>13/11/2024</a:t>
+            </a:fld>
+            <a:endParaRPr lang="fr-FR"/>
+          </a:p>
+        </p:txBody>
+      </p:sp>
+      <p:sp>
+        <p:nvSpPr>
+          <p:cNvPr id="5" name="Espace réservé du pied de page 4">
+            <a:extLst>
+              <a:ext uri="{FF2B5EF4-FFF2-40B4-BE49-F238E27FC236}">
+                <a16:creationId xmlns:a16="http://schemas.microsoft.com/office/drawing/2014/main" id="{FC26EAEA-D6B6-D500-CFD0-512FCB4EDA61}"/>
+              </a:ext>
+            </a:extLst>
+          </p:cNvPr>
+          <p:cNvSpPr>
+            <a:spLocks noGrp="1"/>
+          </p:cNvSpPr>
+          <p:nvPr>
+            <p:ph type="ftr" sz="quarter" idx="3"/>
+          </p:nvPr>
+        </p:nvSpPr>
+        <p:spPr>
+          <a:xfrm>
+            <a:off x="3028950" y="6356351"/>
+            <a:ext cx="3086100" cy="365125"/>
+          </a:xfrm>
+          <a:prstGeom prst="rect">
+            <a:avLst/>
+          </a:prstGeom>
+        </p:spPr>
+        <p:txBody>
+          <a:bodyPr vert="horz" lIns="91440" tIns="45720" rIns="91440" bIns="45720" rtlCol="0" anchor="ctr"/>
+          <a:lstStyle>
+            <a:lvl1pPr algn="ctr">
+              <a:defRPr sz="900">
+                <a:solidFill>
+                  <a:schemeClr val="tx1">
+                    <a:tint val="82000"/>
+                  </a:schemeClr>
+                </a:solidFill>
+              </a:defRPr>
+            </a:lvl1pPr>
+          </a:lstStyle>
+          <a:p>
+            <a:endParaRPr lang="fr-FR"/>
+          </a:p>
+        </p:txBody>
+      </p:sp>
+      <p:sp>
+        <p:nvSpPr>
+          <p:cNvPr id="6" name="Espace réservé du numéro de diapositive 5">
+            <a:extLst>
+              <a:ext uri="{FF2B5EF4-FFF2-40B4-BE49-F238E27FC236}">
+                <a16:creationId xmlns:a16="http://schemas.microsoft.com/office/drawing/2014/main" id="{18ABD3B9-06A3-EC19-713E-82905272D00B}"/>
+              </a:ext>
+            </a:extLst>
+          </p:cNvPr>
+          <p:cNvSpPr>
+            <a:spLocks noGrp="1"/>
+          </p:cNvSpPr>
+          <p:nvPr>
+            <p:ph type="sldNum" sz="quarter" idx="4"/>
+          </p:nvPr>
+        </p:nvSpPr>
+        <p:spPr>
+          <a:xfrm>
+            <a:off x="6457950" y="6356351"/>
+            <a:ext cx="2057400" cy="365125"/>
+          </a:xfrm>
+          <a:prstGeom prst="rect">
+            <a:avLst/>
+          </a:prstGeom>
+        </p:spPr>
+        <p:txBody>
+          <a:bodyPr vert="horz" lIns="91440" tIns="45720" rIns="91440" bIns="45720" rtlCol="0" anchor="ctr"/>
+          <a:lstStyle>
+            <a:lvl1pPr algn="r">
+              <a:defRPr sz="900">
+                <a:solidFill>
+                  <a:schemeClr val="tx1">
+                    <a:tint val="82000"/>
+                  </a:schemeClr>
+                </a:solidFill>
+              </a:defRPr>
+            </a:lvl1pPr>
+          </a:lstStyle>
+          <a:p>
+            <a:fld id="{05140462-0667-4258-8DD6-DC1FD194F4F6}" type="slidenum">
+              <a:rPr lang="fr-FR" smtClean="0"/>
+              <a:pPr/>
+              <a:t>‹N°›</a:t>
+            </a:fld>
+            <a:endParaRPr lang="fr-FR"/>
+          </a:p>
+        </p:txBody>
+      </p:sp>
+    </p:spTree>
+    <p:extLst>
+      <p:ext uri="{BB962C8B-B14F-4D97-AF65-F5344CB8AC3E}">
+        <p14:creationId xmlns:p14="http://schemas.microsoft.com/office/powerpoint/2010/main" val="1519661171"/>
+      </p:ext>
+    </p:extLst>
+  </p:cSld>
+  <p:clrMap bg1="lt1" tx1="dk1" bg2="lt2" tx2="dk2" accent1="accent1" accent2="accent2" accent3="accent3" accent4="accent4" accent5="accent5" accent6="accent6" hlink="hlink" folHlink="folHlink"/>
+  <p:sldLayoutIdLst>
+    <p:sldLayoutId id="2147485713" r:id="rId1"/>
+    <p:sldLayoutId id="2147485714" r:id="rId2"/>
+    <p:sldLayoutId id="2147485715" r:id="rId3"/>
+    <p:sldLayoutId id="2147485716" r:id="rId4"/>
+    <p:sldLayoutId id="2147485717" r:id="rId5"/>
+    <p:sldLayoutId id="2147485718" r:id="rId6"/>
+    <p:sldLayoutId id="2147485719" r:id="rId7"/>
+    <p:sldLayoutId id="2147485720" r:id="rId8"/>
+    <p:sldLayoutId id="2147485721" r:id="rId9"/>
+    <p:sldLayoutId id="2147485722" r:id="rId10"/>
+    <p:sldLayoutId id="2147485723" r:id="rId11"/>
+    <p:sldLayoutId id="2147485724" r:id="rId12"/>
+    <p:sldLayoutId id="2147485725" r:id="rId13"/>
+  </p:sldLayoutIdLst>
+  <p:transition>
+    <p:fade/>
+  </p:transition>
+  <p:hf hdr="0" ftr="0" dt="0"/>
+  <p:txStyles>
+    <p:titleStyle>
+      <a:lvl1pPr algn="l" defTabSz="685800" rtl="0" eaLnBrk="1" latinLnBrk="0" hangingPunct="1">
+        <a:lnSpc>
+          <a:spcPct val="90000"/>
+        </a:lnSpc>
+        <a:spcBef>
+          <a:spcPct val="0"/>
+        </a:spcBef>
+        <a:buNone/>
+        <a:defRPr sz="3300" kern="1200">
+          <a:solidFill>
+            <a:schemeClr val="tx1"/>
+          </a:solidFill>
+          <a:latin typeface="+mj-lt"/>
+          <a:ea typeface="+mj-ea"/>
+          <a:cs typeface="+mj-cs"/>
+        </a:defRPr>
+      </a:lvl1pPr>
+    </p:titleStyle>
+    <p:bodyStyle>
+      <a:lvl1pPr marL="171450" indent="-171450" algn="l" defTabSz="685800" rtl="0" eaLnBrk="1" latinLnBrk="0" hangingPunct="1">
+        <a:lnSpc>
+          <a:spcPct val="90000"/>
+        </a:lnSpc>
+        <a:spcBef>
+          <a:spcPts val="750"/>
+        </a:spcBef>
+        <a:buFont typeface="Arial" panose="020B0604020202020204" pitchFamily="34" charset="0"/>
+        <a:buChar char="•"/>
+        <a:defRPr sz="2100" kern="1200">
+          <a:solidFill>
+            <a:schemeClr val="tx1"/>
+          </a:solidFill>
+          <a:latin typeface="+mn-lt"/>
+          <a:ea typeface="+mn-ea"/>
+          <a:cs typeface="+mn-cs"/>
+        </a:defRPr>
+      </a:lvl1pPr>
+      <a:lvl2pPr marL="514350" indent="-171450" algn="l" defTabSz="685800" rtl="0" eaLnBrk="1" latinLnBrk="0" hangingPunct="1">
+        <a:lnSpc>
+          <a:spcPct val="90000"/>
+        </a:lnSpc>
+        <a:spcBef>
+          <a:spcPts val="375"/>
+        </a:spcBef>
+        <a:buFont typeface="Arial" panose="020B0604020202020204" pitchFamily="34" charset="0"/>
+        <a:buChar char="•"/>
+        <a:defRPr sz="1800" kern="1200">
+          <a:solidFill>
+            <a:schemeClr val="tx1"/>
+          </a:solidFill>
+          <a:latin typeface="+mn-lt"/>
+          <a:ea typeface="+mn-ea"/>
+          <a:cs typeface="+mn-cs"/>
+        </a:defRPr>
+      </a:lvl2pPr>
+      <a:lvl3pPr marL="857250" indent="-171450" algn="l" defTabSz="685800" rtl="0" eaLnBrk="1" latinLnBrk="0" hangingPunct="1">
+        <a:lnSpc>
+          <a:spcPct val="90000"/>
+        </a:lnSpc>
+        <a:spcBef>
+          <a:spcPts val="375"/>
+        </a:spcBef>
+        <a:buFont typeface="Arial" panose="020B0604020202020204" pitchFamily="34" charset="0"/>
+        <a:buChar char="•"/>
+        <a:defRPr sz="1500" kern="1200">
+          <a:solidFill>
+            <a:schemeClr val="tx1"/>
+          </a:solidFill>
+          <a:latin typeface="+mn-lt"/>
+          <a:ea typeface="+mn-ea"/>
+          <a:cs typeface="+mn-cs"/>
+        </a:defRPr>
+      </a:lvl3pPr>
+      <a:lvl4pPr marL="1200150" indent="-171450" algn="l" defTabSz="685800" rtl="0" eaLnBrk="1" latinLnBrk="0" hangingPunct="1">
+        <a:lnSpc>
+          <a:spcPct val="90000"/>
+        </a:lnSpc>
+        <a:spcBef>
+          <a:spcPts val="375"/>
+        </a:spcBef>
+        <a:buFont typeface="Arial" panose="020B0604020202020204" pitchFamily="34" charset="0"/>
+        <a:buChar char="•"/>
+        <a:defRPr sz="1350" kern="1200">
+          <a:solidFill>
+            <a:schemeClr val="tx1"/>
+          </a:solidFill>
+          <a:latin typeface="+mn-lt"/>
+          <a:ea typeface="+mn-ea"/>
+          <a:cs typeface="+mn-cs"/>
+        </a:defRPr>
+      </a:lvl4pPr>
+      <a:lvl5pPr marL="1543050" indent="-171450" algn="l" defTabSz="685800" rtl="0" eaLnBrk="1" latinLnBrk="0" hangingPunct="1">
+        <a:lnSpc>
+          <a:spcPct val="90000"/>
+        </a:lnSpc>
+        <a:spcBef>
+          <a:spcPts val="375"/>
+        </a:spcBef>
+        <a:buFont typeface="Arial" panose="020B0604020202020204" pitchFamily="34" charset="0"/>
+        <a:buChar char="•"/>
+        <a:defRPr sz="1350" kern="1200">
+          <a:solidFill>
+            <a:schemeClr val="tx1"/>
+          </a:solidFill>
+          <a:latin typeface="+mn-lt"/>
+          <a:ea typeface="+mn-ea"/>
+          <a:cs typeface="+mn-cs"/>
+        </a:defRPr>
+      </a:lvl5pPr>
+      <a:lvl6pPr marL="1885950" indent="-171450" algn="l" defTabSz="685800" rtl="0" eaLnBrk="1" latinLnBrk="0" hangingPunct="1">
+        <a:lnSpc>
+          <a:spcPct val="90000"/>
+        </a:lnSpc>
+        <a:spcBef>
+          <a:spcPts val="375"/>
+        </a:spcBef>
+        <a:buFont typeface="Arial" panose="020B0604020202020204" pitchFamily="34" charset="0"/>
+        <a:buChar char="•"/>
+        <a:defRPr sz="1350" kern="1200">
+          <a:solidFill>
+            <a:schemeClr val="tx1"/>
+          </a:solidFill>
+          <a:latin typeface="+mn-lt"/>
+          <a:ea typeface="+mn-ea"/>
+          <a:cs typeface="+mn-cs"/>
+        </a:defRPr>
+      </a:lvl6pPr>
+      <a:lvl7pPr marL="2228850" indent="-171450" algn="l" defTabSz="685800" rtl="0" eaLnBrk="1" latinLnBrk="0" hangingPunct="1">
+        <a:lnSpc>
+          <a:spcPct val="90000"/>
+        </a:lnSpc>
+        <a:spcBef>
+          <a:spcPts val="375"/>
+        </a:spcBef>
+        <a:buFont typeface="Arial" panose="020B0604020202020204" pitchFamily="34" charset="0"/>
+        <a:buChar char="•"/>
+        <a:defRPr sz="1350" kern="1200">
+          <a:solidFill>
+            <a:schemeClr val="tx1"/>
+          </a:solidFill>
+          <a:latin typeface="+mn-lt"/>
+          <a:ea typeface="+mn-ea"/>
+          <a:cs typeface="+mn-cs"/>
+        </a:defRPr>
+      </a:lvl7pPr>
+      <a:lvl8pPr marL="2571750" indent="-171450" algn="l" defTabSz="685800" rtl="0" eaLnBrk="1" latinLnBrk="0" hangingPunct="1">
+        <a:lnSpc>
+          <a:spcPct val="90000"/>
+        </a:lnSpc>
+        <a:spcBef>
+          <a:spcPts val="375"/>
+        </a:spcBef>
+        <a:buFont typeface="Arial" panose="020B0604020202020204" pitchFamily="34" charset="0"/>
+        <a:buChar char="•"/>
+        <a:defRPr sz="1350" kern="1200">
+          <a:solidFill>
+            <a:schemeClr val="tx1"/>
+          </a:solidFill>
+          <a:latin typeface="+mn-lt"/>
+          <a:ea typeface="+mn-ea"/>
+          <a:cs typeface="+mn-cs"/>
+        </a:defRPr>
+      </a:lvl8pPr>
+      <a:lvl9pPr marL="2914650" indent="-171450" algn="l" defTabSz="685800" rtl="0" eaLnBrk="1" latinLnBrk="0" hangingPunct="1">
+        <a:lnSpc>
+          <a:spcPct val="90000"/>
+        </a:lnSpc>
+        <a:spcBef>
+          <a:spcPts val="375"/>
+        </a:spcBef>
+        <a:buFont typeface="Arial" panose="020B0604020202020204" pitchFamily="34" charset="0"/>
+        <a:buChar char="•"/>
+        <a:defRPr sz="1350" kern="1200">
+          <a:solidFill>
+            <a:schemeClr val="tx1"/>
+          </a:solidFill>
+          <a:latin typeface="+mn-lt"/>
+          <a:ea typeface="+mn-ea"/>
+          <a:cs typeface="+mn-cs"/>
+        </a:defRPr>
+      </a:lvl9pPr>
+    </p:bodyStyle>
+    <p:otherStyle>
+      <a:defPPr>
+        <a:defRPr lang="fr-FR"/>
+      </a:defPPr>
+      <a:lvl1pPr marL="0" algn="l" defTabSz="685800" rtl="0" eaLnBrk="1" latinLnBrk="0" hangingPunct="1">
+        <a:defRPr sz="1350" kern="1200">
+          <a:solidFill>
+            <a:schemeClr val="tx1"/>
+          </a:solidFill>
+          <a:latin typeface="+mn-lt"/>
+          <a:ea typeface="+mn-ea"/>
+          <a:cs typeface="+mn-cs"/>
+        </a:defRPr>
+      </a:lvl1pPr>
+      <a:lvl2pPr marL="342900" algn="l" defTabSz="685800" rtl="0" eaLnBrk="1" latinLnBrk="0" hangingPunct="1">
+        <a:defRPr sz="1350" kern="1200">
+          <a:solidFill>
+            <a:schemeClr val="tx1"/>
+          </a:solidFill>
+          <a:latin typeface="+mn-lt"/>
+          <a:ea typeface="+mn-ea"/>
+          <a:cs typeface="+mn-cs"/>
+        </a:defRPr>
+      </a:lvl2pPr>
+      <a:lvl3pPr marL="685800" algn="l" defTabSz="685800" rtl="0" eaLnBrk="1" latinLnBrk="0" hangingPunct="1">
+        <a:defRPr sz="1350" kern="1200">
+          <a:solidFill>
+            <a:schemeClr val="tx1"/>
+          </a:solidFill>
+          <a:latin typeface="+mn-lt"/>
+          <a:ea typeface="+mn-ea"/>
+          <a:cs typeface="+mn-cs"/>
+        </a:defRPr>
+      </a:lvl3pPr>
+      <a:lvl4pPr marL="1028700" algn="l" defTabSz="685800" rtl="0" eaLnBrk="1" latinLnBrk="0" hangingPunct="1">
+        <a:defRPr sz="1350" kern="1200">
+          <a:solidFill>
+            <a:schemeClr val="tx1"/>
+          </a:solidFill>
+          <a:latin typeface="+mn-lt"/>
+          <a:ea typeface="+mn-ea"/>
+          <a:cs typeface="+mn-cs"/>
+        </a:defRPr>
+      </a:lvl4pPr>
+      <a:lvl5pPr marL="1371600" algn="l" defTabSz="685800" rtl="0" eaLnBrk="1" latinLnBrk="0" hangingPunct="1">
+        <a:defRPr sz="1350" kern="1200">
+          <a:solidFill>
+            <a:schemeClr val="tx1"/>
+          </a:solidFill>
+          <a:latin typeface="+mn-lt"/>
+          <a:ea typeface="+mn-ea"/>
+          <a:cs typeface="+mn-cs"/>
+        </a:defRPr>
+      </a:lvl5pPr>
+      <a:lvl6pPr marL="1714500" algn="l" defTabSz="685800" rtl="0" eaLnBrk="1" latinLnBrk="0" hangingPunct="1">
+        <a:defRPr sz="1350" kern="1200">
+          <a:solidFill>
+            <a:schemeClr val="tx1"/>
+          </a:solidFill>
+          <a:latin typeface="+mn-lt"/>
+          <a:ea typeface="+mn-ea"/>
+          <a:cs typeface="+mn-cs"/>
+        </a:defRPr>
+      </a:lvl6pPr>
+      <a:lvl7pPr marL="2057400" algn="l" defTabSz="685800" rtl="0" eaLnBrk="1" latinLnBrk="0" hangingPunct="1">
+        <a:defRPr sz="1350" kern="1200">
+          <a:solidFill>
+            <a:schemeClr val="tx1"/>
+          </a:solidFill>
+          <a:latin typeface="+mn-lt"/>
+          <a:ea typeface="+mn-ea"/>
+          <a:cs typeface="+mn-cs"/>
+        </a:defRPr>
+      </a:lvl7pPr>
+      <a:lvl8pPr marL="2400300" algn="l" defTabSz="685800" rtl="0" eaLnBrk="1" latinLnBrk="0" hangingPunct="1">
+        <a:defRPr sz="1350" kern="1200">
+          <a:solidFill>
+            <a:schemeClr val="tx1"/>
+          </a:solidFill>
+          <a:latin typeface="+mn-lt"/>
+          <a:ea typeface="+mn-ea"/>
+          <a:cs typeface="+mn-cs"/>
+        </a:defRPr>
+      </a:lvl8pPr>
+      <a:lvl9pPr marL="2743200" algn="l" defTabSz="685800" rtl="0" eaLnBrk="1" latinLnBrk="0" hangingPunct="1">
+        <a:defRPr sz="1350" kern="1200">
+          <a:solidFill>
+            <a:schemeClr val="tx1"/>
+          </a:solidFill>
+          <a:latin typeface="+mn-lt"/>
+          <a:ea typeface="+mn-ea"/>
+          <a:cs typeface="+mn-cs"/>
+        </a:defRPr>
+      </a:lvl9pPr>
+    </p:otherStyle>
+  </p:txStyles>
+</p:sldMaster>
+</file>
+
 <file path=ppt/slides/slide1.xml><?xml version="1.0" encoding="utf-8"?>
 <p:sld xmlns:a="http://schemas.openxmlformats.org/drawingml/2006/main" xmlns:r="http://schemas.openxmlformats.org/officeDocument/2006/relationships" xmlns:p="http://schemas.openxmlformats.org/presentationml/2006/main">
   <p:cSld>
@@ -23407,53 +27242,1034 @@
       </p:grpSpPr>
       <p:sp>
         <p:nvSpPr>
-          <p:cNvPr id="6" name="Subtitle 5"/>
-          <p:cNvSpPr>
-            <a:spLocks noGrp="1"/>
+          <p:cNvPr id="2" name="Text Placeholder 4">
+            <a:extLst>
+              <a:ext uri="{FF2B5EF4-FFF2-40B4-BE49-F238E27FC236}">
+                <a16:creationId xmlns:a16="http://schemas.microsoft.com/office/drawing/2014/main" id="{08376E05-2A13-1449-BCDB-96D673163CD3}"/>
+              </a:ext>
+            </a:extLst>
+          </p:cNvPr>
+          <p:cNvSpPr txBox="1">
+            <a:spLocks/>
           </p:cNvSpPr>
-          <p:nvPr>
-            <p:ph type="subTitle" idx="1"/>
-          </p:nvPr>
+          <p:nvPr/>
         </p:nvSpPr>
-        <p:spPr/>
+        <p:spPr>
+          <a:xfrm>
+            <a:off x="481233" y="1307803"/>
+            <a:ext cx="7431034" cy="382227"/>
+          </a:xfrm>
+          <a:prstGeom prst="rect">
+            <a:avLst/>
+          </a:prstGeom>
+        </p:spPr>
         <p:txBody>
           <a:bodyPr/>
-          <a:lstStyle/>
-          <a:p>
-            <a:endParaRPr lang="fr-FR" dirty="0"/>
+          <a:lstStyle>
+            <a:lvl1pPr marL="0" indent="0" algn="l" defTabSz="914400" rtl="0" eaLnBrk="1" latinLnBrk="0" hangingPunct="1">
+              <a:lnSpc>
+                <a:spcPct val="90000"/>
+              </a:lnSpc>
+              <a:spcBef>
+                <a:spcPts val="1000"/>
+              </a:spcBef>
+              <a:buFont typeface="Arial" panose="020B0604020202020204" pitchFamily="34" charset="0"/>
+              <a:buNone/>
+              <a:defRPr sz="3000" b="1" i="0" kern="1200">
+                <a:solidFill>
+                  <a:schemeClr val="tx1"/>
+                </a:solidFill>
+                <a:latin typeface="Arial" panose="020B0604020202020204" pitchFamily="34" charset="0"/>
+                <a:ea typeface="Inter Semi Bold" panose="020B0502030000000004" pitchFamily="34" charset="0"/>
+                <a:cs typeface="Arial" panose="020B0604020202020204" pitchFamily="34" charset="0"/>
+              </a:defRPr>
+            </a:lvl1pPr>
+            <a:lvl2pPr marL="685800" indent="-228600" algn="l" defTabSz="914400" rtl="0" eaLnBrk="1" latinLnBrk="0" hangingPunct="1">
+              <a:lnSpc>
+                <a:spcPct val="90000"/>
+              </a:lnSpc>
+              <a:spcBef>
+                <a:spcPts val="500"/>
+              </a:spcBef>
+              <a:buFont typeface="Arial" panose="020B0604020202020204" pitchFamily="34" charset="0"/>
+              <a:buChar char="•"/>
+              <a:defRPr sz="2400" kern="1200">
+                <a:solidFill>
+                  <a:schemeClr val="bg1"/>
+                </a:solidFill>
+                <a:latin typeface="+mn-lt"/>
+                <a:ea typeface="+mn-ea"/>
+                <a:cs typeface="+mn-cs"/>
+              </a:defRPr>
+            </a:lvl2pPr>
+            <a:lvl3pPr marL="1143000" indent="-228600" algn="l" defTabSz="914400" rtl="0" eaLnBrk="1" latinLnBrk="0" hangingPunct="1">
+              <a:lnSpc>
+                <a:spcPct val="90000"/>
+              </a:lnSpc>
+              <a:spcBef>
+                <a:spcPts val="500"/>
+              </a:spcBef>
+              <a:buFont typeface="Arial" panose="020B0604020202020204" pitchFamily="34" charset="0"/>
+              <a:buChar char="•"/>
+              <a:defRPr sz="2000" kern="1200">
+                <a:solidFill>
+                  <a:schemeClr val="bg1"/>
+                </a:solidFill>
+                <a:latin typeface="+mn-lt"/>
+                <a:ea typeface="+mn-ea"/>
+                <a:cs typeface="+mn-cs"/>
+              </a:defRPr>
+            </a:lvl3pPr>
+            <a:lvl4pPr marL="1600200" indent="-228600" algn="l" defTabSz="914400" rtl="0" eaLnBrk="1" latinLnBrk="0" hangingPunct="1">
+              <a:lnSpc>
+                <a:spcPct val="90000"/>
+              </a:lnSpc>
+              <a:spcBef>
+                <a:spcPts val="500"/>
+              </a:spcBef>
+              <a:buFont typeface="Arial" panose="020B0604020202020204" pitchFamily="34" charset="0"/>
+              <a:buChar char="•"/>
+              <a:defRPr sz="1800" kern="1200">
+                <a:solidFill>
+                  <a:schemeClr val="bg1"/>
+                </a:solidFill>
+                <a:latin typeface="+mn-lt"/>
+                <a:ea typeface="+mn-ea"/>
+                <a:cs typeface="+mn-cs"/>
+              </a:defRPr>
+            </a:lvl4pPr>
+            <a:lvl5pPr marL="2057400" indent="-228600" algn="l" defTabSz="914400" rtl="0" eaLnBrk="1" latinLnBrk="0" hangingPunct="1">
+              <a:lnSpc>
+                <a:spcPct val="90000"/>
+              </a:lnSpc>
+              <a:spcBef>
+                <a:spcPts val="500"/>
+              </a:spcBef>
+              <a:buFont typeface="Arial" panose="020B0604020202020204" pitchFamily="34" charset="0"/>
+              <a:buChar char="•"/>
+              <a:defRPr sz="1800" kern="1200">
+                <a:solidFill>
+                  <a:schemeClr val="bg1"/>
+                </a:solidFill>
+                <a:latin typeface="+mn-lt"/>
+                <a:ea typeface="+mn-ea"/>
+                <a:cs typeface="+mn-cs"/>
+              </a:defRPr>
+            </a:lvl5pPr>
+            <a:lvl6pPr marL="2514600" indent="-228600" algn="l" defTabSz="914400" rtl="0" eaLnBrk="1" latinLnBrk="0" hangingPunct="1">
+              <a:lnSpc>
+                <a:spcPct val="90000"/>
+              </a:lnSpc>
+              <a:spcBef>
+                <a:spcPts val="500"/>
+              </a:spcBef>
+              <a:buFont typeface="Arial" panose="020B0604020202020204" pitchFamily="34" charset="0"/>
+              <a:buChar char="•"/>
+              <a:defRPr sz="1800" kern="1200">
+                <a:solidFill>
+                  <a:schemeClr val="tx1"/>
+                </a:solidFill>
+                <a:latin typeface="+mn-lt"/>
+                <a:ea typeface="+mn-ea"/>
+                <a:cs typeface="+mn-cs"/>
+              </a:defRPr>
+            </a:lvl6pPr>
+            <a:lvl7pPr marL="2971800" indent="-228600" algn="l" defTabSz="914400" rtl="0" eaLnBrk="1" latinLnBrk="0" hangingPunct="1">
+              <a:lnSpc>
+                <a:spcPct val="90000"/>
+              </a:lnSpc>
+              <a:spcBef>
+                <a:spcPts val="500"/>
+              </a:spcBef>
+              <a:buFont typeface="Arial" panose="020B0604020202020204" pitchFamily="34" charset="0"/>
+              <a:buChar char="•"/>
+              <a:defRPr sz="1800" kern="1200">
+                <a:solidFill>
+                  <a:schemeClr val="tx1"/>
+                </a:solidFill>
+                <a:latin typeface="+mn-lt"/>
+                <a:ea typeface="+mn-ea"/>
+                <a:cs typeface="+mn-cs"/>
+              </a:defRPr>
+            </a:lvl7pPr>
+            <a:lvl8pPr marL="3429000" indent="-228600" algn="l" defTabSz="914400" rtl="0" eaLnBrk="1" latinLnBrk="0" hangingPunct="1">
+              <a:lnSpc>
+                <a:spcPct val="90000"/>
+              </a:lnSpc>
+              <a:spcBef>
+                <a:spcPts val="500"/>
+              </a:spcBef>
+              <a:buFont typeface="Arial" panose="020B0604020202020204" pitchFamily="34" charset="0"/>
+              <a:buChar char="•"/>
+              <a:defRPr sz="1800" kern="1200">
+                <a:solidFill>
+                  <a:schemeClr val="tx1"/>
+                </a:solidFill>
+                <a:latin typeface="+mn-lt"/>
+                <a:ea typeface="+mn-ea"/>
+                <a:cs typeface="+mn-cs"/>
+              </a:defRPr>
+            </a:lvl8pPr>
+            <a:lvl9pPr marL="3886200" indent="-228600" algn="l" defTabSz="914400" rtl="0" eaLnBrk="1" latinLnBrk="0" hangingPunct="1">
+              <a:lnSpc>
+                <a:spcPct val="90000"/>
+              </a:lnSpc>
+              <a:spcBef>
+                <a:spcPts val="500"/>
+              </a:spcBef>
+              <a:buFont typeface="Arial" panose="020B0604020202020204" pitchFamily="34" charset="0"/>
+              <a:buChar char="•"/>
+              <a:defRPr sz="1800" kern="1200">
+                <a:solidFill>
+                  <a:schemeClr val="tx1"/>
+                </a:solidFill>
+                <a:latin typeface="+mn-lt"/>
+                <a:ea typeface="+mn-ea"/>
+                <a:cs typeface="+mn-cs"/>
+              </a:defRPr>
+            </a:lvl9pPr>
+          </a:lstStyle>
+          <a:p>
+            <a:endParaRPr lang="en-US" sz="2250" dirty="0"/>
           </a:p>
         </p:txBody>
       </p:sp>
       <p:sp>
         <p:nvSpPr>
-          <p:cNvPr id="2" name="Titre 1"/>
-          <p:cNvSpPr>
-            <a:spLocks noGrp="1"/>
+          <p:cNvPr id="3" name="Text Placeholder 2">
+            <a:extLst>
+              <a:ext uri="{FF2B5EF4-FFF2-40B4-BE49-F238E27FC236}">
+                <a16:creationId xmlns:a16="http://schemas.microsoft.com/office/drawing/2014/main" id="{47C075AA-96A4-2F4E-9533-A5705D612E3E}"/>
+              </a:ext>
+            </a:extLst>
+          </p:cNvPr>
+          <p:cNvSpPr txBox="1">
+            <a:spLocks/>
           </p:cNvSpPr>
-          <p:nvPr>
-            <p:ph type="title"/>
-          </p:nvPr>
+          <p:nvPr/>
         </p:nvSpPr>
-        <p:spPr/>
+        <p:spPr>
+          <a:xfrm rot="16200000">
+            <a:off x="7054771" y="3137256"/>
+            <a:ext cx="3298428" cy="880037"/>
+          </a:xfrm>
+          <a:prstGeom prst="rect">
+            <a:avLst/>
+          </a:prstGeom>
+        </p:spPr>
         <p:txBody>
-          <a:bodyPr/>
-          <a:lstStyle/>
+          <a:bodyPr anchor="ctr"/>
+          <a:lstStyle>
+            <a:lvl1pPr marL="0" indent="0" algn="l" defTabSz="914400" rtl="0" eaLnBrk="1" latinLnBrk="0" hangingPunct="1">
+              <a:lnSpc>
+                <a:spcPct val="130000"/>
+              </a:lnSpc>
+              <a:spcBef>
+                <a:spcPts val="0"/>
+              </a:spcBef>
+              <a:buFont typeface="Arial" panose="020B0604020202020204" pitchFamily="34" charset="0"/>
+              <a:buNone/>
+              <a:defRPr sz="1300" b="1" i="0" kern="1200">
+                <a:solidFill>
+                  <a:schemeClr val="tx1"/>
+                </a:solidFill>
+                <a:latin typeface="Arial" panose="020B0604020202020204" pitchFamily="34" charset="0"/>
+                <a:ea typeface="Inter Medium" panose="020B0502030000000004" pitchFamily="34" charset="0"/>
+                <a:cs typeface="Arial" panose="020B0604020202020204" pitchFamily="34" charset="0"/>
+              </a:defRPr>
+            </a:lvl1pPr>
+            <a:lvl2pPr marL="457200" indent="0" algn="l" defTabSz="914400" rtl="0" eaLnBrk="1" latinLnBrk="0" hangingPunct="1">
+              <a:lnSpc>
+                <a:spcPct val="90000"/>
+              </a:lnSpc>
+              <a:spcBef>
+                <a:spcPts val="500"/>
+              </a:spcBef>
+              <a:buFont typeface="Arial" panose="020B0604020202020204" pitchFamily="34" charset="0"/>
+              <a:buNone/>
+              <a:defRPr sz="1500" b="0" i="0" kern="1200">
+                <a:solidFill>
+                  <a:schemeClr val="bg1"/>
+                </a:solidFill>
+                <a:latin typeface="Inter Medium" panose="020B0502030000000004" pitchFamily="34" charset="0"/>
+                <a:ea typeface="Inter Medium" panose="020B0502030000000004" pitchFamily="34" charset="0"/>
+                <a:cs typeface="Inter Medium" panose="020B0502030000000004" pitchFamily="34" charset="0"/>
+              </a:defRPr>
+            </a:lvl2pPr>
+            <a:lvl3pPr marL="914400" indent="0" algn="l" defTabSz="914400" rtl="0" eaLnBrk="1" latinLnBrk="0" hangingPunct="1">
+              <a:lnSpc>
+                <a:spcPct val="90000"/>
+              </a:lnSpc>
+              <a:spcBef>
+                <a:spcPts val="500"/>
+              </a:spcBef>
+              <a:buFont typeface="Arial" panose="020B0604020202020204" pitchFamily="34" charset="0"/>
+              <a:buNone/>
+              <a:defRPr sz="1500" b="0" i="0" kern="1200">
+                <a:solidFill>
+                  <a:schemeClr val="bg1"/>
+                </a:solidFill>
+                <a:latin typeface="Inter Medium" panose="020B0502030000000004" pitchFamily="34" charset="0"/>
+                <a:ea typeface="Inter Medium" panose="020B0502030000000004" pitchFamily="34" charset="0"/>
+                <a:cs typeface="Inter Medium" panose="020B0502030000000004" pitchFamily="34" charset="0"/>
+              </a:defRPr>
+            </a:lvl3pPr>
+            <a:lvl4pPr marL="1371600" indent="0" algn="l" defTabSz="914400" rtl="0" eaLnBrk="1" latinLnBrk="0" hangingPunct="1">
+              <a:lnSpc>
+                <a:spcPct val="90000"/>
+              </a:lnSpc>
+              <a:spcBef>
+                <a:spcPts val="500"/>
+              </a:spcBef>
+              <a:buFont typeface="Arial" panose="020B0604020202020204" pitchFamily="34" charset="0"/>
+              <a:buNone/>
+              <a:defRPr sz="1500" b="0" i="0" kern="1200">
+                <a:solidFill>
+                  <a:schemeClr val="bg1"/>
+                </a:solidFill>
+                <a:latin typeface="Inter Medium" panose="020B0502030000000004" pitchFamily="34" charset="0"/>
+                <a:ea typeface="Inter Medium" panose="020B0502030000000004" pitchFamily="34" charset="0"/>
+                <a:cs typeface="Inter Medium" panose="020B0502030000000004" pitchFamily="34" charset="0"/>
+              </a:defRPr>
+            </a:lvl4pPr>
+            <a:lvl5pPr marL="1828800" indent="0" algn="l" defTabSz="914400" rtl="0" eaLnBrk="1" latinLnBrk="0" hangingPunct="1">
+              <a:lnSpc>
+                <a:spcPct val="90000"/>
+              </a:lnSpc>
+              <a:spcBef>
+                <a:spcPts val="500"/>
+              </a:spcBef>
+              <a:buFont typeface="Arial" panose="020B0604020202020204" pitchFamily="34" charset="0"/>
+              <a:buNone/>
+              <a:defRPr sz="1500" b="0" i="0" kern="1200">
+                <a:solidFill>
+                  <a:schemeClr val="bg1"/>
+                </a:solidFill>
+                <a:latin typeface="Inter Medium" panose="020B0502030000000004" pitchFamily="34" charset="0"/>
+                <a:ea typeface="Inter Medium" panose="020B0502030000000004" pitchFamily="34" charset="0"/>
+                <a:cs typeface="Inter Medium" panose="020B0502030000000004" pitchFamily="34" charset="0"/>
+              </a:defRPr>
+            </a:lvl5pPr>
+            <a:lvl6pPr marL="2514600" indent="-228600" algn="l" defTabSz="914400" rtl="0" eaLnBrk="1" latinLnBrk="0" hangingPunct="1">
+              <a:lnSpc>
+                <a:spcPct val="90000"/>
+              </a:lnSpc>
+              <a:spcBef>
+                <a:spcPts val="500"/>
+              </a:spcBef>
+              <a:buFont typeface="Arial" panose="020B0604020202020204" pitchFamily="34" charset="0"/>
+              <a:buChar char="•"/>
+              <a:defRPr sz="1800" kern="1200">
+                <a:solidFill>
+                  <a:schemeClr val="tx1"/>
+                </a:solidFill>
+                <a:latin typeface="+mn-lt"/>
+                <a:ea typeface="+mn-ea"/>
+                <a:cs typeface="+mn-cs"/>
+              </a:defRPr>
+            </a:lvl6pPr>
+            <a:lvl7pPr marL="2971800" indent="-228600" algn="l" defTabSz="914400" rtl="0" eaLnBrk="1" latinLnBrk="0" hangingPunct="1">
+              <a:lnSpc>
+                <a:spcPct val="90000"/>
+              </a:lnSpc>
+              <a:spcBef>
+                <a:spcPts val="500"/>
+              </a:spcBef>
+              <a:buFont typeface="Arial" panose="020B0604020202020204" pitchFamily="34" charset="0"/>
+              <a:buChar char="•"/>
+              <a:defRPr sz="1800" kern="1200">
+                <a:solidFill>
+                  <a:schemeClr val="tx1"/>
+                </a:solidFill>
+                <a:latin typeface="+mn-lt"/>
+                <a:ea typeface="+mn-ea"/>
+                <a:cs typeface="+mn-cs"/>
+              </a:defRPr>
+            </a:lvl7pPr>
+            <a:lvl8pPr marL="3429000" indent="-228600" algn="l" defTabSz="914400" rtl="0" eaLnBrk="1" latinLnBrk="0" hangingPunct="1">
+              <a:lnSpc>
+                <a:spcPct val="90000"/>
+              </a:lnSpc>
+              <a:spcBef>
+                <a:spcPts val="500"/>
+              </a:spcBef>
+              <a:buFont typeface="Arial" panose="020B0604020202020204" pitchFamily="34" charset="0"/>
+              <a:buChar char="•"/>
+              <a:defRPr sz="1800" kern="1200">
+                <a:solidFill>
+                  <a:schemeClr val="tx1"/>
+                </a:solidFill>
+                <a:latin typeface="+mn-lt"/>
+                <a:ea typeface="+mn-ea"/>
+                <a:cs typeface="+mn-cs"/>
+              </a:defRPr>
+            </a:lvl8pPr>
+            <a:lvl9pPr marL="3886200" indent="-228600" algn="l" defTabSz="914400" rtl="0" eaLnBrk="1" latinLnBrk="0" hangingPunct="1">
+              <a:lnSpc>
+                <a:spcPct val="90000"/>
+              </a:lnSpc>
+              <a:spcBef>
+                <a:spcPts val="500"/>
+              </a:spcBef>
+              <a:buFont typeface="Arial" panose="020B0604020202020204" pitchFamily="34" charset="0"/>
+              <a:buChar char="•"/>
+              <a:defRPr sz="1800" kern="1200">
+                <a:solidFill>
+                  <a:schemeClr val="tx1"/>
+                </a:solidFill>
+                <a:latin typeface="+mn-lt"/>
+                <a:ea typeface="+mn-ea"/>
+                <a:cs typeface="+mn-cs"/>
+              </a:defRPr>
+            </a:lvl9pPr>
+          </a:lstStyle>
           <a:p>
             <a:r>
-              <a:rPr lang="en-GB" noProof="0" dirty="0"/>
+              <a:rPr lang="en-GB" sz="975"/>
+              <a:t>HUMAN SIDE OF TECHNOLOGY</a:t>
+            </a:r>
+            <a:endParaRPr lang="en-LT" sz="975" dirty="0"/>
+          </a:p>
+        </p:txBody>
+      </p:sp>
+      <p:sp>
+        <p:nvSpPr>
+          <p:cNvPr id="4" name="Text Placeholder 20">
+            <a:extLst>
+              <a:ext uri="{FF2B5EF4-FFF2-40B4-BE49-F238E27FC236}">
+                <a16:creationId xmlns:a16="http://schemas.microsoft.com/office/drawing/2014/main" id="{C6F4DA1E-07D7-3146-BF6B-FEC90A646AA5}"/>
+              </a:ext>
+            </a:extLst>
+          </p:cNvPr>
+          <p:cNvSpPr txBox="1">
+            <a:spLocks/>
+          </p:cNvSpPr>
+          <p:nvPr/>
+        </p:nvSpPr>
+        <p:spPr>
+          <a:xfrm>
+            <a:off x="479948" y="4138218"/>
+            <a:ext cx="7371159" cy="1395540"/>
+          </a:xfrm>
+          <a:prstGeom prst="rect">
+            <a:avLst/>
+          </a:prstGeom>
+        </p:spPr>
+        <p:txBody>
+          <a:bodyPr anchor="t"/>
+          <a:lstStyle>
+            <a:lvl1pPr marL="0" indent="0" algn="l" defTabSz="914400" rtl="0" eaLnBrk="1" latinLnBrk="0" hangingPunct="1">
+              <a:lnSpc>
+                <a:spcPct val="110000"/>
+              </a:lnSpc>
+              <a:spcBef>
+                <a:spcPts val="0"/>
+              </a:spcBef>
+              <a:spcAft>
+                <a:spcPts val="0"/>
+              </a:spcAft>
+              <a:buFont typeface="+mj-lt"/>
+              <a:buNone/>
+              <a:defRPr sz="1600" b="0" i="0" kern="1200">
+                <a:solidFill>
+                  <a:schemeClr val="tx1"/>
+                </a:solidFill>
+                <a:latin typeface="Arial" panose="020B0604020202020204" pitchFamily="34" charset="0"/>
+                <a:ea typeface="Inter" panose="020B0502030000000004" pitchFamily="34" charset="0"/>
+                <a:cs typeface="Arial" panose="020B0604020202020204" pitchFamily="34" charset="0"/>
+              </a:defRPr>
+            </a:lvl1pPr>
+            <a:lvl2pPr marL="685800" indent="-228600" algn="l" defTabSz="914400" rtl="0" eaLnBrk="1" latinLnBrk="0" hangingPunct="1">
+              <a:lnSpc>
+                <a:spcPct val="90000"/>
+              </a:lnSpc>
+              <a:spcBef>
+                <a:spcPts val="500"/>
+              </a:spcBef>
+              <a:buFont typeface="Arial" panose="020B0604020202020204" pitchFamily="34" charset="0"/>
+              <a:buChar char="•"/>
+              <a:defRPr sz="2400" kern="1200">
+                <a:solidFill>
+                  <a:schemeClr val="tx1"/>
+                </a:solidFill>
+                <a:latin typeface="+mn-lt"/>
+                <a:ea typeface="+mn-ea"/>
+                <a:cs typeface="+mn-cs"/>
+              </a:defRPr>
+            </a:lvl2pPr>
+            <a:lvl3pPr marL="1143000" indent="-228600" algn="l" defTabSz="914400" rtl="0" eaLnBrk="1" latinLnBrk="0" hangingPunct="1">
+              <a:lnSpc>
+                <a:spcPct val="90000"/>
+              </a:lnSpc>
+              <a:spcBef>
+                <a:spcPts val="500"/>
+              </a:spcBef>
+              <a:buFont typeface="Arial" panose="020B0604020202020204" pitchFamily="34" charset="0"/>
+              <a:buChar char="•"/>
+              <a:defRPr sz="2000" kern="1200">
+                <a:solidFill>
+                  <a:schemeClr val="tx1"/>
+                </a:solidFill>
+                <a:latin typeface="+mn-lt"/>
+                <a:ea typeface="+mn-ea"/>
+                <a:cs typeface="+mn-cs"/>
+              </a:defRPr>
+            </a:lvl3pPr>
+            <a:lvl4pPr marL="1600200" indent="-228600" algn="l" defTabSz="914400" rtl="0" eaLnBrk="1" latinLnBrk="0" hangingPunct="1">
+              <a:lnSpc>
+                <a:spcPct val="90000"/>
+              </a:lnSpc>
+              <a:spcBef>
+                <a:spcPts val="500"/>
+              </a:spcBef>
+              <a:buFont typeface="Arial" panose="020B0604020202020204" pitchFamily="34" charset="0"/>
+              <a:buChar char="•"/>
+              <a:defRPr sz="1800" kern="1200">
+                <a:solidFill>
+                  <a:schemeClr val="tx1"/>
+                </a:solidFill>
+                <a:latin typeface="+mn-lt"/>
+                <a:ea typeface="+mn-ea"/>
+                <a:cs typeface="+mn-cs"/>
+              </a:defRPr>
+            </a:lvl4pPr>
+            <a:lvl5pPr marL="2057400" indent="-228600" algn="l" defTabSz="914400" rtl="0" eaLnBrk="1" latinLnBrk="0" hangingPunct="1">
+              <a:lnSpc>
+                <a:spcPct val="90000"/>
+              </a:lnSpc>
+              <a:spcBef>
+                <a:spcPts val="500"/>
+              </a:spcBef>
+              <a:buFont typeface="Arial" panose="020B0604020202020204" pitchFamily="34" charset="0"/>
+              <a:buChar char="•"/>
+              <a:defRPr sz="1800" kern="1200">
+                <a:solidFill>
+                  <a:schemeClr val="tx1"/>
+                </a:solidFill>
+                <a:latin typeface="+mn-lt"/>
+                <a:ea typeface="+mn-ea"/>
+                <a:cs typeface="+mn-cs"/>
+              </a:defRPr>
+            </a:lvl5pPr>
+            <a:lvl6pPr marL="2514600" indent="-228600" algn="l" defTabSz="914400" rtl="0" eaLnBrk="1" latinLnBrk="0" hangingPunct="1">
+              <a:lnSpc>
+                <a:spcPct val="90000"/>
+              </a:lnSpc>
+              <a:spcBef>
+                <a:spcPts val="500"/>
+              </a:spcBef>
+              <a:buFont typeface="Arial" panose="020B0604020202020204" pitchFamily="34" charset="0"/>
+              <a:buChar char="•"/>
+              <a:defRPr sz="1800" kern="1200">
+                <a:solidFill>
+                  <a:schemeClr val="tx1"/>
+                </a:solidFill>
+                <a:latin typeface="+mn-lt"/>
+                <a:ea typeface="+mn-ea"/>
+                <a:cs typeface="+mn-cs"/>
+              </a:defRPr>
+            </a:lvl6pPr>
+            <a:lvl7pPr marL="2971800" indent="-228600" algn="l" defTabSz="914400" rtl="0" eaLnBrk="1" latinLnBrk="0" hangingPunct="1">
+              <a:lnSpc>
+                <a:spcPct val="90000"/>
+              </a:lnSpc>
+              <a:spcBef>
+                <a:spcPts val="500"/>
+              </a:spcBef>
+              <a:buFont typeface="Arial" panose="020B0604020202020204" pitchFamily="34" charset="0"/>
+              <a:buChar char="•"/>
+              <a:defRPr sz="1800" kern="1200">
+                <a:solidFill>
+                  <a:schemeClr val="tx1"/>
+                </a:solidFill>
+                <a:latin typeface="+mn-lt"/>
+                <a:ea typeface="+mn-ea"/>
+                <a:cs typeface="+mn-cs"/>
+              </a:defRPr>
+            </a:lvl7pPr>
+            <a:lvl8pPr marL="3429000" indent="-228600" algn="l" defTabSz="914400" rtl="0" eaLnBrk="1" latinLnBrk="0" hangingPunct="1">
+              <a:lnSpc>
+                <a:spcPct val="90000"/>
+              </a:lnSpc>
+              <a:spcBef>
+                <a:spcPts val="500"/>
+              </a:spcBef>
+              <a:buFont typeface="Arial" panose="020B0604020202020204" pitchFamily="34" charset="0"/>
+              <a:buChar char="•"/>
+              <a:defRPr sz="1800" kern="1200">
+                <a:solidFill>
+                  <a:schemeClr val="tx1"/>
+                </a:solidFill>
+                <a:latin typeface="+mn-lt"/>
+                <a:ea typeface="+mn-ea"/>
+                <a:cs typeface="+mn-cs"/>
+              </a:defRPr>
+            </a:lvl8pPr>
+            <a:lvl9pPr marL="3886200" indent="-228600" algn="l" defTabSz="914400" rtl="0" eaLnBrk="1" latinLnBrk="0" hangingPunct="1">
+              <a:lnSpc>
+                <a:spcPct val="90000"/>
+              </a:lnSpc>
+              <a:spcBef>
+                <a:spcPts val="500"/>
+              </a:spcBef>
+              <a:buFont typeface="Arial" panose="020B0604020202020204" pitchFamily="34" charset="0"/>
+              <a:buChar char="•"/>
+              <a:defRPr sz="1800" kern="1200">
+                <a:solidFill>
+                  <a:schemeClr val="tx1"/>
+                </a:solidFill>
+                <a:latin typeface="+mn-lt"/>
+                <a:ea typeface="+mn-ea"/>
+                <a:cs typeface="+mn-cs"/>
+              </a:defRPr>
+            </a:lvl9pPr>
+          </a:lstStyle>
+          <a:p>
+            <a:endParaRPr lang="lt-LT" sz="1200" dirty="0"/>
+          </a:p>
+        </p:txBody>
+      </p:sp>
+      <p:sp>
+        <p:nvSpPr>
+          <p:cNvPr id="5" name="Text Placeholder 20">
+            <a:extLst>
+              <a:ext uri="{FF2B5EF4-FFF2-40B4-BE49-F238E27FC236}">
+                <a16:creationId xmlns:a16="http://schemas.microsoft.com/office/drawing/2014/main" id="{95BA6FDB-CCD9-6141-B7FD-BB827E9970F1}"/>
+              </a:ext>
+            </a:extLst>
+          </p:cNvPr>
+          <p:cNvSpPr txBox="1">
+            <a:spLocks/>
+          </p:cNvSpPr>
+          <p:nvPr/>
+        </p:nvSpPr>
+        <p:spPr>
+          <a:xfrm>
+            <a:off x="482792" y="3143251"/>
+            <a:ext cx="7371159" cy="764510"/>
+          </a:xfrm>
+          <a:prstGeom prst="rect">
+            <a:avLst/>
+          </a:prstGeom>
+        </p:spPr>
+        <p:txBody>
+          <a:bodyPr anchor="b"/>
+          <a:lstStyle>
+            <a:lvl1pPr marL="0" indent="0" algn="l" defTabSz="914400" rtl="0" eaLnBrk="1" latinLnBrk="0" hangingPunct="1">
+              <a:lnSpc>
+                <a:spcPct val="110000"/>
+              </a:lnSpc>
+              <a:spcBef>
+                <a:spcPts val="0"/>
+              </a:spcBef>
+              <a:spcAft>
+                <a:spcPts val="0"/>
+              </a:spcAft>
+              <a:buFont typeface="+mj-lt"/>
+              <a:buNone/>
+              <a:defRPr sz="2200" b="1" i="0" kern="1200">
+                <a:solidFill>
+                  <a:schemeClr val="tx1"/>
+                </a:solidFill>
+                <a:latin typeface="Arial" panose="020B0604020202020204" pitchFamily="34" charset="0"/>
+                <a:ea typeface="Inter Medium" panose="020B0502030000000004" pitchFamily="34" charset="0"/>
+                <a:cs typeface="Arial" panose="020B0604020202020204" pitchFamily="34" charset="0"/>
+              </a:defRPr>
+            </a:lvl1pPr>
+            <a:lvl2pPr marL="685800" indent="-228600" algn="l" defTabSz="914400" rtl="0" eaLnBrk="1" latinLnBrk="0" hangingPunct="1">
+              <a:lnSpc>
+                <a:spcPct val="90000"/>
+              </a:lnSpc>
+              <a:spcBef>
+                <a:spcPts val="500"/>
+              </a:spcBef>
+              <a:buFont typeface="Arial" panose="020B0604020202020204" pitchFamily="34" charset="0"/>
+              <a:buChar char="•"/>
+              <a:defRPr sz="2400" kern="1200">
+                <a:solidFill>
+                  <a:schemeClr val="tx1"/>
+                </a:solidFill>
+                <a:latin typeface="+mn-lt"/>
+                <a:ea typeface="+mn-ea"/>
+                <a:cs typeface="+mn-cs"/>
+              </a:defRPr>
+            </a:lvl2pPr>
+            <a:lvl3pPr marL="1143000" indent="-228600" algn="l" defTabSz="914400" rtl="0" eaLnBrk="1" latinLnBrk="0" hangingPunct="1">
+              <a:lnSpc>
+                <a:spcPct val="90000"/>
+              </a:lnSpc>
+              <a:spcBef>
+                <a:spcPts val="500"/>
+              </a:spcBef>
+              <a:buFont typeface="Arial" panose="020B0604020202020204" pitchFamily="34" charset="0"/>
+              <a:buChar char="•"/>
+              <a:defRPr sz="2000" kern="1200">
+                <a:solidFill>
+                  <a:schemeClr val="tx1"/>
+                </a:solidFill>
+                <a:latin typeface="+mn-lt"/>
+                <a:ea typeface="+mn-ea"/>
+                <a:cs typeface="+mn-cs"/>
+              </a:defRPr>
+            </a:lvl3pPr>
+            <a:lvl4pPr marL="1600200" indent="-228600" algn="l" defTabSz="914400" rtl="0" eaLnBrk="1" latinLnBrk="0" hangingPunct="1">
+              <a:lnSpc>
+                <a:spcPct val="90000"/>
+              </a:lnSpc>
+              <a:spcBef>
+                <a:spcPts val="500"/>
+              </a:spcBef>
+              <a:buFont typeface="Arial" panose="020B0604020202020204" pitchFamily="34" charset="0"/>
+              <a:buChar char="•"/>
+              <a:defRPr sz="1800" kern="1200">
+                <a:solidFill>
+                  <a:schemeClr val="tx1"/>
+                </a:solidFill>
+                <a:latin typeface="+mn-lt"/>
+                <a:ea typeface="+mn-ea"/>
+                <a:cs typeface="+mn-cs"/>
+              </a:defRPr>
+            </a:lvl4pPr>
+            <a:lvl5pPr marL="2057400" indent="-228600" algn="l" defTabSz="914400" rtl="0" eaLnBrk="1" latinLnBrk="0" hangingPunct="1">
+              <a:lnSpc>
+                <a:spcPct val="90000"/>
+              </a:lnSpc>
+              <a:spcBef>
+                <a:spcPts val="500"/>
+              </a:spcBef>
+              <a:buFont typeface="Arial" panose="020B0604020202020204" pitchFamily="34" charset="0"/>
+              <a:buChar char="•"/>
+              <a:defRPr sz="1800" kern="1200">
+                <a:solidFill>
+                  <a:schemeClr val="tx1"/>
+                </a:solidFill>
+                <a:latin typeface="+mn-lt"/>
+                <a:ea typeface="+mn-ea"/>
+                <a:cs typeface="+mn-cs"/>
+              </a:defRPr>
+            </a:lvl5pPr>
+            <a:lvl6pPr marL="2514600" indent="-228600" algn="l" defTabSz="914400" rtl="0" eaLnBrk="1" latinLnBrk="0" hangingPunct="1">
+              <a:lnSpc>
+                <a:spcPct val="90000"/>
+              </a:lnSpc>
+              <a:spcBef>
+                <a:spcPts val="500"/>
+              </a:spcBef>
+              <a:buFont typeface="Arial" panose="020B0604020202020204" pitchFamily="34" charset="0"/>
+              <a:buChar char="•"/>
+              <a:defRPr sz="1800" kern="1200">
+                <a:solidFill>
+                  <a:schemeClr val="tx1"/>
+                </a:solidFill>
+                <a:latin typeface="+mn-lt"/>
+                <a:ea typeface="+mn-ea"/>
+                <a:cs typeface="+mn-cs"/>
+              </a:defRPr>
+            </a:lvl6pPr>
+            <a:lvl7pPr marL="2971800" indent="-228600" algn="l" defTabSz="914400" rtl="0" eaLnBrk="1" latinLnBrk="0" hangingPunct="1">
+              <a:lnSpc>
+                <a:spcPct val="90000"/>
+              </a:lnSpc>
+              <a:spcBef>
+                <a:spcPts val="500"/>
+              </a:spcBef>
+              <a:buFont typeface="Arial" panose="020B0604020202020204" pitchFamily="34" charset="0"/>
+              <a:buChar char="•"/>
+              <a:defRPr sz="1800" kern="1200">
+                <a:solidFill>
+                  <a:schemeClr val="tx1"/>
+                </a:solidFill>
+                <a:latin typeface="+mn-lt"/>
+                <a:ea typeface="+mn-ea"/>
+                <a:cs typeface="+mn-cs"/>
+              </a:defRPr>
+            </a:lvl7pPr>
+            <a:lvl8pPr marL="3429000" indent="-228600" algn="l" defTabSz="914400" rtl="0" eaLnBrk="1" latinLnBrk="0" hangingPunct="1">
+              <a:lnSpc>
+                <a:spcPct val="90000"/>
+              </a:lnSpc>
+              <a:spcBef>
+                <a:spcPts val="500"/>
+              </a:spcBef>
+              <a:buFont typeface="Arial" panose="020B0604020202020204" pitchFamily="34" charset="0"/>
+              <a:buChar char="•"/>
+              <a:defRPr sz="1800" kern="1200">
+                <a:solidFill>
+                  <a:schemeClr val="tx1"/>
+                </a:solidFill>
+                <a:latin typeface="+mn-lt"/>
+                <a:ea typeface="+mn-ea"/>
+                <a:cs typeface="+mn-cs"/>
+              </a:defRPr>
+            </a:lvl8pPr>
+            <a:lvl9pPr marL="3886200" indent="-228600" algn="l" defTabSz="914400" rtl="0" eaLnBrk="1" latinLnBrk="0" hangingPunct="1">
+              <a:lnSpc>
+                <a:spcPct val="90000"/>
+              </a:lnSpc>
+              <a:spcBef>
+                <a:spcPts val="500"/>
+              </a:spcBef>
+              <a:buFont typeface="Arial" panose="020B0604020202020204" pitchFamily="34" charset="0"/>
+              <a:buChar char="•"/>
+              <a:defRPr sz="1800" kern="1200">
+                <a:solidFill>
+                  <a:schemeClr val="tx1"/>
+                </a:solidFill>
+                <a:latin typeface="+mn-lt"/>
+                <a:ea typeface="+mn-ea"/>
+                <a:cs typeface="+mn-cs"/>
+              </a:defRPr>
+            </a:lvl9pPr>
+          </a:lstStyle>
+          <a:p>
+            <a:r>
+              <a:rPr lang="en-GB" sz="4800" noProof="0" dirty="0"/>
               <a:t>Components Quality</a:t>
             </a:r>
+            <a:endParaRPr lang="lt-LT" sz="1650" dirty="0"/>
+          </a:p>
+        </p:txBody>
+      </p:sp>
+      <p:pic>
+        <p:nvPicPr>
+          <p:cNvPr id="6" name="Picture 5">
+            <a:extLst>
+              <a:ext uri="{FF2B5EF4-FFF2-40B4-BE49-F238E27FC236}">
+                <a16:creationId xmlns:a16="http://schemas.microsoft.com/office/drawing/2014/main" id="{410B9142-6A69-CE46-8B07-107B7701ABB4}"/>
+              </a:ext>
+            </a:extLst>
+          </p:cNvPr>
+          <p:cNvPicPr>
+            <a:picLocks noChangeAspect="1"/>
+          </p:cNvPicPr>
+          <p:nvPr/>
+        </p:nvPicPr>
+        <p:blipFill>
+          <a:blip r:embed="rId2"/>
+          <a:stretch>
+            <a:fillRect/>
+          </a:stretch>
+        </p:blipFill>
+        <p:spPr>
+          <a:xfrm>
+            <a:off x="8485923" y="1379488"/>
+            <a:ext cx="443239" cy="238856"/>
+          </a:xfrm>
+          <a:prstGeom prst="rect">
+            <a:avLst/>
+          </a:prstGeom>
+        </p:spPr>
+      </p:pic>
+      <p:pic>
+        <p:nvPicPr>
+          <p:cNvPr id="7" name="Picture 6">
+            <a:extLst>
+              <a:ext uri="{FF2B5EF4-FFF2-40B4-BE49-F238E27FC236}">
+                <a16:creationId xmlns:a16="http://schemas.microsoft.com/office/drawing/2014/main" id="{F48E98CF-A30D-3248-BECC-8E3DB4BCD1F2}"/>
+              </a:ext>
+            </a:extLst>
+          </p:cNvPr>
+          <p:cNvPicPr>
+            <a:picLocks noChangeAspect="1"/>
+          </p:cNvPicPr>
+          <p:nvPr/>
+        </p:nvPicPr>
+        <p:blipFill>
+          <a:blip r:embed="rId3"/>
+          <a:stretch>
+            <a:fillRect/>
+          </a:stretch>
+        </p:blipFill>
+        <p:spPr>
+          <a:xfrm>
+            <a:off x="8257573" y="857250"/>
+            <a:ext cx="28575" cy="5143500"/>
+          </a:xfrm>
+          <a:prstGeom prst="rect">
+            <a:avLst/>
+          </a:prstGeom>
+        </p:spPr>
+      </p:pic>
+      <p:pic>
+        <p:nvPicPr>
+          <p:cNvPr id="8" name="Picture 7">
+            <a:extLst>
+              <a:ext uri="{FF2B5EF4-FFF2-40B4-BE49-F238E27FC236}">
+                <a16:creationId xmlns:a16="http://schemas.microsoft.com/office/drawing/2014/main" id="{1392657E-E978-FE4A-BBE8-38EBA3ADA45B}"/>
+              </a:ext>
+            </a:extLst>
+          </p:cNvPr>
+          <p:cNvPicPr>
+            <a:picLocks noChangeAspect="1"/>
+          </p:cNvPicPr>
+          <p:nvPr/>
+        </p:nvPicPr>
+        <p:blipFill rotWithShape="1">
+          <a:blip r:embed="rId4"/>
+          <a:srcRect r="9625" b="-49952"/>
+          <a:stretch/>
+        </p:blipFill>
+        <p:spPr>
+          <a:xfrm>
+            <a:off x="0" y="1874782"/>
+            <a:ext cx="8263967" cy="214244"/>
+          </a:xfrm>
+          <a:prstGeom prst="rect">
+            <a:avLst/>
+          </a:prstGeom>
+        </p:spPr>
+      </p:pic>
+      <p:sp>
+        <p:nvSpPr>
+          <p:cNvPr id="9" name="Slide Number Placeholder 3">
+            <a:extLst>
+              <a:ext uri="{FF2B5EF4-FFF2-40B4-BE49-F238E27FC236}">
+                <a16:creationId xmlns:a16="http://schemas.microsoft.com/office/drawing/2014/main" id="{E19DE16E-BA1A-2740-9FE4-31E66232D768}"/>
+              </a:ext>
+            </a:extLst>
+          </p:cNvPr>
+          <p:cNvSpPr txBox="1">
+            <a:spLocks/>
+          </p:cNvSpPr>
+          <p:nvPr/>
+        </p:nvSpPr>
+        <p:spPr>
+          <a:xfrm>
+            <a:off x="8372283" y="5572026"/>
+            <a:ext cx="691951" cy="273844"/>
+          </a:xfrm>
+          <a:prstGeom prst="rect">
+            <a:avLst/>
+          </a:prstGeom>
+        </p:spPr>
+        <p:txBody>
+          <a:bodyPr anchor="b"/>
+          <a:lstStyle>
+            <a:defPPr>
+              <a:defRPr lang="en-US"/>
+            </a:defPPr>
+            <a:lvl1pPr marL="0" algn="r" defTabSz="914400" rtl="0" eaLnBrk="1" latinLnBrk="0" hangingPunct="1">
+              <a:defRPr sz="1500" b="1" i="0" kern="1200">
+                <a:solidFill>
+                  <a:schemeClr val="bg1"/>
+                </a:solidFill>
+                <a:latin typeface="Arial" panose="020B0604020202020204" pitchFamily="34" charset="0"/>
+                <a:ea typeface="+mn-ea"/>
+                <a:cs typeface="Arial" panose="020B0604020202020204" pitchFamily="34" charset="0"/>
+              </a:defRPr>
+            </a:lvl1pPr>
+            <a:lvl2pPr marL="457200" algn="l" defTabSz="914400" rtl="0" eaLnBrk="1" latinLnBrk="0" hangingPunct="1">
+              <a:defRPr sz="1800" kern="1200">
+                <a:solidFill>
+                  <a:schemeClr val="tx1"/>
+                </a:solidFill>
+                <a:latin typeface="+mn-lt"/>
+                <a:ea typeface="+mn-ea"/>
+                <a:cs typeface="+mn-cs"/>
+              </a:defRPr>
+            </a:lvl2pPr>
+            <a:lvl3pPr marL="914400" algn="l" defTabSz="914400" rtl="0" eaLnBrk="1" latinLnBrk="0" hangingPunct="1">
+              <a:defRPr sz="1800" kern="1200">
+                <a:solidFill>
+                  <a:schemeClr val="tx1"/>
+                </a:solidFill>
+                <a:latin typeface="+mn-lt"/>
+                <a:ea typeface="+mn-ea"/>
+                <a:cs typeface="+mn-cs"/>
+              </a:defRPr>
+            </a:lvl3pPr>
+            <a:lvl4pPr marL="1371600" algn="l" defTabSz="914400" rtl="0" eaLnBrk="1" latinLnBrk="0" hangingPunct="1">
+              <a:defRPr sz="1800" kern="1200">
+                <a:solidFill>
+                  <a:schemeClr val="tx1"/>
+                </a:solidFill>
+                <a:latin typeface="+mn-lt"/>
+                <a:ea typeface="+mn-ea"/>
+                <a:cs typeface="+mn-cs"/>
+              </a:defRPr>
+            </a:lvl4pPr>
+            <a:lvl5pPr marL="1828800" algn="l" defTabSz="914400" rtl="0" eaLnBrk="1" latinLnBrk="0" hangingPunct="1">
+              <a:defRPr sz="1800" kern="1200">
+                <a:solidFill>
+                  <a:schemeClr val="tx1"/>
+                </a:solidFill>
+                <a:latin typeface="+mn-lt"/>
+                <a:ea typeface="+mn-ea"/>
+                <a:cs typeface="+mn-cs"/>
+              </a:defRPr>
+            </a:lvl5pPr>
+            <a:lvl6pPr marL="2286000" algn="l" defTabSz="914400" rtl="0" eaLnBrk="1" latinLnBrk="0" hangingPunct="1">
+              <a:defRPr sz="1800" kern="1200">
+                <a:solidFill>
+                  <a:schemeClr val="tx1"/>
+                </a:solidFill>
+                <a:latin typeface="+mn-lt"/>
+                <a:ea typeface="+mn-ea"/>
+                <a:cs typeface="+mn-cs"/>
+              </a:defRPr>
+            </a:lvl6pPr>
+            <a:lvl7pPr marL="2743200" algn="l" defTabSz="914400" rtl="0" eaLnBrk="1" latinLnBrk="0" hangingPunct="1">
+              <a:defRPr sz="1800" kern="1200">
+                <a:solidFill>
+                  <a:schemeClr val="tx1"/>
+                </a:solidFill>
+                <a:latin typeface="+mn-lt"/>
+                <a:ea typeface="+mn-ea"/>
+                <a:cs typeface="+mn-cs"/>
+              </a:defRPr>
+            </a:lvl7pPr>
+            <a:lvl8pPr marL="3200400" algn="l" defTabSz="914400" rtl="0" eaLnBrk="1" latinLnBrk="0" hangingPunct="1">
+              <a:defRPr sz="1800" kern="1200">
+                <a:solidFill>
+                  <a:schemeClr val="tx1"/>
+                </a:solidFill>
+                <a:latin typeface="+mn-lt"/>
+                <a:ea typeface="+mn-ea"/>
+                <a:cs typeface="+mn-cs"/>
+              </a:defRPr>
+            </a:lvl8pPr>
+            <a:lvl9pPr marL="3657600" algn="l" defTabSz="914400" rtl="0" eaLnBrk="1" latinLnBrk="0" hangingPunct="1">
+              <a:defRPr sz="1800" kern="1200">
+                <a:solidFill>
+                  <a:schemeClr val="tx1"/>
+                </a:solidFill>
+                <a:latin typeface="+mn-lt"/>
+                <a:ea typeface="+mn-ea"/>
+                <a:cs typeface="+mn-cs"/>
+              </a:defRPr>
+            </a:lvl9pPr>
+          </a:lstStyle>
+          <a:p>
+            <a:pPr algn="ctr"/>
+            <a:fld id="{D6F01323-A656-431B-B19E-EE6A8E2AF848}" type="slidenum">
+              <a:rPr lang="en-US" sz="1050">
+                <a:solidFill>
+                  <a:schemeClr val="tx1"/>
+                </a:solidFill>
+                <a:ea typeface="Inter Semi Bold" panose="020B0502030000000004" pitchFamily="34" charset="0"/>
+              </a:rPr>
+              <a:pPr algn="ctr"/>
+              <a:t>1</a:t>
+            </a:fld>
+            <a:endParaRPr lang="en-US" sz="1050" dirty="0">
+              <a:solidFill>
+                <a:schemeClr val="tx1"/>
+              </a:solidFill>
+              <a:ea typeface="Inter Semi Bold" panose="020B0502030000000004" pitchFamily="34" charset="0"/>
+            </a:endParaRPr>
           </a:p>
         </p:txBody>
       </p:sp>
     </p:spTree>
+    <p:extLst>
+      <p:ext uri="{BB962C8B-B14F-4D97-AF65-F5344CB8AC3E}">
+        <p14:creationId xmlns:p14="http://schemas.microsoft.com/office/powerpoint/2010/main" val="3907041518"/>
+      </p:ext>
+    </p:extLst>
   </p:cSld>
   <p:clrMapOvr>
     <a:masterClrMapping/>
   </p:clrMapOvr>
-  <p:transition>
-    <p:fade/>
-  </p:transition>
 </p:sld>
 </file>
 
@@ -23487,7 +28303,7 @@
         <p:spPr/>
         <p:txBody>
           <a:bodyPr>
-            <a:normAutofit fontScale="92500" lnSpcReduction="20000"/>
+            <a:normAutofit/>
           </a:bodyPr>
           <a:lstStyle/>
           <a:p>
@@ -23612,7 +28428,7 @@
         <p:spPr/>
         <p:txBody>
           <a:bodyPr>
-            <a:normAutofit fontScale="92500" lnSpcReduction="20000"/>
+            <a:normAutofit/>
           </a:bodyPr>
           <a:lstStyle/>
           <a:p>
@@ -23748,7 +28564,7 @@
         <p:spPr/>
         <p:txBody>
           <a:bodyPr>
-            <a:normAutofit fontScale="92500" lnSpcReduction="20000"/>
+            <a:normAutofit/>
           </a:bodyPr>
           <a:lstStyle/>
           <a:p>
@@ -23897,7 +28713,7 @@
         <p:spPr/>
         <p:txBody>
           <a:bodyPr>
-            <a:normAutofit fontScale="92500" lnSpcReduction="20000"/>
+            <a:normAutofit/>
           </a:bodyPr>
           <a:lstStyle/>
           <a:p>
@@ -24032,7 +28848,7 @@
         <p:spPr/>
         <p:txBody>
           <a:bodyPr>
-            <a:normAutofit fontScale="92500" lnSpcReduction="20000"/>
+            <a:normAutofit/>
           </a:bodyPr>
           <a:lstStyle/>
           <a:p>
@@ -24085,15 +28901,14 @@
               </a:ext>
             </a:extLst>
           </a:blip>
-          <a:srcRect/>
           <a:stretch>
             <a:fillRect/>
           </a:stretch>
         </p:blipFill>
         <p:spPr>
           <a:xfrm>
-            <a:off x="562536" y="1556792"/>
-            <a:ext cx="8185928" cy="4512755"/>
+            <a:off x="1966913" y="2328862"/>
+            <a:ext cx="5210175" cy="2876550"/>
           </a:xfrm>
         </p:spPr>
       </p:pic>
@@ -24143,7 +28958,7 @@
         <p:spPr/>
         <p:txBody>
           <a:bodyPr>
-            <a:normAutofit fontScale="92500" lnSpcReduction="20000"/>
+            <a:normAutofit/>
           </a:bodyPr>
           <a:lstStyle/>
           <a:p>
@@ -24289,7 +29104,7 @@
         <p:spPr/>
         <p:txBody>
           <a:bodyPr>
-            <a:normAutofit fontScale="92500" lnSpcReduction="20000"/>
+            <a:normAutofit/>
           </a:bodyPr>
           <a:lstStyle/>
           <a:p>
@@ -24488,7 +29303,7 @@
         <p:spPr/>
         <p:txBody>
           <a:bodyPr>
-            <a:normAutofit fontScale="92500" lnSpcReduction="20000"/>
+            <a:normAutofit/>
           </a:bodyPr>
           <a:lstStyle/>
           <a:p>
@@ -24625,7 +29440,7 @@
         <p:spPr/>
         <p:txBody>
           <a:bodyPr>
-            <a:normAutofit fontScale="92500" lnSpcReduction="20000"/>
+            <a:normAutofit/>
           </a:bodyPr>
           <a:lstStyle/>
           <a:p>
@@ -24785,7 +29600,7 @@
         <p:spPr/>
         <p:txBody>
           <a:bodyPr>
-            <a:normAutofit fontScale="92500" lnSpcReduction="20000"/>
+            <a:normAutofit/>
           </a:bodyPr>
           <a:lstStyle/>
           <a:p>
@@ -24917,7 +29732,7 @@
         <p:spPr/>
         <p:txBody>
           <a:bodyPr>
-            <a:normAutofit fontScale="92500" lnSpcReduction="20000"/>
+            <a:normAutofit/>
           </a:bodyPr>
           <a:lstStyle/>
           <a:p>
@@ -25049,7 +29864,7 @@
         <p:spPr/>
         <p:txBody>
           <a:bodyPr>
-            <a:normAutofit fontScale="92500" lnSpcReduction="20000"/>
+            <a:normAutofit/>
           </a:bodyPr>
           <a:lstStyle/>
           <a:p>
@@ -25187,7 +30002,7 @@
         <p:spPr/>
         <p:txBody>
           <a:bodyPr>
-            <a:normAutofit fontScale="92500" lnSpcReduction="20000"/>
+            <a:normAutofit/>
           </a:bodyPr>
           <a:lstStyle/>
           <a:p>
@@ -25315,7 +30130,7 @@
         <p:spPr/>
         <p:txBody>
           <a:bodyPr>
-            <a:normAutofit fontScale="92500" lnSpcReduction="20000"/>
+            <a:normAutofit/>
           </a:bodyPr>
           <a:lstStyle/>
           <a:p>
@@ -25441,7 +30256,7 @@
         <p:spPr/>
         <p:txBody>
           <a:bodyPr>
-            <a:normAutofit fontScale="92500" lnSpcReduction="20000"/>
+            <a:normAutofit/>
           </a:bodyPr>
           <a:lstStyle/>
           <a:p>
@@ -25534,267 +30349,6 @@
         </p:txBody>
       </p:sp>
     </p:spTree>
-  </p:cSld>
-  <p:clrMapOvr>
-    <a:masterClrMapping/>
-  </p:clrMapOvr>
-  <p:transition>
-    <p:fade/>
-  </p:transition>
-</p:sld>
-</file>
-
-<file path=ppt/slides/slide24.xml><?xml version="1.0" encoding="utf-8"?>
-<p:sld xmlns:a="http://schemas.openxmlformats.org/drawingml/2006/main" xmlns:r="http://schemas.openxmlformats.org/officeDocument/2006/relationships" xmlns:p="http://schemas.openxmlformats.org/presentationml/2006/main">
-  <p:cSld>
-    <p:spTree>
-      <p:nvGrpSpPr>
-        <p:cNvPr id="1" name=""/>
-        <p:cNvGrpSpPr/>
-        <p:nvPr/>
-      </p:nvGrpSpPr>
-      <p:grpSpPr>
-        <a:xfrm>
-          <a:off x="0" y="0"/>
-          <a:ext cx="0" cy="0"/>
-          <a:chOff x="0" y="0"/>
-          <a:chExt cx="0" cy="0"/>
-        </a:xfrm>
-      </p:grpSpPr>
-      <p:sp>
-        <p:nvSpPr>
-          <p:cNvPr id="3" name="Sous-titre 2"/>
-          <p:cNvSpPr>
-            <a:spLocks noGrp="1"/>
-          </p:cNvSpPr>
-          <p:nvPr>
-            <p:ph type="subTitle" idx="1"/>
-          </p:nvPr>
-        </p:nvSpPr>
-        <p:spPr/>
-        <p:txBody>
-          <a:bodyPr/>
-          <a:lstStyle/>
-          <a:p>
-            <a:endParaRPr lang="fr-FR" dirty="0"/>
-          </a:p>
-        </p:txBody>
-      </p:sp>
-      <p:sp>
-        <p:nvSpPr>
-          <p:cNvPr id="2" name="Titre 1"/>
-          <p:cNvSpPr>
-            <a:spLocks noGrp="1"/>
-          </p:cNvSpPr>
-          <p:nvPr>
-            <p:ph type="title"/>
-          </p:nvPr>
-        </p:nvSpPr>
-        <p:spPr/>
-        <p:txBody>
-          <a:bodyPr>
-            <a:normAutofit/>
-          </a:bodyPr>
-          <a:lstStyle/>
-          <a:p>
-            <a:r>
-              <a:rPr lang="en-GB" noProof="0" dirty="0" err="1"/>
-              <a:t>Komponentų</a:t>
-            </a:r>
-            <a:r>
-              <a:rPr lang="en-GB" noProof="0" dirty="0"/>
-              <a:t> </a:t>
-            </a:r>
-            <a:r>
-              <a:rPr lang="en-GB" noProof="0" dirty="0" err="1"/>
-              <a:t>kokybė</a:t>
-            </a:r>
-            <a:endParaRPr lang="en-GB" noProof="0" dirty="0"/>
-          </a:p>
-        </p:txBody>
-      </p:sp>
-      <p:sp>
-        <p:nvSpPr>
-          <p:cNvPr id="4" name="TextBox 3"/>
-          <p:cNvSpPr txBox="1"/>
-          <p:nvPr/>
-        </p:nvSpPr>
-        <p:spPr>
-          <a:xfrm>
-            <a:off x="467544" y="4797152"/>
-            <a:ext cx="8096274" cy="1200329"/>
-          </a:xfrm>
-          <a:prstGeom prst="rect">
-            <a:avLst/>
-          </a:prstGeom>
-        </p:spPr>
-        <p:style>
-          <a:lnRef idx="2">
-            <a:schemeClr val="accent1"/>
-          </a:lnRef>
-          <a:fillRef idx="1">
-            <a:schemeClr val="lt1"/>
-          </a:fillRef>
-          <a:effectRef idx="0">
-            <a:schemeClr val="accent1"/>
-          </a:effectRef>
-          <a:fontRef idx="minor">
-            <a:schemeClr val="dk1"/>
-          </a:fontRef>
-        </p:style>
-        <p:txBody>
-          <a:bodyPr wrap="square" rtlCol="0">
-            <a:spAutoFit/>
-          </a:bodyPr>
-          <a:lstStyle/>
-          <a:p>
-            <a:pPr algn="just"/>
-            <a:r>
-              <a:rPr lang="lt-LT" dirty="0"/>
-              <a:t>Projektas „Aukštojo mokslo I ir II pakopų informatikos ir informatikos inžinerijos krypčių studijų programų atnaujinimas bei naujų sukūrimas ir įgyvendinimas (AMIPA)“, projekto kodas VP1–2.2–ŠMM–09–V–01–003, finansuojamas iš Europos socialinio fondo ir Lietuvos valstybės biudžeto lėšų.</a:t>
-            </a:r>
-            <a:endParaRPr lang="en-US" dirty="0"/>
-          </a:p>
-        </p:txBody>
-      </p:sp>
-      <p:pic>
-        <p:nvPicPr>
-          <p:cNvPr id="8" name="Picture 7"/>
-          <p:cNvPicPr/>
-          <p:nvPr/>
-        </p:nvPicPr>
-        <p:blipFill>
-          <a:blip r:embed="rId2">
-            <a:extLst>
-              <a:ext uri="{28A0092B-C50C-407E-A947-70E740481C1C}">
-                <a14:useLocalDpi xmlns:a14="http://schemas.microsoft.com/office/drawing/2010/main" val="0"/>
-              </a:ext>
-            </a:extLst>
-          </a:blip>
-          <a:srcRect/>
-          <a:stretch>
-            <a:fillRect/>
-          </a:stretch>
-        </p:blipFill>
-        <p:spPr bwMode="auto">
-          <a:xfrm>
-            <a:off x="3563888" y="188640"/>
-            <a:ext cx="1631950" cy="666750"/>
-          </a:xfrm>
-          <a:prstGeom prst="rect">
-            <a:avLst/>
-          </a:prstGeom>
-          <a:noFill/>
-          <a:ln>
-            <a:noFill/>
-          </a:ln>
-        </p:spPr>
-      </p:pic>
-      <p:pic>
-        <p:nvPicPr>
-          <p:cNvPr id="9" name="Picture 8"/>
-          <p:cNvPicPr/>
-          <p:nvPr/>
-        </p:nvPicPr>
-        <p:blipFill>
-          <a:blip r:embed="rId3" cstate="print">
-            <a:extLst>
-              <a:ext uri="{28A0092B-C50C-407E-A947-70E740481C1C}">
-                <a14:useLocalDpi xmlns:a14="http://schemas.microsoft.com/office/drawing/2010/main" val="0"/>
-              </a:ext>
-            </a:extLst>
-          </a:blip>
-          <a:srcRect/>
-          <a:stretch>
-            <a:fillRect/>
-          </a:stretch>
-        </p:blipFill>
-        <p:spPr bwMode="auto">
-          <a:xfrm>
-            <a:off x="5292080" y="188640"/>
-            <a:ext cx="1536700" cy="457200"/>
-          </a:xfrm>
-          <a:prstGeom prst="rect">
-            <a:avLst/>
-          </a:prstGeom>
-          <a:noFill/>
-          <a:ln>
-            <a:noFill/>
-          </a:ln>
-        </p:spPr>
-      </p:pic>
-      <p:pic>
-        <p:nvPicPr>
-          <p:cNvPr id="10" name="Picture 9"/>
-          <p:cNvPicPr/>
-          <p:nvPr/>
-        </p:nvPicPr>
-        <p:blipFill>
-          <a:blip r:embed="rId4" cstate="print">
-            <a:extLst>
-              <a:ext uri="{28A0092B-C50C-407E-A947-70E740481C1C}">
-                <a14:useLocalDpi xmlns:a14="http://schemas.microsoft.com/office/drawing/2010/main" val="0"/>
-              </a:ext>
-            </a:extLst>
-          </a:blip>
-          <a:srcRect/>
-          <a:stretch>
-            <a:fillRect/>
-          </a:stretch>
-        </p:blipFill>
-        <p:spPr bwMode="auto">
-          <a:xfrm>
-            <a:off x="6972726" y="207690"/>
-            <a:ext cx="844550" cy="628650"/>
-          </a:xfrm>
-          <a:prstGeom prst="rect">
-            <a:avLst/>
-          </a:prstGeom>
-          <a:noFill/>
-          <a:ln>
-            <a:noFill/>
-          </a:ln>
-        </p:spPr>
-      </p:pic>
-      <p:pic>
-        <p:nvPicPr>
-          <p:cNvPr id="11" name="Picture 10"/>
-          <p:cNvPicPr/>
-          <p:nvPr/>
-        </p:nvPicPr>
-        <p:blipFill>
-          <a:blip r:embed="rId5" cstate="print">
-            <a:extLst>
-              <a:ext uri="{28A0092B-C50C-407E-A947-70E740481C1C}">
-                <a14:useLocalDpi xmlns:a14="http://schemas.microsoft.com/office/drawing/2010/main" val="0"/>
-              </a:ext>
-            </a:extLst>
-          </a:blip>
-          <a:srcRect/>
-          <a:stretch>
-            <a:fillRect/>
-          </a:stretch>
-        </p:blipFill>
-        <p:spPr bwMode="auto">
-          <a:xfrm>
-            <a:off x="7956376" y="207690"/>
-            <a:ext cx="679450" cy="679450"/>
-          </a:xfrm>
-          <a:prstGeom prst="rect">
-            <a:avLst/>
-          </a:prstGeom>
-          <a:noFill/>
-          <a:ln>
-            <a:noFill/>
-          </a:ln>
-        </p:spPr>
-      </p:pic>
-    </p:spTree>
-    <p:extLst>
-      <p:ext uri="{BB962C8B-B14F-4D97-AF65-F5344CB8AC3E}">
-        <p14:creationId xmlns:p14="http://schemas.microsoft.com/office/powerpoint/2010/main" val="2061853076"/>
-      </p:ext>
-    </p:extLst>
   </p:cSld>
   <p:clrMapOvr>
     <a:masterClrMapping/>
@@ -25835,7 +30389,7 @@
         <p:spPr/>
         <p:txBody>
           <a:bodyPr>
-            <a:normAutofit fontScale="92500" lnSpcReduction="20000"/>
+            <a:normAutofit/>
           </a:bodyPr>
           <a:lstStyle/>
           <a:p>
@@ -25980,7 +30534,7 @@
         <p:spPr/>
         <p:txBody>
           <a:bodyPr>
-            <a:normAutofit fontScale="92500" lnSpcReduction="20000"/>
+            <a:normAutofit/>
           </a:bodyPr>
           <a:lstStyle/>
           <a:p>
@@ -26121,7 +30675,7 @@
         <p:spPr/>
         <p:txBody>
           <a:bodyPr>
-            <a:normAutofit fontScale="92500" lnSpcReduction="20000"/>
+            <a:normAutofit/>
           </a:bodyPr>
           <a:lstStyle/>
           <a:p>
@@ -26242,7 +30796,7 @@
         <p:spPr/>
         <p:txBody>
           <a:bodyPr>
-            <a:normAutofit fontScale="92500" lnSpcReduction="20000"/>
+            <a:normAutofit/>
           </a:bodyPr>
           <a:lstStyle/>
           <a:p>
@@ -26363,7 +30917,7 @@
         <p:spPr/>
         <p:txBody>
           <a:bodyPr>
-            <a:normAutofit fontScale="92500" lnSpcReduction="20000"/>
+            <a:normAutofit/>
           </a:bodyPr>
           <a:lstStyle/>
           <a:p>
@@ -26530,7 +31084,7 @@
         <p:spPr/>
         <p:txBody>
           <a:bodyPr>
-            <a:normAutofit fontScale="92500" lnSpcReduction="20000"/>
+            <a:normAutofit/>
           </a:bodyPr>
           <a:lstStyle/>
           <a:p>
@@ -26668,7 +31222,7 @@
         <p:spPr/>
         <p:txBody>
           <a:bodyPr>
-            <a:normAutofit fontScale="92500" lnSpcReduction="20000"/>
+            <a:normAutofit/>
           </a:bodyPr>
           <a:lstStyle/>
           <a:p>
@@ -27183,6 +31737,321 @@
         <a:sysClr val="window" lastClr="FFFFFF"/>
       </a:lt1>
       <a:dk2>
+        <a:srgbClr val="0E2841"/>
+      </a:dk2>
+      <a:lt2>
+        <a:srgbClr val="E8E8E8"/>
+      </a:lt2>
+      <a:accent1>
+        <a:srgbClr val="156082"/>
+      </a:accent1>
+      <a:accent2>
+        <a:srgbClr val="E97132"/>
+      </a:accent2>
+      <a:accent3>
+        <a:srgbClr val="196B24"/>
+      </a:accent3>
+      <a:accent4>
+        <a:srgbClr val="0F9ED5"/>
+      </a:accent4>
+      <a:accent5>
+        <a:srgbClr val="A02B93"/>
+      </a:accent5>
+      <a:accent6>
+        <a:srgbClr val="4EA72E"/>
+      </a:accent6>
+      <a:hlink>
+        <a:srgbClr val="467886"/>
+      </a:hlink>
+      <a:folHlink>
+        <a:srgbClr val="96607D"/>
+      </a:folHlink>
+    </a:clrScheme>
+    <a:fontScheme name="Office">
+      <a:majorFont>
+        <a:latin typeface="Aptos Display" panose="02110004020202020204"/>
+        <a:ea typeface=""/>
+        <a:cs typeface=""/>
+        <a:font script="Jpan" typeface="游ゴシック Light"/>
+        <a:font script="Hang" typeface="맑은 고딕"/>
+        <a:font script="Hans" typeface="等线 Light"/>
+        <a:font script="Hant" typeface="新細明體"/>
+        <a:font script="Arab" typeface="Times New Roman"/>
+        <a:font script="Hebr" typeface="Times New Roman"/>
+        <a:font script="Thai" typeface="Angsana New"/>
+        <a:font script="Ethi" typeface="Nyala"/>
+        <a:font script="Beng" typeface="Vrinda"/>
+        <a:font script="Gujr" typeface="Shruti"/>
+        <a:font script="Khmr" typeface="MoolBoran"/>
+        <a:font script="Knda" typeface="Tunga"/>
+        <a:font script="Guru" typeface="Raavi"/>
+        <a:font script="Cans" typeface="Euphemia"/>
+        <a:font script="Cher" typeface="Plantagenet Cherokee"/>
+        <a:font script="Yiii" typeface="Microsoft Yi Baiti"/>
+        <a:font script="Tibt" typeface="Microsoft Himalaya"/>
+        <a:font script="Thaa" typeface="MV Boli"/>
+        <a:font script="Deva" typeface="Mangal"/>
+        <a:font script="Telu" typeface="Gautami"/>
+        <a:font script="Taml" typeface="Latha"/>
+        <a:font script="Syrc" typeface="Estrangelo Edessa"/>
+        <a:font script="Orya" typeface="Kalinga"/>
+        <a:font script="Mlym" typeface="Kartika"/>
+        <a:font script="Laoo" typeface="DokChampa"/>
+        <a:font script="Sinh" typeface="Iskoola Pota"/>
+        <a:font script="Mong" typeface="Mongolian Baiti"/>
+        <a:font script="Viet" typeface="Times New Roman"/>
+        <a:font script="Uigh" typeface="Microsoft Uighur"/>
+        <a:font script="Geor" typeface="Sylfaen"/>
+        <a:font script="Armn" typeface="Arial"/>
+        <a:font script="Bugi" typeface="Leelawadee UI"/>
+        <a:font script="Bopo" typeface="Microsoft JhengHei"/>
+        <a:font script="Java" typeface="Javanese Text"/>
+        <a:font script="Lisu" typeface="Segoe UI"/>
+        <a:font script="Mymr" typeface="Myanmar Text"/>
+        <a:font script="Nkoo" typeface="Ebrima"/>
+        <a:font script="Olck" typeface="Nirmala UI"/>
+        <a:font script="Osma" typeface="Ebrima"/>
+        <a:font script="Phag" typeface="Phagspa"/>
+        <a:font script="Syrn" typeface="Estrangelo Edessa"/>
+        <a:font script="Syrj" typeface="Estrangelo Edessa"/>
+        <a:font script="Syre" typeface="Estrangelo Edessa"/>
+        <a:font script="Sora" typeface="Nirmala UI"/>
+        <a:font script="Tale" typeface="Microsoft Tai Le"/>
+        <a:font script="Talu" typeface="Microsoft New Tai Lue"/>
+        <a:font script="Tfng" typeface="Ebrima"/>
+      </a:majorFont>
+      <a:minorFont>
+        <a:latin typeface="Aptos" panose="02110004020202020204"/>
+        <a:ea typeface=""/>
+        <a:cs typeface=""/>
+        <a:font script="Jpan" typeface="游ゴシック"/>
+        <a:font script="Hang" typeface="맑은 고딕"/>
+        <a:font script="Hans" typeface="等线"/>
+        <a:font script="Hant" typeface="新細明體"/>
+        <a:font script="Arab" typeface="Arial"/>
+        <a:font script="Hebr" typeface="Arial"/>
+        <a:font script="Thai" typeface="Cordia New"/>
+        <a:font script="Ethi" typeface="Nyala"/>
+        <a:font script="Beng" typeface="Vrinda"/>
+        <a:font script="Gujr" typeface="Shruti"/>
+        <a:font script="Khmr" typeface="DaunPenh"/>
+        <a:font script="Knda" typeface="Tunga"/>
+        <a:font script="Guru" typeface="Raavi"/>
+        <a:font script="Cans" typeface="Euphemia"/>
+        <a:font script="Cher" typeface="Plantagenet Cherokee"/>
+        <a:font script="Yiii" typeface="Microsoft Yi Baiti"/>
+        <a:font script="Tibt" typeface="Microsoft Himalaya"/>
+        <a:font script="Thaa" typeface="MV Boli"/>
+        <a:font script="Deva" typeface="Mangal"/>
+        <a:font script="Telu" typeface="Gautami"/>
+        <a:font script="Taml" typeface="Latha"/>
+        <a:font script="Syrc" typeface="Estrangelo Edessa"/>
+        <a:font script="Orya" typeface="Kalinga"/>
+        <a:font script="Mlym" typeface="Kartika"/>
+        <a:font script="Laoo" typeface="DokChampa"/>
+        <a:font script="Sinh" typeface="Iskoola Pota"/>
+        <a:font script="Mong" typeface="Mongolian Baiti"/>
+        <a:font script="Viet" typeface="Arial"/>
+        <a:font script="Uigh" typeface="Microsoft Uighur"/>
+        <a:font script="Geor" typeface="Sylfaen"/>
+        <a:font script="Armn" typeface="Arial"/>
+        <a:font script="Bugi" typeface="Leelawadee UI"/>
+        <a:font script="Bopo" typeface="Microsoft JhengHei"/>
+        <a:font script="Java" typeface="Javanese Text"/>
+        <a:font script="Lisu" typeface="Segoe UI"/>
+        <a:font script="Mymr" typeface="Myanmar Text"/>
+        <a:font script="Nkoo" typeface="Ebrima"/>
+        <a:font script="Olck" typeface="Nirmala UI"/>
+        <a:font script="Osma" typeface="Ebrima"/>
+        <a:font script="Phag" typeface="Phagspa"/>
+        <a:font script="Syrn" typeface="Estrangelo Edessa"/>
+        <a:font script="Syrj" typeface="Estrangelo Edessa"/>
+        <a:font script="Syre" typeface="Estrangelo Edessa"/>
+        <a:font script="Sora" typeface="Nirmala UI"/>
+        <a:font script="Tale" typeface="Microsoft Tai Le"/>
+        <a:font script="Talu" typeface="Microsoft New Tai Lue"/>
+        <a:font script="Tfng" typeface="Ebrima"/>
+      </a:minorFont>
+    </a:fontScheme>
+    <a:fmtScheme name="Office">
+      <a:fillStyleLst>
+        <a:solidFill>
+          <a:schemeClr val="phClr"/>
+        </a:solidFill>
+        <a:gradFill rotWithShape="1">
+          <a:gsLst>
+            <a:gs pos="0">
+              <a:schemeClr val="phClr">
+                <a:lumMod val="110000"/>
+                <a:satMod val="105000"/>
+                <a:tint val="67000"/>
+              </a:schemeClr>
+            </a:gs>
+            <a:gs pos="50000">
+              <a:schemeClr val="phClr">
+                <a:lumMod val="105000"/>
+                <a:satMod val="103000"/>
+                <a:tint val="73000"/>
+              </a:schemeClr>
+            </a:gs>
+            <a:gs pos="100000">
+              <a:schemeClr val="phClr">
+                <a:lumMod val="105000"/>
+                <a:satMod val="109000"/>
+                <a:tint val="81000"/>
+              </a:schemeClr>
+            </a:gs>
+          </a:gsLst>
+          <a:lin ang="5400000" scaled="0"/>
+        </a:gradFill>
+        <a:gradFill rotWithShape="1">
+          <a:gsLst>
+            <a:gs pos="0">
+              <a:schemeClr val="phClr">
+                <a:satMod val="103000"/>
+                <a:lumMod val="102000"/>
+                <a:tint val="94000"/>
+              </a:schemeClr>
+            </a:gs>
+            <a:gs pos="50000">
+              <a:schemeClr val="phClr">
+                <a:satMod val="110000"/>
+                <a:lumMod val="100000"/>
+                <a:shade val="100000"/>
+              </a:schemeClr>
+            </a:gs>
+            <a:gs pos="100000">
+              <a:schemeClr val="phClr">
+                <a:lumMod val="99000"/>
+                <a:satMod val="120000"/>
+                <a:shade val="78000"/>
+              </a:schemeClr>
+            </a:gs>
+          </a:gsLst>
+          <a:lin ang="5400000" scaled="0"/>
+        </a:gradFill>
+      </a:fillStyleLst>
+      <a:lnStyleLst>
+        <a:ln w="12700" cap="flat" cmpd="sng" algn="ctr">
+          <a:solidFill>
+            <a:schemeClr val="phClr"/>
+          </a:solidFill>
+          <a:prstDash val="solid"/>
+          <a:miter lim="800000"/>
+        </a:ln>
+        <a:ln w="19050" cap="flat" cmpd="sng" algn="ctr">
+          <a:solidFill>
+            <a:schemeClr val="phClr"/>
+          </a:solidFill>
+          <a:prstDash val="solid"/>
+          <a:miter lim="800000"/>
+        </a:ln>
+        <a:ln w="25400" cap="flat" cmpd="sng" algn="ctr">
+          <a:solidFill>
+            <a:schemeClr val="phClr"/>
+          </a:solidFill>
+          <a:prstDash val="solid"/>
+          <a:miter lim="800000"/>
+        </a:ln>
+      </a:lnStyleLst>
+      <a:effectStyleLst>
+        <a:effectStyle>
+          <a:effectLst/>
+        </a:effectStyle>
+        <a:effectStyle>
+          <a:effectLst/>
+        </a:effectStyle>
+        <a:effectStyle>
+          <a:effectLst>
+            <a:outerShdw blurRad="57150" dist="19050" dir="5400000" algn="ctr" rotWithShape="0">
+              <a:srgbClr val="000000">
+                <a:alpha val="63000"/>
+              </a:srgbClr>
+            </a:outerShdw>
+          </a:effectLst>
+        </a:effectStyle>
+      </a:effectStyleLst>
+      <a:bgFillStyleLst>
+        <a:solidFill>
+          <a:schemeClr val="phClr"/>
+        </a:solidFill>
+        <a:solidFill>
+          <a:schemeClr val="phClr">
+            <a:tint val="95000"/>
+            <a:satMod val="170000"/>
+          </a:schemeClr>
+        </a:solidFill>
+        <a:gradFill rotWithShape="1">
+          <a:gsLst>
+            <a:gs pos="0">
+              <a:schemeClr val="phClr">
+                <a:tint val="93000"/>
+                <a:satMod val="150000"/>
+                <a:shade val="98000"/>
+                <a:lumMod val="102000"/>
+              </a:schemeClr>
+            </a:gs>
+            <a:gs pos="50000">
+              <a:schemeClr val="phClr">
+                <a:tint val="98000"/>
+                <a:satMod val="130000"/>
+                <a:shade val="90000"/>
+                <a:lumMod val="103000"/>
+              </a:schemeClr>
+            </a:gs>
+            <a:gs pos="100000">
+              <a:schemeClr val="phClr">
+                <a:shade val="63000"/>
+                <a:satMod val="120000"/>
+              </a:schemeClr>
+            </a:gs>
+          </a:gsLst>
+          <a:lin ang="5400000" scaled="0"/>
+        </a:gradFill>
+      </a:bgFillStyleLst>
+    </a:fmtScheme>
+  </a:themeElements>
+  <a:objectDefaults>
+    <a:lnDef>
+      <a:spPr/>
+      <a:bodyPr/>
+      <a:lstStyle/>
+      <a:style>
+        <a:lnRef idx="2">
+          <a:schemeClr val="accent1"/>
+        </a:lnRef>
+        <a:fillRef idx="0">
+          <a:schemeClr val="accent1"/>
+        </a:fillRef>
+        <a:effectRef idx="1">
+          <a:schemeClr val="accent1"/>
+        </a:effectRef>
+        <a:fontRef idx="minor">
+          <a:schemeClr val="tx1"/>
+        </a:fontRef>
+      </a:style>
+    </a:lnDef>
+  </a:objectDefaults>
+  <a:extraClrSchemeLst/>
+  <a:extLst>
+    <a:ext uri="{05A4C25C-085E-4340-85A3-A5531E510DB2}">
+      <thm15:themeFamily xmlns:thm15="http://schemas.microsoft.com/office/thememl/2012/main" name="Office Theme" id="{2E142A2C-CD16-42D6-873A-C26D2A0506FA}" vid="{1BDDFF52-6CD6-40A5-AB3C-68EB2F1E4D0A}"/>
+    </a:ext>
+  </a:extLst>
+</a:theme>
+</file>
+
+<file path=ppt/theme/theme3.xml><?xml version="1.0" encoding="utf-8"?>
+<a:theme xmlns:a="http://schemas.openxmlformats.org/drawingml/2006/main" name="Thème Office">
+  <a:themeElements>
+    <a:clrScheme name="Office">
+      <a:dk1>
+        <a:sysClr val="windowText" lastClr="000000"/>
+      </a:dk1>
+      <a:lt1>
+        <a:sysClr val="window" lastClr="FFFFFF"/>
+      </a:lt1>
+      <a:dk2>
         <a:srgbClr val="1F497D"/>
       </a:dk2>
       <a:lt2>
